--- a/Linkedlist/presentation/LinkedLists.pptx
+++ b/Linkedlist/presentation/LinkedLists.pptx
@@ -57,10 +57,6 @@
     <p:sldId id="302" r:id="rId54"/>
     <p:sldId id="303" r:id="rId55"/>
     <p:sldId id="304" r:id="rId56"/>
-    <p:sldId id="305" r:id="rId57"/>
-    <p:sldId id="306" r:id="rId58"/>
-    <p:sldId id="307" r:id="rId59"/>
-    <p:sldId id="308" r:id="rId60"/>
   </p:sldIdLst>
   <p:sldSz cx="13004800" cy="9753600"/>
   <p:notesSz cx="6858000" cy="9144000"/>
@@ -562,7 +558,7 @@
       </p:grpSpPr>
       <p:sp>
         <p:nvSpPr>
-          <p:cNvPr id="138" name="Shape 138"/>
+          <p:cNvPr id="137" name="Shape 137"/>
           <p:cNvSpPr/>
           <p:nvPr>
             <p:ph type="sldImg"/>
@@ -583,7 +579,7 @@
       </p:sp>
       <p:sp>
         <p:nvSpPr>
-          <p:cNvPr id="139" name="Shape 139"/>
+          <p:cNvPr id="138" name="Shape 138"/>
           <p:cNvSpPr/>
           <p:nvPr>
             <p:ph type="body" sz="quarter" idx="1"/>
@@ -632,7 +628,7 @@
       </p:grpSpPr>
       <p:sp>
         <p:nvSpPr>
-          <p:cNvPr id="252" name="Shape 252"/>
+          <p:cNvPr id="251" name="Shape 251"/>
           <p:cNvSpPr/>
           <p:nvPr>
             <p:ph type="sldImg"/>
@@ -653,7 +649,7 @@
       </p:sp>
       <p:sp>
         <p:nvSpPr>
-          <p:cNvPr id="253" name="Shape 253"/>
+          <p:cNvPr id="252" name="Shape 252"/>
           <p:cNvSpPr/>
           <p:nvPr>
             <p:ph type="body" sz="quarter" idx="1"/>
@@ -702,7 +698,7 @@
       </p:grpSpPr>
       <p:sp>
         <p:nvSpPr>
-          <p:cNvPr id="271" name="Shape 271"/>
+          <p:cNvPr id="270" name="Shape 270"/>
           <p:cNvSpPr/>
           <p:nvPr>
             <p:ph type="sldImg"/>
@@ -723,7 +719,7 @@
       </p:sp>
       <p:sp>
         <p:nvSpPr>
-          <p:cNvPr id="272" name="Shape 272"/>
+          <p:cNvPr id="271" name="Shape 271"/>
           <p:cNvSpPr/>
           <p:nvPr>
             <p:ph type="body" sz="quarter" idx="1"/>
@@ -772,7 +768,7 @@
       </p:grpSpPr>
       <p:sp>
         <p:nvSpPr>
-          <p:cNvPr id="291" name="Shape 291"/>
+          <p:cNvPr id="290" name="Shape 290"/>
           <p:cNvSpPr/>
           <p:nvPr>
             <p:ph type="sldImg"/>
@@ -793,7 +789,7 @@
       </p:sp>
       <p:sp>
         <p:nvSpPr>
-          <p:cNvPr id="292" name="Shape 292"/>
+          <p:cNvPr id="291" name="Shape 291"/>
           <p:cNvSpPr/>
           <p:nvPr>
             <p:ph type="body" sz="quarter" idx="1"/>
@@ -842,7 +838,7 @@
       </p:grpSpPr>
       <p:sp>
         <p:nvSpPr>
-          <p:cNvPr id="311" name="Shape 311"/>
+          <p:cNvPr id="310" name="Shape 310"/>
           <p:cNvSpPr/>
           <p:nvPr>
             <p:ph type="sldImg"/>
@@ -863,7 +859,7 @@
       </p:sp>
       <p:sp>
         <p:nvSpPr>
-          <p:cNvPr id="312" name="Shape 312"/>
+          <p:cNvPr id="311" name="Shape 311"/>
           <p:cNvSpPr/>
           <p:nvPr>
             <p:ph type="body" sz="quarter" idx="1"/>
@@ -912,7 +908,7 @@
       </p:grpSpPr>
       <p:sp>
         <p:nvSpPr>
-          <p:cNvPr id="331" name="Shape 331"/>
+          <p:cNvPr id="330" name="Shape 330"/>
           <p:cNvSpPr/>
           <p:nvPr>
             <p:ph type="sldImg"/>
@@ -933,7 +929,7 @@
       </p:sp>
       <p:sp>
         <p:nvSpPr>
-          <p:cNvPr id="332" name="Shape 332"/>
+          <p:cNvPr id="331" name="Shape 331"/>
           <p:cNvSpPr/>
           <p:nvPr>
             <p:ph type="body" sz="quarter" idx="1"/>
@@ -982,7 +978,7 @@
       </p:grpSpPr>
       <p:sp>
         <p:nvSpPr>
-          <p:cNvPr id="366" name="Shape 366"/>
+          <p:cNvPr id="365" name="Shape 365"/>
           <p:cNvSpPr/>
           <p:nvPr>
             <p:ph type="sldImg"/>
@@ -1003,7 +999,7 @@
       </p:sp>
       <p:sp>
         <p:nvSpPr>
-          <p:cNvPr id="367" name="Shape 367"/>
+          <p:cNvPr id="366" name="Shape 366"/>
           <p:cNvSpPr/>
           <p:nvPr>
             <p:ph type="body" sz="quarter" idx="1"/>
@@ -1052,7 +1048,7 @@
       </p:grpSpPr>
       <p:sp>
         <p:nvSpPr>
-          <p:cNvPr id="387" name="Shape 387"/>
+          <p:cNvPr id="386" name="Shape 386"/>
           <p:cNvSpPr/>
           <p:nvPr>
             <p:ph type="sldImg"/>
@@ -1073,7 +1069,7 @@
       </p:sp>
       <p:sp>
         <p:nvSpPr>
-          <p:cNvPr id="388" name="Shape 388"/>
+          <p:cNvPr id="387" name="Shape 387"/>
           <p:cNvSpPr/>
           <p:nvPr>
             <p:ph type="body" sz="quarter" idx="1"/>
@@ -1122,7 +1118,7 @@
       </p:grpSpPr>
       <p:sp>
         <p:nvSpPr>
-          <p:cNvPr id="408" name="Shape 408"/>
+          <p:cNvPr id="407" name="Shape 407"/>
           <p:cNvSpPr/>
           <p:nvPr>
             <p:ph type="sldImg"/>
@@ -1143,7 +1139,7 @@
       </p:sp>
       <p:sp>
         <p:nvSpPr>
-          <p:cNvPr id="409" name="Shape 409"/>
+          <p:cNvPr id="408" name="Shape 408"/>
           <p:cNvSpPr/>
           <p:nvPr>
             <p:ph type="body" sz="quarter" idx="1"/>
@@ -1192,7 +1188,7 @@
       </p:grpSpPr>
       <p:sp>
         <p:nvSpPr>
-          <p:cNvPr id="430" name="Shape 430"/>
+          <p:cNvPr id="429" name="Shape 429"/>
           <p:cNvSpPr/>
           <p:nvPr>
             <p:ph type="sldImg"/>
@@ -1213,7 +1209,7 @@
       </p:sp>
       <p:sp>
         <p:nvSpPr>
-          <p:cNvPr id="431" name="Shape 431"/>
+          <p:cNvPr id="430" name="Shape 430"/>
           <p:cNvSpPr/>
           <p:nvPr>
             <p:ph type="body" sz="quarter" idx="1"/>
@@ -1262,7 +1258,7 @@
       </p:grpSpPr>
       <p:sp>
         <p:nvSpPr>
-          <p:cNvPr id="453" name="Shape 453"/>
+          <p:cNvPr id="452" name="Shape 452"/>
           <p:cNvSpPr/>
           <p:nvPr>
             <p:ph type="sldImg"/>
@@ -1283,7 +1279,7 @@
       </p:sp>
       <p:sp>
         <p:nvSpPr>
-          <p:cNvPr id="454" name="Shape 454"/>
+          <p:cNvPr id="453" name="Shape 453"/>
           <p:cNvSpPr/>
           <p:nvPr>
             <p:ph type="body" sz="quarter" idx="1"/>
@@ -1332,7 +1328,7 @@
       </p:grpSpPr>
       <p:sp>
         <p:nvSpPr>
-          <p:cNvPr id="143" name="Shape 143"/>
+          <p:cNvPr id="142" name="Shape 142"/>
           <p:cNvSpPr/>
           <p:nvPr>
             <p:ph type="sldImg"/>
@@ -1353,7 +1349,7 @@
       </p:sp>
       <p:sp>
         <p:nvSpPr>
-          <p:cNvPr id="144" name="Shape 144"/>
+          <p:cNvPr id="143" name="Shape 143"/>
           <p:cNvSpPr/>
           <p:nvPr>
             <p:ph type="body" sz="quarter" idx="1"/>
@@ -1420,7 +1416,7 @@
       </p:grpSpPr>
       <p:sp>
         <p:nvSpPr>
-          <p:cNvPr id="477" name="Shape 477"/>
+          <p:cNvPr id="476" name="Shape 476"/>
           <p:cNvSpPr/>
           <p:nvPr>
             <p:ph type="sldImg"/>
@@ -1441,7 +1437,7 @@
       </p:sp>
       <p:sp>
         <p:nvSpPr>
-          <p:cNvPr id="478" name="Shape 478"/>
+          <p:cNvPr id="477" name="Shape 477"/>
           <p:cNvSpPr/>
           <p:nvPr>
             <p:ph type="body" sz="quarter" idx="1"/>
@@ -1490,7 +1486,7 @@
       </p:grpSpPr>
       <p:sp>
         <p:nvSpPr>
-          <p:cNvPr id="501" name="Shape 501"/>
+          <p:cNvPr id="500" name="Shape 500"/>
           <p:cNvSpPr/>
           <p:nvPr>
             <p:ph type="sldImg"/>
@@ -1511,7 +1507,7 @@
       </p:sp>
       <p:sp>
         <p:nvSpPr>
-          <p:cNvPr id="502" name="Shape 502"/>
+          <p:cNvPr id="501" name="Shape 501"/>
           <p:cNvSpPr/>
           <p:nvPr>
             <p:ph type="body" sz="quarter" idx="1"/>
@@ -1560,7 +1556,7 @@
       </p:grpSpPr>
       <p:sp>
         <p:nvSpPr>
-          <p:cNvPr id="525" name="Shape 525"/>
+          <p:cNvPr id="524" name="Shape 524"/>
           <p:cNvSpPr/>
           <p:nvPr>
             <p:ph type="sldImg"/>
@@ -1581,7 +1577,7 @@
       </p:sp>
       <p:sp>
         <p:nvSpPr>
-          <p:cNvPr id="526" name="Shape 526"/>
+          <p:cNvPr id="525" name="Shape 525"/>
           <p:cNvSpPr/>
           <p:nvPr>
             <p:ph type="body" sz="quarter" idx="1"/>
@@ -1630,7 +1626,7 @@
       </p:grpSpPr>
       <p:sp>
         <p:nvSpPr>
-          <p:cNvPr id="549" name="Shape 549"/>
+          <p:cNvPr id="548" name="Shape 548"/>
           <p:cNvSpPr/>
           <p:nvPr>
             <p:ph type="sldImg"/>
@@ -1651,7 +1647,7 @@
       </p:sp>
       <p:sp>
         <p:nvSpPr>
-          <p:cNvPr id="550" name="Shape 550"/>
+          <p:cNvPr id="549" name="Shape 549"/>
           <p:cNvSpPr/>
           <p:nvPr>
             <p:ph type="body" sz="quarter" idx="1"/>
@@ -1700,7 +1696,7 @@
       </p:grpSpPr>
       <p:sp>
         <p:nvSpPr>
-          <p:cNvPr id="587" name="Shape 587"/>
+          <p:cNvPr id="586" name="Shape 586"/>
           <p:cNvSpPr/>
           <p:nvPr>
             <p:ph type="sldImg"/>
@@ -1721,7 +1717,7 @@
       </p:sp>
       <p:sp>
         <p:nvSpPr>
-          <p:cNvPr id="588" name="Shape 588"/>
+          <p:cNvPr id="587" name="Shape 587"/>
           <p:cNvSpPr/>
           <p:nvPr>
             <p:ph type="body" sz="quarter" idx="1"/>
@@ -1770,7 +1766,7 @@
       </p:grpSpPr>
       <p:sp>
         <p:nvSpPr>
-          <p:cNvPr id="609" name="Shape 609"/>
+          <p:cNvPr id="608" name="Shape 608"/>
           <p:cNvSpPr/>
           <p:nvPr>
             <p:ph type="sldImg"/>
@@ -1791,7 +1787,7 @@
       </p:sp>
       <p:sp>
         <p:nvSpPr>
-          <p:cNvPr id="610" name="Shape 610"/>
+          <p:cNvPr id="609" name="Shape 609"/>
           <p:cNvSpPr/>
           <p:nvPr>
             <p:ph type="body" sz="quarter" idx="1"/>
@@ -1840,7 +1836,7 @@
       </p:grpSpPr>
       <p:sp>
         <p:nvSpPr>
-          <p:cNvPr id="651" name="Shape 651"/>
+          <p:cNvPr id="650" name="Shape 650"/>
           <p:cNvSpPr/>
           <p:nvPr>
             <p:ph type="sldImg"/>
@@ -1861,7 +1857,7 @@
       </p:sp>
       <p:sp>
         <p:nvSpPr>
-          <p:cNvPr id="652" name="Shape 652"/>
+          <p:cNvPr id="651" name="Shape 651"/>
           <p:cNvSpPr/>
           <p:nvPr>
             <p:ph type="body" sz="quarter" idx="1"/>
@@ -1910,7 +1906,7 @@
       </p:grpSpPr>
       <p:sp>
         <p:nvSpPr>
-          <p:cNvPr id="675" name="Shape 675"/>
+          <p:cNvPr id="674" name="Shape 674"/>
           <p:cNvSpPr/>
           <p:nvPr>
             <p:ph type="sldImg"/>
@@ -1931,7 +1927,7 @@
       </p:sp>
       <p:sp>
         <p:nvSpPr>
-          <p:cNvPr id="676" name="Shape 676"/>
+          <p:cNvPr id="675" name="Shape 675"/>
           <p:cNvSpPr/>
           <p:nvPr>
             <p:ph type="body" sz="quarter" idx="1"/>
@@ -1980,7 +1976,7 @@
       </p:grpSpPr>
       <p:sp>
         <p:nvSpPr>
-          <p:cNvPr id="699" name="Shape 699"/>
+          <p:cNvPr id="698" name="Shape 698"/>
           <p:cNvSpPr/>
           <p:nvPr>
             <p:ph type="sldImg"/>
@@ -2001,7 +1997,7 @@
       </p:sp>
       <p:sp>
         <p:nvSpPr>
-          <p:cNvPr id="700" name="Shape 700"/>
+          <p:cNvPr id="699" name="Shape 699"/>
           <p:cNvSpPr/>
           <p:nvPr>
             <p:ph type="body" sz="quarter" idx="1"/>
@@ -2050,7 +2046,7 @@
       </p:grpSpPr>
       <p:sp>
         <p:nvSpPr>
-          <p:cNvPr id="725" name="Shape 725"/>
+          <p:cNvPr id="724" name="Shape 724"/>
           <p:cNvSpPr/>
           <p:nvPr>
             <p:ph type="sldImg"/>
@@ -2071,7 +2067,7 @@
       </p:sp>
       <p:sp>
         <p:nvSpPr>
-          <p:cNvPr id="726" name="Shape 726"/>
+          <p:cNvPr id="725" name="Shape 725"/>
           <p:cNvSpPr/>
           <p:nvPr>
             <p:ph type="body" sz="quarter" idx="1"/>
@@ -2120,7 +2116,7 @@
       </p:grpSpPr>
       <p:sp>
         <p:nvSpPr>
-          <p:cNvPr id="159" name="Shape 159"/>
+          <p:cNvPr id="158" name="Shape 158"/>
           <p:cNvSpPr/>
           <p:nvPr>
             <p:ph type="sldImg"/>
@@ -2141,7 +2137,7 @@
       </p:sp>
       <p:sp>
         <p:nvSpPr>
-          <p:cNvPr id="160" name="Shape 160"/>
+          <p:cNvPr id="159" name="Shape 159"/>
           <p:cNvSpPr/>
           <p:nvPr>
             <p:ph type="body" sz="quarter" idx="1"/>
@@ -2196,7 +2192,7 @@
       </p:grpSpPr>
       <p:sp>
         <p:nvSpPr>
-          <p:cNvPr id="747" name="Shape 747"/>
+          <p:cNvPr id="746" name="Shape 746"/>
           <p:cNvSpPr/>
           <p:nvPr>
             <p:ph type="sldImg"/>
@@ -2217,7 +2213,7 @@
       </p:sp>
       <p:sp>
         <p:nvSpPr>
-          <p:cNvPr id="748" name="Shape 748"/>
+          <p:cNvPr id="747" name="Shape 747"/>
           <p:cNvSpPr/>
           <p:nvPr>
             <p:ph type="body" sz="quarter" idx="1"/>
@@ -2266,7 +2262,7 @@
       </p:grpSpPr>
       <p:sp>
         <p:nvSpPr>
-          <p:cNvPr id="767" name="Shape 767"/>
+          <p:cNvPr id="766" name="Shape 766"/>
           <p:cNvSpPr/>
           <p:nvPr>
             <p:ph type="sldImg"/>
@@ -2287,7 +2283,7 @@
       </p:sp>
       <p:sp>
         <p:nvSpPr>
-          <p:cNvPr id="768" name="Shape 768"/>
+          <p:cNvPr id="767" name="Shape 767"/>
           <p:cNvSpPr/>
           <p:nvPr>
             <p:ph type="body" sz="quarter" idx="1"/>
@@ -2336,7 +2332,7 @@
       </p:grpSpPr>
       <p:sp>
         <p:nvSpPr>
-          <p:cNvPr id="803" name="Shape 803"/>
+          <p:cNvPr id="802" name="Shape 802"/>
           <p:cNvSpPr/>
           <p:nvPr>
             <p:ph type="sldImg"/>
@@ -2357,7 +2353,7 @@
       </p:sp>
       <p:sp>
         <p:nvSpPr>
-          <p:cNvPr id="804" name="Shape 804"/>
+          <p:cNvPr id="803" name="Shape 803"/>
           <p:cNvSpPr/>
           <p:nvPr>
             <p:ph type="body" sz="quarter" idx="1"/>
@@ -2406,7 +2402,7 @@
       </p:grpSpPr>
       <p:sp>
         <p:nvSpPr>
-          <p:cNvPr id="827" name="Shape 827"/>
+          <p:cNvPr id="826" name="Shape 826"/>
           <p:cNvSpPr/>
           <p:nvPr>
             <p:ph type="sldImg"/>
@@ -2427,7 +2423,7 @@
       </p:sp>
       <p:sp>
         <p:nvSpPr>
-          <p:cNvPr id="828" name="Shape 828"/>
+          <p:cNvPr id="827" name="Shape 827"/>
           <p:cNvSpPr/>
           <p:nvPr>
             <p:ph type="body" sz="quarter" idx="1"/>
@@ -2476,7 +2472,7 @@
       </p:grpSpPr>
       <p:sp>
         <p:nvSpPr>
-          <p:cNvPr id="895" name="Shape 895"/>
+          <p:cNvPr id="894" name="Shape 894"/>
           <p:cNvSpPr/>
           <p:nvPr>
             <p:ph type="sldImg"/>
@@ -2497,7 +2493,7 @@
       </p:sp>
       <p:sp>
         <p:nvSpPr>
-          <p:cNvPr id="896" name="Shape 896"/>
+          <p:cNvPr id="895" name="Shape 895"/>
           <p:cNvSpPr/>
           <p:nvPr>
             <p:ph type="body" sz="quarter" idx="1"/>
@@ -2546,7 +2542,7 @@
       </p:grpSpPr>
       <p:sp>
         <p:nvSpPr>
-          <p:cNvPr id="921" name="Shape 921"/>
+          <p:cNvPr id="920" name="Shape 920"/>
           <p:cNvSpPr/>
           <p:nvPr>
             <p:ph type="sldImg"/>
@@ -2567,7 +2563,7 @@
       </p:sp>
       <p:sp>
         <p:nvSpPr>
-          <p:cNvPr id="922" name="Shape 922"/>
+          <p:cNvPr id="921" name="Shape 921"/>
           <p:cNvSpPr/>
           <p:nvPr>
             <p:ph type="body" sz="quarter" idx="1"/>
@@ -2616,7 +2612,7 @@
       </p:grpSpPr>
       <p:sp>
         <p:nvSpPr>
-          <p:cNvPr id="947" name="Shape 947"/>
+          <p:cNvPr id="946" name="Shape 946"/>
           <p:cNvSpPr/>
           <p:nvPr>
             <p:ph type="sldImg"/>
@@ -2637,7 +2633,7 @@
       </p:sp>
       <p:sp>
         <p:nvSpPr>
-          <p:cNvPr id="948" name="Shape 948"/>
+          <p:cNvPr id="947" name="Shape 947"/>
           <p:cNvSpPr/>
           <p:nvPr>
             <p:ph type="body" sz="quarter" idx="1"/>
@@ -2686,7 +2682,7 @@
       </p:grpSpPr>
       <p:sp>
         <p:nvSpPr>
-          <p:cNvPr id="968" name="Shape 968"/>
+          <p:cNvPr id="967" name="Shape 967"/>
           <p:cNvSpPr/>
           <p:nvPr>
             <p:ph type="sldImg"/>
@@ -2707,7 +2703,7 @@
       </p:sp>
       <p:sp>
         <p:nvSpPr>
-          <p:cNvPr id="969" name="Shape 969"/>
+          <p:cNvPr id="968" name="Shape 968"/>
           <p:cNvSpPr/>
           <p:nvPr>
             <p:ph type="body" sz="quarter" idx="1"/>
@@ -2756,7 +2752,7 @@
       </p:grpSpPr>
       <p:sp>
         <p:nvSpPr>
-          <p:cNvPr id="987" name="Shape 987"/>
+          <p:cNvPr id="986" name="Shape 986"/>
           <p:cNvSpPr/>
           <p:nvPr>
             <p:ph type="sldImg"/>
@@ -2777,7 +2773,7 @@
       </p:sp>
       <p:sp>
         <p:nvSpPr>
-          <p:cNvPr id="988" name="Shape 988"/>
+          <p:cNvPr id="987" name="Shape 987"/>
           <p:cNvSpPr/>
           <p:nvPr>
             <p:ph type="body" sz="quarter" idx="1"/>
@@ -2826,7 +2822,7 @@
       </p:grpSpPr>
       <p:sp>
         <p:nvSpPr>
-          <p:cNvPr id="991" name="Shape 991"/>
+          <p:cNvPr id="990" name="Shape 990"/>
           <p:cNvSpPr/>
           <p:nvPr>
             <p:ph type="sldImg"/>
@@ -2847,7 +2843,7 @@
       </p:sp>
       <p:sp>
         <p:nvSpPr>
-          <p:cNvPr id="992" name="Shape 992"/>
+          <p:cNvPr id="991" name="Shape 991"/>
           <p:cNvSpPr/>
           <p:nvPr>
             <p:ph type="body" sz="quarter" idx="1"/>
@@ -2896,7 +2892,7 @@
       </p:grpSpPr>
       <p:sp>
         <p:nvSpPr>
-          <p:cNvPr id="164" name="Shape 164"/>
+          <p:cNvPr id="163" name="Shape 163"/>
           <p:cNvSpPr/>
           <p:nvPr>
             <p:ph type="sldImg"/>
@@ -2917,7 +2913,7 @@
       </p:sp>
       <p:sp>
         <p:nvSpPr>
-          <p:cNvPr id="165" name="Shape 165"/>
+          <p:cNvPr id="164" name="Shape 164"/>
           <p:cNvSpPr/>
           <p:nvPr>
             <p:ph type="body" sz="quarter" idx="1"/>
@@ -3002,7 +2998,7 @@
       </p:grpSpPr>
       <p:sp>
         <p:nvSpPr>
-          <p:cNvPr id="998" name="Shape 998"/>
+          <p:cNvPr id="997" name="Shape 997"/>
           <p:cNvSpPr/>
           <p:nvPr>
             <p:ph type="sldImg"/>
@@ -3023,7 +3019,7 @@
       </p:sp>
       <p:sp>
         <p:nvSpPr>
-          <p:cNvPr id="999" name="Shape 999"/>
+          <p:cNvPr id="998" name="Shape 998"/>
           <p:cNvSpPr/>
           <p:nvPr>
             <p:ph type="body" sz="quarter" idx="1"/>
@@ -3090,7 +3086,7 @@
       </p:grpSpPr>
       <p:sp>
         <p:nvSpPr>
-          <p:cNvPr id="1005" name="Shape 1005"/>
+          <p:cNvPr id="1004" name="Shape 1004"/>
           <p:cNvSpPr/>
           <p:nvPr>
             <p:ph type="sldImg"/>
@@ -3111,7 +3107,7 @@
       </p:sp>
       <p:sp>
         <p:nvSpPr>
-          <p:cNvPr id="1006" name="Shape 1006"/>
+          <p:cNvPr id="1005" name="Shape 1005"/>
           <p:cNvSpPr/>
           <p:nvPr>
             <p:ph type="body" sz="quarter" idx="1"/>
@@ -3156,76 +3152,6 @@
             <a:pPr/>
             <a:r>
               <a:t>And finally removing in the middle takes linear time because in the worse case we need to seek through n-1 elements.</a:t>
-            </a:r>
-          </a:p>
-        </p:txBody>
-      </p:sp>
-    </p:spTree>
-  </p:cSld>
-  <p:clrMapOvr>
-    <a:masterClrMapping/>
-  </p:clrMapOvr>
-</p:notes>
-</file>
-
-<file path=ppt/notesSlides/notesSlide42.xml><?xml version="1.0" encoding="utf-8"?>
-<p:notes xmlns:a="http://schemas.openxmlformats.org/drawingml/2006/main" xmlns:r="http://schemas.openxmlformats.org/officeDocument/2006/relationships" xmlns:p="http://schemas.openxmlformats.org/presentationml/2006/main" showMasterSp="1" showMasterPhAnim="1">
-  <p:cSld>
-    <p:spTree>
-      <p:nvGrpSpPr>
-        <p:cNvPr id="1" name=""/>
-        <p:cNvGrpSpPr/>
-        <p:nvPr/>
-      </p:nvGrpSpPr>
-      <p:grpSpPr>
-        <a:xfrm>
-          <a:off x="0" y="0"/>
-          <a:ext cx="0" cy="0"/>
-          <a:chOff x="0" y="0"/>
-          <a:chExt cx="0" cy="0"/>
-        </a:xfrm>
-      </p:grpSpPr>
-      <p:sp>
-        <p:nvSpPr>
-          <p:cNvPr id="1012" name="Shape 1012"/>
-          <p:cNvSpPr/>
-          <p:nvPr>
-            <p:ph type="sldImg"/>
-          </p:nvPr>
-        </p:nvSpPr>
-        <p:spPr>
-          <a:prstGeom prst="rect">
-            <a:avLst/>
-          </a:prstGeom>
-        </p:spPr>
-        <p:txBody>
-          <a:bodyPr/>
-          <a:lstStyle/>
-          <a:p>
-            <a:pPr/>
-          </a:p>
-        </p:txBody>
-      </p:sp>
-      <p:sp>
-        <p:nvSpPr>
-          <p:cNvPr id="1013" name="Shape 1013"/>
-          <p:cNvSpPr/>
-          <p:nvPr>
-            <p:ph type="body" sz="quarter" idx="1"/>
-          </p:nvPr>
-        </p:nvSpPr>
-        <p:spPr>
-          <a:prstGeom prst="rect">
-            <a:avLst/>
-          </a:prstGeom>
-        </p:spPr>
-        <p:txBody>
-          <a:bodyPr/>
-          <a:lstStyle/>
-          <a:p>
-            <a:pPr/>
-            <a:r>
-              <a:t>Alright time for to have a look at some source code! I implemented a doubly linked list we can have a look at in some more detail. Also if you want the source code for the doubly linked list in the next video have a look at the link for the code repo provided below.</a:t>
             </a:r>
           </a:p>
         </p:txBody>
@@ -3257,7 +3183,7 @@
       </p:grpSpPr>
       <p:sp>
         <p:nvSpPr>
-          <p:cNvPr id="181" name="Shape 181"/>
+          <p:cNvPr id="180" name="Shape 180"/>
           <p:cNvSpPr/>
           <p:nvPr>
             <p:ph type="sldImg"/>
@@ -3278,7 +3204,7 @@
       </p:sp>
       <p:sp>
         <p:nvSpPr>
-          <p:cNvPr id="182" name="Shape 182"/>
+          <p:cNvPr id="181" name="Shape 181"/>
           <p:cNvSpPr/>
           <p:nvPr>
             <p:ph type="body" sz="quarter" idx="1"/>
@@ -3327,7 +3253,7 @@
       </p:grpSpPr>
       <p:sp>
         <p:nvSpPr>
-          <p:cNvPr id="189" name="Shape 189"/>
+          <p:cNvPr id="188" name="Shape 188"/>
           <p:cNvSpPr/>
           <p:nvPr>
             <p:ph type="sldImg"/>
@@ -3348,7 +3274,7 @@
       </p:sp>
       <p:sp>
         <p:nvSpPr>
-          <p:cNvPr id="190" name="Shape 190"/>
+          <p:cNvPr id="189" name="Shape 189"/>
           <p:cNvSpPr/>
           <p:nvPr>
             <p:ph type="body" sz="quarter" idx="1"/>
@@ -3406,7 +3332,7 @@
       </p:grpSpPr>
       <p:sp>
         <p:nvSpPr>
-          <p:cNvPr id="198" name="Shape 198"/>
+          <p:cNvPr id="197" name="Shape 197"/>
           <p:cNvSpPr/>
           <p:nvPr>
             <p:ph type="sldImg"/>
@@ -3427,7 +3353,7 @@
       </p:sp>
       <p:sp>
         <p:nvSpPr>
-          <p:cNvPr id="199" name="Shape 199"/>
+          <p:cNvPr id="198" name="Shape 198"/>
           <p:cNvSpPr/>
           <p:nvPr>
             <p:ph type="body" sz="quarter" idx="1"/>
@@ -3512,7 +3438,7 @@
       </p:grpSpPr>
       <p:sp>
         <p:nvSpPr>
-          <p:cNvPr id="216" name="Shape 216"/>
+          <p:cNvPr id="215" name="Shape 215"/>
           <p:cNvSpPr/>
           <p:nvPr>
             <p:ph type="sldImg"/>
@@ -3533,7 +3459,7 @@
       </p:sp>
       <p:sp>
         <p:nvSpPr>
-          <p:cNvPr id="217" name="Shape 217"/>
+          <p:cNvPr id="216" name="Shape 216"/>
           <p:cNvSpPr/>
           <p:nvPr>
             <p:ph type="body" sz="quarter" idx="1"/>
@@ -3582,7 +3508,7 @@
       </p:grpSpPr>
       <p:sp>
         <p:nvSpPr>
-          <p:cNvPr id="234" name="Shape 234"/>
+          <p:cNvPr id="233" name="Shape 233"/>
           <p:cNvSpPr/>
           <p:nvPr>
             <p:ph type="sldImg"/>
@@ -3603,7 +3529,7 @@
       </p:sp>
       <p:sp>
         <p:nvSpPr>
-          <p:cNvPr id="235" name="Shape 235"/>
+          <p:cNvPr id="234" name="Shape 234"/>
           <p:cNvSpPr/>
           <p:nvPr>
             <p:ph type="body" sz="quarter" idx="1"/>
@@ -3652,7 +3578,7 @@
       </p:grpSpPr>
       <p:sp>
         <p:nvSpPr>
-          <p:cNvPr id="11" name="Shape 11"/>
+          <p:cNvPr id="11" name="Title Text"/>
           <p:cNvSpPr/>
           <p:nvPr>
             <p:ph type="title"/>
@@ -3680,7 +3606,7 @@
       </p:sp>
       <p:sp>
         <p:nvSpPr>
-          <p:cNvPr id="12" name="Shape 12"/>
+          <p:cNvPr id="12" name="Body Level One…"/>
           <p:cNvSpPr/>
           <p:nvPr>
             <p:ph type="body" sz="quarter" idx="1"/>
@@ -3773,7 +3699,7 @@
       </p:sp>
       <p:sp>
         <p:nvSpPr>
-          <p:cNvPr id="13" name="Shape 13"/>
+          <p:cNvPr id="13" name="Slide Number"/>
           <p:cNvSpPr/>
           <p:nvPr>
             <p:ph type="sldNum" sz="quarter" idx="2"/>
@@ -3821,7 +3747,7 @@
       </p:grpSpPr>
       <p:sp>
         <p:nvSpPr>
-          <p:cNvPr id="93" name="Shape 93"/>
+          <p:cNvPr id="93" name="–Johnny Appleseed"/>
           <p:cNvSpPr/>
           <p:nvPr>
             <p:ph type="body" sz="quarter" idx="13"/>
@@ -3865,7 +3791,7 @@
       </p:sp>
       <p:sp>
         <p:nvSpPr>
-          <p:cNvPr id="94" name="Shape 94"/>
+          <p:cNvPr id="94" name="“Type a quote here.”"/>
           <p:cNvSpPr/>
           <p:nvPr>
             <p:ph type="body" sz="quarter" idx="14"/>
@@ -3909,7 +3835,7 @@
       </p:sp>
       <p:sp>
         <p:nvSpPr>
-          <p:cNvPr id="95" name="Shape 95"/>
+          <p:cNvPr id="95" name="Slide Number"/>
           <p:cNvSpPr/>
           <p:nvPr>
             <p:ph type="sldNum" sz="quarter" idx="2"/>
@@ -3957,7 +3883,7 @@
       </p:grpSpPr>
       <p:sp>
         <p:nvSpPr>
-          <p:cNvPr id="102" name="Shape 102"/>
+          <p:cNvPr id="102" name="Image"/>
           <p:cNvSpPr/>
           <p:nvPr>
             <p:ph type="pic" idx="13"/>
@@ -3984,7 +3910,7 @@
       </p:sp>
       <p:sp>
         <p:nvSpPr>
-          <p:cNvPr id="103" name="Shape 103"/>
+          <p:cNvPr id="103" name="Slide Number"/>
           <p:cNvSpPr/>
           <p:nvPr>
             <p:ph type="sldNum" sz="quarter" idx="2"/>
@@ -4032,7 +3958,7 @@
       </p:grpSpPr>
       <p:sp>
         <p:nvSpPr>
-          <p:cNvPr id="110" name="Shape 110"/>
+          <p:cNvPr id="110" name="Slide Number"/>
           <p:cNvSpPr/>
           <p:nvPr>
             <p:ph type="sldNum" sz="quarter" idx="2"/>
@@ -4080,7 +4006,7 @@
       </p:grpSpPr>
       <p:sp>
         <p:nvSpPr>
-          <p:cNvPr id="117" name="Shape 117"/>
+          <p:cNvPr id="117" name="Title Text"/>
           <p:cNvSpPr/>
           <p:nvPr>
             <p:ph type="title"/>
@@ -4113,7 +4039,7 @@
       </p:sp>
       <p:sp>
         <p:nvSpPr>
-          <p:cNvPr id="118" name="Shape 118"/>
+          <p:cNvPr id="118" name="Slide Number"/>
           <p:cNvSpPr/>
           <p:nvPr>
             <p:ph type="sldNum" sz="quarter" idx="2"/>
@@ -4161,7 +4087,7 @@
       </p:grpSpPr>
       <p:sp>
         <p:nvSpPr>
-          <p:cNvPr id="125" name="Shape 125"/>
+          <p:cNvPr id="125" name="Title Text"/>
           <p:cNvSpPr/>
           <p:nvPr>
             <p:ph type="title"/>
@@ -4193,7 +4119,7 @@
       </p:sp>
       <p:sp>
         <p:nvSpPr>
-          <p:cNvPr id="126" name="Shape 126"/>
+          <p:cNvPr id="126" name="Slide Number"/>
           <p:cNvSpPr/>
           <p:nvPr>
             <p:ph type="sldNum" sz="quarter" idx="2"/>
@@ -4241,7 +4167,7 @@
       </p:grpSpPr>
       <p:sp>
         <p:nvSpPr>
-          <p:cNvPr id="20" name="Shape 20"/>
+          <p:cNvPr id="20" name="Image"/>
           <p:cNvSpPr/>
           <p:nvPr>
             <p:ph type="pic" idx="13"/>
@@ -4268,7 +4194,7 @@
       </p:sp>
       <p:sp>
         <p:nvSpPr>
-          <p:cNvPr id="21" name="Shape 21"/>
+          <p:cNvPr id="21" name="Title Text"/>
           <p:cNvSpPr/>
           <p:nvPr>
             <p:ph type="title"/>
@@ -4296,7 +4222,7 @@
       </p:sp>
       <p:sp>
         <p:nvSpPr>
-          <p:cNvPr id="22" name="Shape 22"/>
+          <p:cNvPr id="22" name="Body Level One…"/>
           <p:cNvSpPr/>
           <p:nvPr>
             <p:ph type="body" sz="quarter" idx="1"/>
@@ -4414,7 +4340,7 @@
       </p:sp>
       <p:sp>
         <p:nvSpPr>
-          <p:cNvPr id="23" name="Shape 23"/>
+          <p:cNvPr id="23" name="Slide Number"/>
           <p:cNvSpPr/>
           <p:nvPr>
             <p:ph type="sldNum" sz="quarter" idx="2"/>
@@ -4462,7 +4388,7 @@
       </p:grpSpPr>
       <p:sp>
         <p:nvSpPr>
-          <p:cNvPr id="30" name="Shape 30"/>
+          <p:cNvPr id="30" name="Title Text"/>
           <p:cNvSpPr/>
           <p:nvPr>
             <p:ph type="title"/>
@@ -4490,7 +4416,7 @@
       </p:sp>
       <p:sp>
         <p:nvSpPr>
-          <p:cNvPr id="31" name="Shape 31"/>
+          <p:cNvPr id="31" name="Slide Number"/>
           <p:cNvSpPr/>
           <p:nvPr>
             <p:ph type="sldNum" sz="quarter" idx="2"/>
@@ -4538,7 +4464,7 @@
       </p:grpSpPr>
       <p:sp>
         <p:nvSpPr>
-          <p:cNvPr id="38" name="Shape 38"/>
+          <p:cNvPr id="38" name="Image"/>
           <p:cNvSpPr/>
           <p:nvPr>
             <p:ph type="pic" sz="half" idx="13"/>
@@ -4565,7 +4491,7 @@
       </p:sp>
       <p:sp>
         <p:nvSpPr>
-          <p:cNvPr id="39" name="Shape 39"/>
+          <p:cNvPr id="39" name="Title Text"/>
           <p:cNvSpPr/>
           <p:nvPr>
             <p:ph type="title"/>
@@ -4602,7 +4528,7 @@
       </p:sp>
       <p:sp>
         <p:nvSpPr>
-          <p:cNvPr id="40" name="Shape 40"/>
+          <p:cNvPr id="40" name="Body Level One…"/>
           <p:cNvSpPr/>
           <p:nvPr>
             <p:ph type="body" sz="quarter" idx="1"/>
@@ -4720,7 +4646,7 @@
       </p:sp>
       <p:sp>
         <p:nvSpPr>
-          <p:cNvPr id="41" name="Shape 41"/>
+          <p:cNvPr id="41" name="Slide Number"/>
           <p:cNvSpPr/>
           <p:nvPr>
             <p:ph type="sldNum" sz="quarter" idx="2"/>
@@ -4768,7 +4694,7 @@
       </p:grpSpPr>
       <p:sp>
         <p:nvSpPr>
-          <p:cNvPr id="48" name="Shape 48"/>
+          <p:cNvPr id="48" name="Title Text"/>
           <p:cNvSpPr/>
           <p:nvPr>
             <p:ph type="title"/>
@@ -4792,7 +4718,7 @@
       </p:sp>
       <p:sp>
         <p:nvSpPr>
-          <p:cNvPr id="49" name="Shape 49"/>
+          <p:cNvPr id="49" name="Slide Number"/>
           <p:cNvSpPr/>
           <p:nvPr>
             <p:ph type="sldNum" sz="quarter" idx="2"/>
@@ -4840,7 +4766,7 @@
       </p:grpSpPr>
       <p:sp>
         <p:nvSpPr>
-          <p:cNvPr id="56" name="Shape 56"/>
+          <p:cNvPr id="56" name="Title Text"/>
           <p:cNvSpPr/>
           <p:nvPr>
             <p:ph type="title"/>
@@ -4864,7 +4790,7 @@
       </p:sp>
       <p:sp>
         <p:nvSpPr>
-          <p:cNvPr id="57" name="Shape 57"/>
+          <p:cNvPr id="57" name="Body Level One…"/>
           <p:cNvSpPr/>
           <p:nvPr>
             <p:ph type="body" idx="1"/>
@@ -4912,7 +4838,7 @@
       </p:sp>
       <p:sp>
         <p:nvSpPr>
-          <p:cNvPr id="58" name="Shape 58"/>
+          <p:cNvPr id="58" name="Slide Number"/>
           <p:cNvSpPr/>
           <p:nvPr>
             <p:ph type="sldNum" sz="quarter" idx="2"/>
@@ -4960,7 +4886,7 @@
       </p:grpSpPr>
       <p:sp>
         <p:nvSpPr>
-          <p:cNvPr id="65" name="Shape 65"/>
+          <p:cNvPr id="65" name="Image"/>
           <p:cNvSpPr/>
           <p:nvPr>
             <p:ph type="pic" sz="half" idx="13"/>
@@ -4987,7 +4913,7 @@
       </p:sp>
       <p:sp>
         <p:nvSpPr>
-          <p:cNvPr id="66" name="Shape 66"/>
+          <p:cNvPr id="66" name="Title Text"/>
           <p:cNvSpPr/>
           <p:nvPr>
             <p:ph type="title"/>
@@ -5011,7 +4937,7 @@
       </p:sp>
       <p:sp>
         <p:nvSpPr>
-          <p:cNvPr id="67" name="Shape 67"/>
+          <p:cNvPr id="67" name="Body Level One…"/>
           <p:cNvSpPr/>
           <p:nvPr>
             <p:ph type="body" sz="half" idx="1"/>
@@ -5094,7 +5020,7 @@
       </p:sp>
       <p:sp>
         <p:nvSpPr>
-          <p:cNvPr id="68" name="Shape 68"/>
+          <p:cNvPr id="68" name="Slide Number"/>
           <p:cNvSpPr/>
           <p:nvPr>
             <p:ph type="sldNum" sz="quarter" idx="2"/>
@@ -5142,7 +5068,7 @@
       </p:grpSpPr>
       <p:sp>
         <p:nvSpPr>
-          <p:cNvPr id="75" name="Shape 75"/>
+          <p:cNvPr id="75" name="Body Level One…"/>
           <p:cNvSpPr/>
           <p:nvPr>
             <p:ph type="body" idx="1"/>
@@ -5194,7 +5120,7 @@
       </p:sp>
       <p:sp>
         <p:nvSpPr>
-          <p:cNvPr id="76" name="Shape 76"/>
+          <p:cNvPr id="76" name="Slide Number"/>
           <p:cNvSpPr/>
           <p:nvPr>
             <p:ph type="sldNum" sz="quarter" idx="2"/>
@@ -5242,7 +5168,7 @@
       </p:grpSpPr>
       <p:sp>
         <p:nvSpPr>
-          <p:cNvPr id="83" name="Shape 83"/>
+          <p:cNvPr id="83" name="Image"/>
           <p:cNvSpPr/>
           <p:nvPr>
             <p:ph type="pic" sz="quarter" idx="13"/>
@@ -5269,7 +5195,7 @@
       </p:sp>
       <p:sp>
         <p:nvSpPr>
-          <p:cNvPr id="84" name="Shape 84"/>
+          <p:cNvPr id="84" name="Image"/>
           <p:cNvSpPr/>
           <p:nvPr>
             <p:ph type="pic" sz="quarter" idx="14"/>
@@ -5296,7 +5222,7 @@
       </p:sp>
       <p:sp>
         <p:nvSpPr>
-          <p:cNvPr id="85" name="Shape 85"/>
+          <p:cNvPr id="85" name="Image"/>
           <p:cNvSpPr/>
           <p:nvPr>
             <p:ph type="pic" sz="half" idx="15"/>
@@ -5323,7 +5249,7 @@
       </p:sp>
       <p:sp>
         <p:nvSpPr>
-          <p:cNvPr id="86" name="Shape 86"/>
+          <p:cNvPr id="86" name="Slide Number"/>
           <p:cNvSpPr/>
           <p:nvPr>
             <p:ph type="sldNum" sz="quarter" idx="2"/>
@@ -5378,7 +5304,7 @@
       </p:grpSpPr>
       <p:sp>
         <p:nvSpPr>
-          <p:cNvPr id="2" name="Shape 2"/>
+          <p:cNvPr id="2" name="Title Text"/>
           <p:cNvSpPr/>
           <p:nvPr>
             <p:ph type="title"/>
@@ -5416,7 +5342,7 @@
       </p:sp>
       <p:sp>
         <p:nvSpPr>
-          <p:cNvPr id="3" name="Shape 3"/>
+          <p:cNvPr id="3" name="Body Level One…"/>
           <p:cNvSpPr/>
           <p:nvPr>
             <p:ph type="body" idx="1"/>
@@ -5478,7 +5404,7 @@
       </p:sp>
       <p:sp>
         <p:nvSpPr>
-          <p:cNvPr id="4" name="Shape 4"/>
+          <p:cNvPr id="4" name="Slide Number"/>
           <p:cNvSpPr/>
           <p:nvPr>
             <p:ph type="sldNum" sz="quarter" idx="2"/>
@@ -6349,7 +6275,7 @@
       </p:grpSpPr>
       <p:sp>
         <p:nvSpPr>
-          <p:cNvPr id="135" name="Shape 135"/>
+          <p:cNvPr id="135" name="Singly and Doubly Linked Lists!"/>
           <p:cNvSpPr/>
           <p:nvPr>
             <p:ph type="ctrTitle"/>
@@ -6381,7 +6307,7 @@
       </p:sp>
       <p:sp>
         <p:nvSpPr>
-          <p:cNvPr id="136" name="Shape 136"/>
+          <p:cNvPr id="136" name="William Fiset"/>
           <p:cNvSpPr/>
           <p:nvPr>
             <p:ph type="subTitle" sz="quarter" idx="1"/>
@@ -6400,53 +6326,13 @@
           <a:bodyPr/>
           <a:lstStyle>
             <a:lvl1pPr>
-              <a:defRPr sz="4500"/>
+              <a:defRPr b="1" sz="4500"/>
             </a:lvl1pPr>
           </a:lstStyle>
           <a:p>
             <a:pPr/>
             <a:r>
               <a:t>William Fiset</a:t>
-            </a:r>
-          </a:p>
-        </p:txBody>
-      </p:sp>
-      <p:sp>
-        <p:nvSpPr>
-          <p:cNvPr id="137" name="Shape 137"/>
-          <p:cNvSpPr/>
-          <p:nvPr/>
-        </p:nvSpPr>
-        <p:spPr>
-          <a:xfrm>
-            <a:off x="5344219" y="5571139"/>
-            <a:ext cx="2316362" cy="622301"/>
-          </a:xfrm>
-          <a:prstGeom prst="rect">
-            <a:avLst/>
-          </a:prstGeom>
-          <a:ln w="12700">
-            <a:miter lim="400000"/>
-          </a:ln>
-          <a:extLst>
-            <a:ext uri="{C572A759-6A51-4108-AA02-DFA0A04FC94B}">
-              <ma14:wrappingTextBoxFlag xmlns:ma14="http://schemas.microsoft.com/office/mac/drawingml/2011/main" val="1"/>
-            </a:ext>
-          </a:extLst>
-        </p:spPr>
-        <p:txBody>
-          <a:bodyPr wrap="none" lIns="50800" tIns="50800" rIns="50800" bIns="50800" anchor="ctr">
-            <a:spAutoFit/>
-          </a:bodyPr>
-          <a:lstStyle>
-            <a:lvl1pPr>
-              <a:defRPr b="1"/>
-            </a:lvl1pPr>
-          </a:lstStyle>
-          <a:p>
-            <a:pPr/>
-            <a:r>
-              <a:t>Part 1/2</a:t>
             </a:r>
           </a:p>
         </p:txBody>
@@ -6479,7 +6365,7 @@
       </p:grpSpPr>
       <p:sp>
         <p:nvSpPr>
-          <p:cNvPr id="203" name="Shape 203"/>
+          <p:cNvPr id="202" name="Inserting Singly Linked List"/>
           <p:cNvSpPr/>
           <p:nvPr>
             <p:ph type="title"/>
@@ -6516,7 +6402,7 @@
       </p:sp>
       <p:sp>
         <p:nvSpPr>
-          <p:cNvPr id="204" name="Shape 204"/>
+          <p:cNvPr id="203" name="5"/>
           <p:cNvSpPr/>
           <p:nvPr/>
         </p:nvSpPr>
@@ -6562,7 +6448,7 @@
       </p:sp>
       <p:sp>
         <p:nvSpPr>
-          <p:cNvPr id="205" name="Shape 205"/>
+          <p:cNvPr id="204" name="23"/>
           <p:cNvSpPr/>
           <p:nvPr/>
         </p:nvSpPr>
@@ -6608,7 +6494,7 @@
       </p:sp>
       <p:sp>
         <p:nvSpPr>
-          <p:cNvPr id="206" name="Shape 206"/>
+          <p:cNvPr id="205" name="7"/>
           <p:cNvSpPr/>
           <p:nvPr/>
         </p:nvSpPr>
@@ -6654,7 +6540,7 @@
       </p:sp>
       <p:sp>
         <p:nvSpPr>
-          <p:cNvPr id="207" name="Shape 207"/>
+          <p:cNvPr id="206" name="13"/>
           <p:cNvSpPr/>
           <p:nvPr/>
         </p:nvSpPr>
@@ -6700,7 +6586,7 @@
       </p:sp>
       <p:sp>
         <p:nvSpPr>
-          <p:cNvPr id="208" name="Shape 208"/>
+          <p:cNvPr id="207" name="Line"/>
           <p:cNvSpPr/>
           <p:nvPr/>
         </p:nvSpPr>
@@ -6737,7 +6623,7 @@
       </p:sp>
       <p:sp>
         <p:nvSpPr>
-          <p:cNvPr id="209" name="Shape 209"/>
+          <p:cNvPr id="208" name="Line"/>
           <p:cNvSpPr/>
           <p:nvPr/>
         </p:nvSpPr>
@@ -6774,7 +6660,7 @@
       </p:sp>
       <p:sp>
         <p:nvSpPr>
-          <p:cNvPr id="210" name="Shape 210"/>
+          <p:cNvPr id="209" name="Line"/>
           <p:cNvSpPr/>
           <p:nvPr/>
         </p:nvSpPr>
@@ -6811,7 +6697,7 @@
       </p:sp>
       <p:sp>
         <p:nvSpPr>
-          <p:cNvPr id="211" name="Shape 211"/>
+          <p:cNvPr id="210" name="Insert 11 where the third node is."/>
           <p:cNvSpPr/>
           <p:nvPr/>
         </p:nvSpPr>
@@ -6847,7 +6733,7 @@
       </p:sp>
       <p:sp>
         <p:nvSpPr>
-          <p:cNvPr id="212" name="Shape 212"/>
+          <p:cNvPr id="211" name="Line"/>
           <p:cNvSpPr/>
           <p:nvPr/>
         </p:nvSpPr>
@@ -6884,7 +6770,7 @@
       </p:sp>
       <p:sp>
         <p:nvSpPr>
-          <p:cNvPr id="213" name="Shape 213"/>
+          <p:cNvPr id="212" name="Head"/>
           <p:cNvSpPr/>
           <p:nvPr/>
         </p:nvSpPr>
@@ -6932,7 +6818,7 @@
       </p:sp>
       <p:sp>
         <p:nvSpPr>
-          <p:cNvPr id="214" name="Shape 214"/>
+          <p:cNvPr id="213" name="Line"/>
           <p:cNvSpPr/>
           <p:nvPr/>
         </p:nvSpPr>
@@ -6969,7 +6855,7 @@
       </p:sp>
       <p:sp>
         <p:nvSpPr>
-          <p:cNvPr id="215" name="Shape 215"/>
+          <p:cNvPr id="214" name="Tail"/>
           <p:cNvSpPr/>
           <p:nvPr/>
         </p:nvSpPr>
@@ -7043,7 +6929,7 @@
       </p:grpSpPr>
       <p:sp>
         <p:nvSpPr>
-          <p:cNvPr id="219" name="Shape 219"/>
+          <p:cNvPr id="218" name="Inserting Singly Linked List"/>
           <p:cNvSpPr/>
           <p:nvPr>
             <p:ph type="title"/>
@@ -7080,7 +6966,7 @@
       </p:sp>
       <p:sp>
         <p:nvSpPr>
-          <p:cNvPr id="220" name="Shape 220"/>
+          <p:cNvPr id="219" name="5"/>
           <p:cNvSpPr/>
           <p:nvPr/>
         </p:nvSpPr>
@@ -7126,7 +7012,7 @@
       </p:sp>
       <p:sp>
         <p:nvSpPr>
-          <p:cNvPr id="221" name="Shape 221"/>
+          <p:cNvPr id="220" name="23"/>
           <p:cNvSpPr/>
           <p:nvPr/>
         </p:nvSpPr>
@@ -7172,7 +7058,7 @@
       </p:sp>
       <p:sp>
         <p:nvSpPr>
-          <p:cNvPr id="222" name="Shape 222"/>
+          <p:cNvPr id="221" name="7"/>
           <p:cNvSpPr/>
           <p:nvPr/>
         </p:nvSpPr>
@@ -7218,7 +7104,7 @@
       </p:sp>
       <p:sp>
         <p:nvSpPr>
-          <p:cNvPr id="223" name="Shape 223"/>
+          <p:cNvPr id="222" name="13"/>
           <p:cNvSpPr/>
           <p:nvPr/>
         </p:nvSpPr>
@@ -7264,7 +7150,7 @@
       </p:sp>
       <p:sp>
         <p:nvSpPr>
-          <p:cNvPr id="224" name="Shape 224"/>
+          <p:cNvPr id="223" name="Line"/>
           <p:cNvSpPr/>
           <p:nvPr/>
         </p:nvSpPr>
@@ -7301,7 +7187,7 @@
       </p:sp>
       <p:sp>
         <p:nvSpPr>
-          <p:cNvPr id="225" name="Shape 225"/>
+          <p:cNvPr id="224" name="Line"/>
           <p:cNvSpPr/>
           <p:nvPr/>
         </p:nvSpPr>
@@ -7338,7 +7224,7 @@
       </p:sp>
       <p:sp>
         <p:nvSpPr>
-          <p:cNvPr id="226" name="Shape 226"/>
+          <p:cNvPr id="225" name="Line"/>
           <p:cNvSpPr/>
           <p:nvPr/>
         </p:nvSpPr>
@@ -7375,7 +7261,7 @@
       </p:sp>
       <p:sp>
         <p:nvSpPr>
-          <p:cNvPr id="227" name="Shape 227"/>
+          <p:cNvPr id="226" name="Insert 11 where the third node is."/>
           <p:cNvSpPr/>
           <p:nvPr/>
         </p:nvSpPr>
@@ -7411,7 +7297,7 @@
       </p:sp>
       <p:sp>
         <p:nvSpPr>
-          <p:cNvPr id="228" name="Shape 228"/>
+          <p:cNvPr id="227" name="Line"/>
           <p:cNvSpPr/>
           <p:nvPr/>
         </p:nvSpPr>
@@ -7448,7 +7334,7 @@
       </p:sp>
       <p:sp>
         <p:nvSpPr>
-          <p:cNvPr id="229" name="Shape 229"/>
+          <p:cNvPr id="228" name="Head"/>
           <p:cNvSpPr/>
           <p:nvPr/>
         </p:nvSpPr>
@@ -7496,7 +7382,7 @@
       </p:sp>
       <p:sp>
         <p:nvSpPr>
-          <p:cNvPr id="230" name="Shape 230"/>
+          <p:cNvPr id="229" name="Line"/>
           <p:cNvSpPr/>
           <p:nvPr/>
         </p:nvSpPr>
@@ -7533,7 +7419,7 @@
       </p:sp>
       <p:sp>
         <p:nvSpPr>
-          <p:cNvPr id="231" name="Shape 231"/>
+          <p:cNvPr id="230" name="Tail"/>
           <p:cNvSpPr/>
           <p:nvPr/>
         </p:nvSpPr>
@@ -7581,7 +7467,7 @@
       </p:sp>
       <p:sp>
         <p:nvSpPr>
-          <p:cNvPr id="232" name="Shape 232"/>
+          <p:cNvPr id="231" name="Line"/>
           <p:cNvSpPr/>
           <p:nvPr/>
         </p:nvSpPr>
@@ -7618,7 +7504,7 @@
       </p:sp>
       <p:sp>
         <p:nvSpPr>
-          <p:cNvPr id="233" name="Shape 233"/>
+          <p:cNvPr id="232" name="trav"/>
           <p:cNvSpPr/>
           <p:nvPr/>
         </p:nvSpPr>
@@ -7680,7 +7566,7 @@
       </p:grpSpPr>
       <p:sp>
         <p:nvSpPr>
-          <p:cNvPr id="237" name="Shape 237"/>
+          <p:cNvPr id="236" name="Inserting Singly Linked List"/>
           <p:cNvSpPr/>
           <p:nvPr>
             <p:ph type="title"/>
@@ -7717,7 +7603,7 @@
       </p:sp>
       <p:sp>
         <p:nvSpPr>
-          <p:cNvPr id="238" name="Shape 238"/>
+          <p:cNvPr id="237" name="5"/>
           <p:cNvSpPr/>
           <p:nvPr/>
         </p:nvSpPr>
@@ -7763,7 +7649,7 @@
       </p:sp>
       <p:sp>
         <p:nvSpPr>
-          <p:cNvPr id="239" name="Shape 239"/>
+          <p:cNvPr id="238" name="23"/>
           <p:cNvSpPr/>
           <p:nvPr/>
         </p:nvSpPr>
@@ -7809,7 +7695,7 @@
       </p:sp>
       <p:sp>
         <p:nvSpPr>
-          <p:cNvPr id="240" name="Shape 240"/>
+          <p:cNvPr id="239" name="7"/>
           <p:cNvSpPr/>
           <p:nvPr/>
         </p:nvSpPr>
@@ -7855,7 +7741,7 @@
       </p:sp>
       <p:sp>
         <p:nvSpPr>
-          <p:cNvPr id="241" name="Shape 241"/>
+          <p:cNvPr id="240" name="13"/>
           <p:cNvSpPr/>
           <p:nvPr/>
         </p:nvSpPr>
@@ -7901,7 +7787,7 @@
       </p:sp>
       <p:sp>
         <p:nvSpPr>
-          <p:cNvPr id="242" name="Shape 242"/>
+          <p:cNvPr id="241" name="Line"/>
           <p:cNvSpPr/>
           <p:nvPr/>
         </p:nvSpPr>
@@ -7938,7 +7824,7 @@
       </p:sp>
       <p:sp>
         <p:nvSpPr>
-          <p:cNvPr id="243" name="Shape 243"/>
+          <p:cNvPr id="242" name="Line"/>
           <p:cNvSpPr/>
           <p:nvPr/>
         </p:nvSpPr>
@@ -7975,7 +7861,7 @@
       </p:sp>
       <p:sp>
         <p:nvSpPr>
-          <p:cNvPr id="244" name="Shape 244"/>
+          <p:cNvPr id="243" name="Line"/>
           <p:cNvSpPr/>
           <p:nvPr/>
         </p:nvSpPr>
@@ -8012,7 +7898,7 @@
       </p:sp>
       <p:sp>
         <p:nvSpPr>
-          <p:cNvPr id="245" name="Shape 245"/>
+          <p:cNvPr id="244" name="Insert 11 where the third node is."/>
           <p:cNvSpPr/>
           <p:nvPr/>
         </p:nvSpPr>
@@ -8048,7 +7934,7 @@
       </p:sp>
       <p:sp>
         <p:nvSpPr>
-          <p:cNvPr id="246" name="Shape 246"/>
+          <p:cNvPr id="245" name="Line"/>
           <p:cNvSpPr/>
           <p:nvPr/>
         </p:nvSpPr>
@@ -8085,7 +7971,7 @@
       </p:sp>
       <p:sp>
         <p:nvSpPr>
-          <p:cNvPr id="247" name="Shape 247"/>
+          <p:cNvPr id="246" name="Head"/>
           <p:cNvSpPr/>
           <p:nvPr/>
         </p:nvSpPr>
@@ -8133,7 +8019,7 @@
       </p:sp>
       <p:sp>
         <p:nvSpPr>
-          <p:cNvPr id="248" name="Shape 248"/>
+          <p:cNvPr id="247" name="Line"/>
           <p:cNvSpPr/>
           <p:nvPr/>
         </p:nvSpPr>
@@ -8170,7 +8056,7 @@
       </p:sp>
       <p:sp>
         <p:nvSpPr>
-          <p:cNvPr id="249" name="Shape 249"/>
+          <p:cNvPr id="248" name="Tail"/>
           <p:cNvSpPr/>
           <p:nvPr/>
         </p:nvSpPr>
@@ -8218,7 +8104,7 @@
       </p:sp>
       <p:sp>
         <p:nvSpPr>
-          <p:cNvPr id="250" name="Shape 250"/>
+          <p:cNvPr id="249" name="Line"/>
           <p:cNvSpPr/>
           <p:nvPr/>
         </p:nvSpPr>
@@ -8255,7 +8141,7 @@
       </p:sp>
       <p:sp>
         <p:nvSpPr>
-          <p:cNvPr id="251" name="Shape 251"/>
+          <p:cNvPr id="250" name="trav"/>
           <p:cNvSpPr/>
           <p:nvPr/>
         </p:nvSpPr>
@@ -8317,7 +8203,7 @@
       </p:grpSpPr>
       <p:sp>
         <p:nvSpPr>
-          <p:cNvPr id="255" name="Shape 255"/>
+          <p:cNvPr id="254" name="Inserting Singly Linked List"/>
           <p:cNvSpPr/>
           <p:nvPr>
             <p:ph type="title"/>
@@ -8354,7 +8240,7 @@
       </p:sp>
       <p:sp>
         <p:nvSpPr>
-          <p:cNvPr id="256" name="Shape 256"/>
+          <p:cNvPr id="255" name="5"/>
           <p:cNvSpPr/>
           <p:nvPr/>
         </p:nvSpPr>
@@ -8400,7 +8286,7 @@
       </p:sp>
       <p:sp>
         <p:nvSpPr>
-          <p:cNvPr id="257" name="Shape 257"/>
+          <p:cNvPr id="256" name="23"/>
           <p:cNvSpPr/>
           <p:nvPr/>
         </p:nvSpPr>
@@ -8446,7 +8332,7 @@
       </p:sp>
       <p:sp>
         <p:nvSpPr>
-          <p:cNvPr id="258" name="Shape 258"/>
+          <p:cNvPr id="257" name="7"/>
           <p:cNvSpPr/>
           <p:nvPr/>
         </p:nvSpPr>
@@ -8492,7 +8378,7 @@
       </p:sp>
       <p:sp>
         <p:nvSpPr>
-          <p:cNvPr id="259" name="Shape 259"/>
+          <p:cNvPr id="258" name="13"/>
           <p:cNvSpPr/>
           <p:nvPr/>
         </p:nvSpPr>
@@ -8538,7 +8424,7 @@
       </p:sp>
       <p:sp>
         <p:nvSpPr>
-          <p:cNvPr id="260" name="Shape 260"/>
+          <p:cNvPr id="259" name="Line"/>
           <p:cNvSpPr/>
           <p:nvPr/>
         </p:nvSpPr>
@@ -8575,7 +8461,7 @@
       </p:sp>
       <p:sp>
         <p:nvSpPr>
-          <p:cNvPr id="261" name="Shape 261"/>
+          <p:cNvPr id="260" name="Line"/>
           <p:cNvSpPr/>
           <p:nvPr/>
         </p:nvSpPr>
@@ -8612,7 +8498,7 @@
       </p:sp>
       <p:sp>
         <p:nvSpPr>
-          <p:cNvPr id="262" name="Shape 262"/>
+          <p:cNvPr id="261" name="Line"/>
           <p:cNvSpPr/>
           <p:nvPr/>
         </p:nvSpPr>
@@ -8649,7 +8535,7 @@
       </p:sp>
       <p:sp>
         <p:nvSpPr>
-          <p:cNvPr id="263" name="Shape 263"/>
+          <p:cNvPr id="262" name="Insert 11 where the third node is."/>
           <p:cNvSpPr/>
           <p:nvPr/>
         </p:nvSpPr>
@@ -8685,7 +8571,7 @@
       </p:sp>
       <p:sp>
         <p:nvSpPr>
-          <p:cNvPr id="264" name="Shape 264"/>
+          <p:cNvPr id="263" name="Line"/>
           <p:cNvSpPr/>
           <p:nvPr/>
         </p:nvSpPr>
@@ -8722,7 +8608,7 @@
       </p:sp>
       <p:sp>
         <p:nvSpPr>
-          <p:cNvPr id="265" name="Shape 265"/>
+          <p:cNvPr id="264" name="Head"/>
           <p:cNvSpPr/>
           <p:nvPr/>
         </p:nvSpPr>
@@ -8770,7 +8656,7 @@
       </p:sp>
       <p:sp>
         <p:nvSpPr>
-          <p:cNvPr id="266" name="Shape 266"/>
+          <p:cNvPr id="265" name="Line"/>
           <p:cNvSpPr/>
           <p:nvPr/>
         </p:nvSpPr>
@@ -8807,7 +8693,7 @@
       </p:sp>
       <p:sp>
         <p:nvSpPr>
-          <p:cNvPr id="267" name="Shape 267"/>
+          <p:cNvPr id="266" name="Tail"/>
           <p:cNvSpPr/>
           <p:nvPr/>
         </p:nvSpPr>
@@ -8855,7 +8741,7 @@
       </p:sp>
       <p:sp>
         <p:nvSpPr>
-          <p:cNvPr id="268" name="Shape 268"/>
+          <p:cNvPr id="267" name="Line"/>
           <p:cNvSpPr/>
           <p:nvPr/>
         </p:nvSpPr>
@@ -8892,7 +8778,7 @@
       </p:sp>
       <p:sp>
         <p:nvSpPr>
-          <p:cNvPr id="269" name="Shape 269"/>
+          <p:cNvPr id="268" name="trav"/>
           <p:cNvSpPr/>
           <p:nvPr/>
         </p:nvSpPr>
@@ -8928,7 +8814,7 @@
       </p:sp>
       <p:sp>
         <p:nvSpPr>
-          <p:cNvPr id="270" name="Shape 270"/>
+          <p:cNvPr id="269" name="11"/>
           <p:cNvSpPr/>
           <p:nvPr/>
         </p:nvSpPr>
@@ -9008,7 +8894,7 @@
       </p:grpSpPr>
       <p:sp>
         <p:nvSpPr>
-          <p:cNvPr id="274" name="Shape 274"/>
+          <p:cNvPr id="273" name="Inserting Singly Linked List"/>
           <p:cNvSpPr/>
           <p:nvPr>
             <p:ph type="title"/>
@@ -9045,7 +8931,7 @@
       </p:sp>
       <p:sp>
         <p:nvSpPr>
-          <p:cNvPr id="275" name="Shape 275"/>
+          <p:cNvPr id="274" name="5"/>
           <p:cNvSpPr/>
           <p:nvPr/>
         </p:nvSpPr>
@@ -9091,7 +8977,7 @@
       </p:sp>
       <p:sp>
         <p:nvSpPr>
-          <p:cNvPr id="276" name="Shape 276"/>
+          <p:cNvPr id="275" name="23"/>
           <p:cNvSpPr/>
           <p:nvPr/>
         </p:nvSpPr>
@@ -9137,7 +9023,7 @@
       </p:sp>
       <p:sp>
         <p:nvSpPr>
-          <p:cNvPr id="277" name="Shape 277"/>
+          <p:cNvPr id="276" name="7"/>
           <p:cNvSpPr/>
           <p:nvPr/>
         </p:nvSpPr>
@@ -9183,7 +9069,7 @@
       </p:sp>
       <p:sp>
         <p:nvSpPr>
-          <p:cNvPr id="278" name="Shape 278"/>
+          <p:cNvPr id="277" name="13"/>
           <p:cNvSpPr/>
           <p:nvPr/>
         </p:nvSpPr>
@@ -9229,7 +9115,7 @@
       </p:sp>
       <p:sp>
         <p:nvSpPr>
-          <p:cNvPr id="279" name="Shape 279"/>
+          <p:cNvPr id="278" name="Line"/>
           <p:cNvSpPr/>
           <p:nvPr/>
         </p:nvSpPr>
@@ -9266,7 +9152,7 @@
       </p:sp>
       <p:sp>
         <p:nvSpPr>
-          <p:cNvPr id="280" name="Shape 280"/>
+          <p:cNvPr id="279" name="Line"/>
           <p:cNvSpPr/>
           <p:nvPr/>
         </p:nvSpPr>
@@ -9303,7 +9189,7 @@
       </p:sp>
       <p:sp>
         <p:nvSpPr>
-          <p:cNvPr id="281" name="Shape 281"/>
+          <p:cNvPr id="280" name="Line"/>
           <p:cNvSpPr/>
           <p:nvPr/>
         </p:nvSpPr>
@@ -9340,7 +9226,7 @@
       </p:sp>
       <p:sp>
         <p:nvSpPr>
-          <p:cNvPr id="282" name="Shape 282"/>
+          <p:cNvPr id="281" name="Insert 11 where the third node is."/>
           <p:cNvSpPr/>
           <p:nvPr/>
         </p:nvSpPr>
@@ -9376,7 +9262,7 @@
       </p:sp>
       <p:sp>
         <p:nvSpPr>
-          <p:cNvPr id="283" name="Shape 283"/>
+          <p:cNvPr id="282" name="Line"/>
           <p:cNvSpPr/>
           <p:nvPr/>
         </p:nvSpPr>
@@ -9413,7 +9299,7 @@
       </p:sp>
       <p:sp>
         <p:nvSpPr>
-          <p:cNvPr id="284" name="Shape 284"/>
+          <p:cNvPr id="283" name="Head"/>
           <p:cNvSpPr/>
           <p:nvPr/>
         </p:nvSpPr>
@@ -9461,7 +9347,7 @@
       </p:sp>
       <p:sp>
         <p:nvSpPr>
-          <p:cNvPr id="285" name="Shape 285"/>
+          <p:cNvPr id="284" name="Line"/>
           <p:cNvSpPr/>
           <p:nvPr/>
         </p:nvSpPr>
@@ -9498,7 +9384,7 @@
       </p:sp>
       <p:sp>
         <p:nvSpPr>
-          <p:cNvPr id="286" name="Shape 286"/>
+          <p:cNvPr id="285" name="Tail"/>
           <p:cNvSpPr/>
           <p:nvPr/>
         </p:nvSpPr>
@@ -9546,7 +9432,7 @@
       </p:sp>
       <p:sp>
         <p:nvSpPr>
-          <p:cNvPr id="287" name="Shape 287"/>
+          <p:cNvPr id="286" name="Line"/>
           <p:cNvSpPr/>
           <p:nvPr/>
         </p:nvSpPr>
@@ -9583,7 +9469,7 @@
       </p:sp>
       <p:sp>
         <p:nvSpPr>
-          <p:cNvPr id="288" name="Shape 288"/>
+          <p:cNvPr id="287" name="trav"/>
           <p:cNvSpPr/>
           <p:nvPr/>
         </p:nvSpPr>
@@ -9619,7 +9505,7 @@
       </p:sp>
       <p:sp>
         <p:nvSpPr>
-          <p:cNvPr id="289" name="Shape 289"/>
+          <p:cNvPr id="288" name="11"/>
           <p:cNvSpPr/>
           <p:nvPr/>
         </p:nvSpPr>
@@ -9673,7 +9559,7 @@
       </p:sp>
       <p:sp>
         <p:nvSpPr>
-          <p:cNvPr id="290" name="Shape 290"/>
+          <p:cNvPr id="289" name="Line"/>
           <p:cNvSpPr/>
           <p:nvPr/>
         </p:nvSpPr>
@@ -9736,7 +9622,7 @@
       </p:grpSpPr>
       <p:sp>
         <p:nvSpPr>
-          <p:cNvPr id="294" name="Shape 294"/>
+          <p:cNvPr id="293" name="Inserting Singly Linked List"/>
           <p:cNvSpPr/>
           <p:nvPr>
             <p:ph type="title"/>
@@ -9773,7 +9659,7 @@
       </p:sp>
       <p:sp>
         <p:nvSpPr>
-          <p:cNvPr id="295" name="Shape 295"/>
+          <p:cNvPr id="294" name="5"/>
           <p:cNvSpPr/>
           <p:nvPr/>
         </p:nvSpPr>
@@ -9819,7 +9705,7 @@
       </p:sp>
       <p:sp>
         <p:nvSpPr>
-          <p:cNvPr id="296" name="Shape 296"/>
+          <p:cNvPr id="295" name="23"/>
           <p:cNvSpPr/>
           <p:nvPr/>
         </p:nvSpPr>
@@ -9865,7 +9751,7 @@
       </p:sp>
       <p:sp>
         <p:nvSpPr>
-          <p:cNvPr id="297" name="Shape 297"/>
+          <p:cNvPr id="296" name="7"/>
           <p:cNvSpPr/>
           <p:nvPr/>
         </p:nvSpPr>
@@ -9911,7 +9797,7 @@
       </p:sp>
       <p:sp>
         <p:nvSpPr>
-          <p:cNvPr id="298" name="Shape 298"/>
+          <p:cNvPr id="297" name="13"/>
           <p:cNvSpPr/>
           <p:nvPr/>
         </p:nvSpPr>
@@ -9957,7 +9843,7 @@
       </p:sp>
       <p:sp>
         <p:nvSpPr>
-          <p:cNvPr id="299" name="Shape 299"/>
+          <p:cNvPr id="298" name="Line"/>
           <p:cNvSpPr/>
           <p:nvPr/>
         </p:nvSpPr>
@@ -9994,7 +9880,7 @@
       </p:sp>
       <p:sp>
         <p:nvSpPr>
-          <p:cNvPr id="300" name="Shape 300"/>
+          <p:cNvPr id="299" name="Line"/>
           <p:cNvSpPr/>
           <p:nvPr/>
         </p:nvSpPr>
@@ -10031,7 +9917,7 @@
       </p:sp>
       <p:sp>
         <p:nvSpPr>
-          <p:cNvPr id="301" name="Shape 301"/>
+          <p:cNvPr id="300" name="Line"/>
           <p:cNvSpPr/>
           <p:nvPr/>
         </p:nvSpPr>
@@ -10068,7 +9954,7 @@
       </p:sp>
       <p:sp>
         <p:nvSpPr>
-          <p:cNvPr id="302" name="Shape 302"/>
+          <p:cNvPr id="301" name="Insert 11 where the third node is."/>
           <p:cNvSpPr/>
           <p:nvPr/>
         </p:nvSpPr>
@@ -10104,7 +9990,7 @@
       </p:sp>
       <p:sp>
         <p:nvSpPr>
-          <p:cNvPr id="303" name="Shape 303"/>
+          <p:cNvPr id="302" name="Line"/>
           <p:cNvSpPr/>
           <p:nvPr/>
         </p:nvSpPr>
@@ -10141,7 +10027,7 @@
       </p:sp>
       <p:sp>
         <p:nvSpPr>
-          <p:cNvPr id="304" name="Shape 304"/>
+          <p:cNvPr id="303" name="Head"/>
           <p:cNvSpPr/>
           <p:nvPr/>
         </p:nvSpPr>
@@ -10189,7 +10075,7 @@
       </p:sp>
       <p:sp>
         <p:nvSpPr>
-          <p:cNvPr id="305" name="Shape 305"/>
+          <p:cNvPr id="304" name="Line"/>
           <p:cNvSpPr/>
           <p:nvPr/>
         </p:nvSpPr>
@@ -10226,7 +10112,7 @@
       </p:sp>
       <p:sp>
         <p:nvSpPr>
-          <p:cNvPr id="306" name="Shape 306"/>
+          <p:cNvPr id="305" name="Tail"/>
           <p:cNvSpPr/>
           <p:nvPr/>
         </p:nvSpPr>
@@ -10274,7 +10160,7 @@
       </p:sp>
       <p:sp>
         <p:nvSpPr>
-          <p:cNvPr id="307" name="Shape 307"/>
+          <p:cNvPr id="306" name="Line"/>
           <p:cNvSpPr/>
           <p:nvPr/>
         </p:nvSpPr>
@@ -10311,7 +10197,7 @@
       </p:sp>
       <p:sp>
         <p:nvSpPr>
-          <p:cNvPr id="308" name="Shape 308"/>
+          <p:cNvPr id="307" name="trav"/>
           <p:cNvSpPr/>
           <p:nvPr/>
         </p:nvSpPr>
@@ -10347,7 +10233,7 @@
       </p:sp>
       <p:sp>
         <p:nvSpPr>
-          <p:cNvPr id="309" name="Shape 309"/>
+          <p:cNvPr id="308" name="11"/>
           <p:cNvSpPr/>
           <p:nvPr/>
         </p:nvSpPr>
@@ -10401,7 +10287,7 @@
       </p:sp>
       <p:sp>
         <p:nvSpPr>
-          <p:cNvPr id="310" name="Shape 310"/>
+          <p:cNvPr id="309" name="Line"/>
           <p:cNvSpPr/>
           <p:nvPr/>
         </p:nvSpPr>
@@ -10464,7 +10350,7 @@
       </p:grpSpPr>
       <p:sp>
         <p:nvSpPr>
-          <p:cNvPr id="314" name="Shape 314"/>
+          <p:cNvPr id="313" name="Inserting Singly Linked List"/>
           <p:cNvSpPr/>
           <p:nvPr>
             <p:ph type="title"/>
@@ -10501,7 +10387,7 @@
       </p:sp>
       <p:sp>
         <p:nvSpPr>
-          <p:cNvPr id="315" name="Shape 315"/>
+          <p:cNvPr id="314" name="5"/>
           <p:cNvSpPr/>
           <p:nvPr/>
         </p:nvSpPr>
@@ -10547,7 +10433,7 @@
       </p:sp>
       <p:sp>
         <p:nvSpPr>
-          <p:cNvPr id="316" name="Shape 316"/>
+          <p:cNvPr id="315" name="23"/>
           <p:cNvSpPr/>
           <p:nvPr/>
         </p:nvSpPr>
@@ -10593,7 +10479,7 @@
       </p:sp>
       <p:sp>
         <p:nvSpPr>
-          <p:cNvPr id="317" name="Shape 317"/>
+          <p:cNvPr id="316" name="7"/>
           <p:cNvSpPr/>
           <p:nvPr/>
         </p:nvSpPr>
@@ -10639,7 +10525,7 @@
       </p:sp>
       <p:sp>
         <p:nvSpPr>
-          <p:cNvPr id="318" name="Shape 318"/>
+          <p:cNvPr id="317" name="13"/>
           <p:cNvSpPr/>
           <p:nvPr/>
         </p:nvSpPr>
@@ -10685,7 +10571,7 @@
       </p:sp>
       <p:sp>
         <p:nvSpPr>
-          <p:cNvPr id="319" name="Shape 319"/>
+          <p:cNvPr id="318" name="Line"/>
           <p:cNvSpPr/>
           <p:nvPr/>
         </p:nvSpPr>
@@ -10722,7 +10608,7 @@
       </p:sp>
       <p:sp>
         <p:nvSpPr>
-          <p:cNvPr id="320" name="Shape 320"/>
+          <p:cNvPr id="319" name="Line"/>
           <p:cNvSpPr/>
           <p:nvPr/>
         </p:nvSpPr>
@@ -10759,7 +10645,7 @@
       </p:sp>
       <p:sp>
         <p:nvSpPr>
-          <p:cNvPr id="321" name="Shape 321"/>
+          <p:cNvPr id="320" name="Insert 11 where the third node is."/>
           <p:cNvSpPr/>
           <p:nvPr/>
         </p:nvSpPr>
@@ -10795,7 +10681,7 @@
       </p:sp>
       <p:sp>
         <p:nvSpPr>
-          <p:cNvPr id="322" name="Shape 322"/>
+          <p:cNvPr id="321" name="Line"/>
           <p:cNvSpPr/>
           <p:nvPr/>
         </p:nvSpPr>
@@ -10832,7 +10718,7 @@
       </p:sp>
       <p:sp>
         <p:nvSpPr>
-          <p:cNvPr id="323" name="Shape 323"/>
+          <p:cNvPr id="322" name="Head"/>
           <p:cNvSpPr/>
           <p:nvPr/>
         </p:nvSpPr>
@@ -10880,7 +10766,7 @@
       </p:sp>
       <p:sp>
         <p:nvSpPr>
-          <p:cNvPr id="324" name="Shape 324"/>
+          <p:cNvPr id="323" name="Line"/>
           <p:cNvSpPr/>
           <p:nvPr/>
         </p:nvSpPr>
@@ -10917,7 +10803,7 @@
       </p:sp>
       <p:sp>
         <p:nvSpPr>
-          <p:cNvPr id="325" name="Shape 325"/>
+          <p:cNvPr id="324" name="Tail"/>
           <p:cNvSpPr/>
           <p:nvPr/>
         </p:nvSpPr>
@@ -10965,7 +10851,7 @@
       </p:sp>
       <p:sp>
         <p:nvSpPr>
-          <p:cNvPr id="326" name="Shape 326"/>
+          <p:cNvPr id="325" name="Line"/>
           <p:cNvSpPr/>
           <p:nvPr/>
         </p:nvSpPr>
@@ -11002,7 +10888,7 @@
       </p:sp>
       <p:sp>
         <p:nvSpPr>
-          <p:cNvPr id="327" name="Shape 327"/>
+          <p:cNvPr id="326" name="trav"/>
           <p:cNvSpPr/>
           <p:nvPr/>
         </p:nvSpPr>
@@ -11038,7 +10924,7 @@
       </p:sp>
       <p:sp>
         <p:nvSpPr>
-          <p:cNvPr id="328" name="Shape 328"/>
+          <p:cNvPr id="327" name="11"/>
           <p:cNvSpPr/>
           <p:nvPr/>
         </p:nvSpPr>
@@ -11092,7 +10978,7 @@
       </p:sp>
       <p:sp>
         <p:nvSpPr>
-          <p:cNvPr id="329" name="Shape 329"/>
+          <p:cNvPr id="328" name="Line"/>
           <p:cNvSpPr/>
           <p:nvPr/>
         </p:nvSpPr>
@@ -11129,7 +11015,7 @@
       </p:sp>
       <p:sp>
         <p:nvSpPr>
-          <p:cNvPr id="330" name="Shape 330"/>
+          <p:cNvPr id="329" name="Line"/>
           <p:cNvSpPr/>
           <p:nvPr/>
         </p:nvSpPr>
@@ -11192,7 +11078,7 @@
       </p:grpSpPr>
       <p:sp>
         <p:nvSpPr>
-          <p:cNvPr id="334" name="Shape 334"/>
+          <p:cNvPr id="333" name="Inserting Singly Linked List"/>
           <p:cNvSpPr/>
           <p:nvPr>
             <p:ph type="title"/>
@@ -11229,7 +11115,7 @@
       </p:sp>
       <p:sp>
         <p:nvSpPr>
-          <p:cNvPr id="335" name="Shape 335"/>
+          <p:cNvPr id="334" name="5"/>
           <p:cNvSpPr/>
           <p:nvPr/>
         </p:nvSpPr>
@@ -11275,7 +11161,7 @@
       </p:sp>
       <p:sp>
         <p:nvSpPr>
-          <p:cNvPr id="336" name="Shape 336"/>
+          <p:cNvPr id="335" name="23"/>
           <p:cNvSpPr/>
           <p:nvPr/>
         </p:nvSpPr>
@@ -11321,7 +11207,7 @@
       </p:sp>
       <p:sp>
         <p:nvSpPr>
-          <p:cNvPr id="337" name="Shape 337"/>
+          <p:cNvPr id="336" name="7"/>
           <p:cNvSpPr/>
           <p:nvPr/>
         </p:nvSpPr>
@@ -11367,7 +11253,7 @@
       </p:sp>
       <p:sp>
         <p:nvSpPr>
-          <p:cNvPr id="338" name="Shape 338"/>
+          <p:cNvPr id="337" name="13"/>
           <p:cNvSpPr/>
           <p:nvPr/>
         </p:nvSpPr>
@@ -11413,7 +11299,7 @@
       </p:sp>
       <p:sp>
         <p:nvSpPr>
-          <p:cNvPr id="339" name="Shape 339"/>
+          <p:cNvPr id="338" name="Line"/>
           <p:cNvSpPr/>
           <p:nvPr/>
         </p:nvSpPr>
@@ -11450,7 +11336,7 @@
       </p:sp>
       <p:sp>
         <p:nvSpPr>
-          <p:cNvPr id="340" name="Shape 340"/>
+          <p:cNvPr id="339" name="Line"/>
           <p:cNvSpPr/>
           <p:nvPr/>
         </p:nvSpPr>
@@ -11487,7 +11373,7 @@
       </p:sp>
       <p:sp>
         <p:nvSpPr>
-          <p:cNvPr id="341" name="Shape 341"/>
+          <p:cNvPr id="340" name="Insert 11 where the third node is."/>
           <p:cNvSpPr/>
           <p:nvPr/>
         </p:nvSpPr>
@@ -11523,7 +11409,7 @@
       </p:sp>
       <p:sp>
         <p:nvSpPr>
-          <p:cNvPr id="342" name="Shape 342"/>
+          <p:cNvPr id="341" name="Line"/>
           <p:cNvSpPr/>
           <p:nvPr/>
         </p:nvSpPr>
@@ -11560,7 +11446,7 @@
       </p:sp>
       <p:sp>
         <p:nvSpPr>
-          <p:cNvPr id="343" name="Shape 343"/>
+          <p:cNvPr id="342" name="Head"/>
           <p:cNvSpPr/>
           <p:nvPr/>
         </p:nvSpPr>
@@ -11608,7 +11494,7 @@
       </p:sp>
       <p:sp>
         <p:nvSpPr>
-          <p:cNvPr id="344" name="Shape 344"/>
+          <p:cNvPr id="343" name="Line"/>
           <p:cNvSpPr/>
           <p:nvPr/>
         </p:nvSpPr>
@@ -11645,7 +11531,7 @@
       </p:sp>
       <p:sp>
         <p:nvSpPr>
-          <p:cNvPr id="345" name="Shape 345"/>
+          <p:cNvPr id="344" name="Tail"/>
           <p:cNvSpPr/>
           <p:nvPr/>
         </p:nvSpPr>
@@ -11693,7 +11579,7 @@
       </p:sp>
       <p:sp>
         <p:nvSpPr>
-          <p:cNvPr id="346" name="Shape 346"/>
+          <p:cNvPr id="345" name="11"/>
           <p:cNvSpPr/>
           <p:nvPr/>
         </p:nvSpPr>
@@ -11739,7 +11625,7 @@
       </p:sp>
       <p:sp>
         <p:nvSpPr>
-          <p:cNvPr id="347" name="Shape 347"/>
+          <p:cNvPr id="346" name="Line"/>
           <p:cNvSpPr/>
           <p:nvPr/>
         </p:nvSpPr>
@@ -11776,7 +11662,7 @@
       </p:sp>
       <p:sp>
         <p:nvSpPr>
-          <p:cNvPr id="348" name="Shape 348"/>
+          <p:cNvPr id="347" name="Line"/>
           <p:cNvSpPr/>
           <p:nvPr/>
         </p:nvSpPr>
@@ -11839,7 +11725,7 @@
       </p:grpSpPr>
       <p:sp>
         <p:nvSpPr>
-          <p:cNvPr id="350" name="Shape 350"/>
+          <p:cNvPr id="349" name="Inserting Doubly Linked List"/>
           <p:cNvSpPr/>
           <p:nvPr>
             <p:ph type="title"/>
@@ -11872,7 +11758,7 @@
       </p:sp>
       <p:sp>
         <p:nvSpPr>
-          <p:cNvPr id="351" name="Shape 351"/>
+          <p:cNvPr id="350" name="5"/>
           <p:cNvSpPr/>
           <p:nvPr/>
         </p:nvSpPr>
@@ -11918,7 +11804,7 @@
       </p:sp>
       <p:sp>
         <p:nvSpPr>
-          <p:cNvPr id="352" name="Shape 352"/>
+          <p:cNvPr id="351" name="23"/>
           <p:cNvSpPr/>
           <p:nvPr/>
         </p:nvSpPr>
@@ -11964,7 +11850,7 @@
       </p:sp>
       <p:sp>
         <p:nvSpPr>
-          <p:cNvPr id="353" name="Shape 353"/>
+          <p:cNvPr id="352" name="7"/>
           <p:cNvSpPr/>
           <p:nvPr/>
         </p:nvSpPr>
@@ -12010,7 +11896,7 @@
       </p:sp>
       <p:sp>
         <p:nvSpPr>
-          <p:cNvPr id="354" name="Shape 354"/>
+          <p:cNvPr id="353" name="13"/>
           <p:cNvSpPr/>
           <p:nvPr/>
         </p:nvSpPr>
@@ -12056,7 +11942,7 @@
       </p:sp>
       <p:sp>
         <p:nvSpPr>
-          <p:cNvPr id="355" name="Shape 355"/>
+          <p:cNvPr id="354" name="Line"/>
           <p:cNvSpPr/>
           <p:nvPr/>
         </p:nvSpPr>
@@ -12093,7 +11979,7 @@
       </p:sp>
       <p:sp>
         <p:nvSpPr>
-          <p:cNvPr id="356" name="Shape 356"/>
+          <p:cNvPr id="355" name="Insert 11 where the third node is."/>
           <p:cNvSpPr/>
           <p:nvPr/>
         </p:nvSpPr>
@@ -12129,7 +12015,7 @@
       </p:sp>
       <p:sp>
         <p:nvSpPr>
-          <p:cNvPr id="357" name="Shape 357"/>
+          <p:cNvPr id="356" name="Line"/>
           <p:cNvSpPr/>
           <p:nvPr/>
         </p:nvSpPr>
@@ -12166,7 +12052,7 @@
       </p:sp>
       <p:sp>
         <p:nvSpPr>
-          <p:cNvPr id="358" name="Shape 358"/>
+          <p:cNvPr id="357" name="Head"/>
           <p:cNvSpPr/>
           <p:nvPr/>
         </p:nvSpPr>
@@ -12214,7 +12100,7 @@
       </p:sp>
       <p:sp>
         <p:nvSpPr>
-          <p:cNvPr id="359" name="Shape 359"/>
+          <p:cNvPr id="358" name="Line"/>
           <p:cNvSpPr/>
           <p:nvPr/>
         </p:nvSpPr>
@@ -12251,7 +12137,7 @@
       </p:sp>
       <p:sp>
         <p:nvSpPr>
-          <p:cNvPr id="360" name="Shape 360"/>
+          <p:cNvPr id="359" name="Tail"/>
           <p:cNvSpPr/>
           <p:nvPr/>
         </p:nvSpPr>
@@ -12299,7 +12185,7 @@
       </p:sp>
       <p:sp>
         <p:nvSpPr>
-          <p:cNvPr id="361" name="Shape 361"/>
+          <p:cNvPr id="360" name="Line"/>
           <p:cNvSpPr/>
           <p:nvPr/>
         </p:nvSpPr>
@@ -12336,7 +12222,7 @@
       </p:sp>
       <p:sp>
         <p:nvSpPr>
-          <p:cNvPr id="362" name="Shape 362"/>
+          <p:cNvPr id="361" name="Line"/>
           <p:cNvSpPr/>
           <p:nvPr/>
         </p:nvSpPr>
@@ -12373,7 +12259,7 @@
       </p:sp>
       <p:sp>
         <p:nvSpPr>
-          <p:cNvPr id="363" name="Shape 363"/>
+          <p:cNvPr id="362" name="Line"/>
           <p:cNvSpPr/>
           <p:nvPr/>
         </p:nvSpPr>
@@ -12410,7 +12296,7 @@
       </p:sp>
       <p:sp>
         <p:nvSpPr>
-          <p:cNvPr id="364" name="Shape 364"/>
+          <p:cNvPr id="363" name="Line"/>
           <p:cNvSpPr/>
           <p:nvPr/>
         </p:nvSpPr>
@@ -12447,7 +12333,7 @@
       </p:sp>
       <p:sp>
         <p:nvSpPr>
-          <p:cNvPr id="365" name="Shape 365"/>
+          <p:cNvPr id="364" name="Line"/>
           <p:cNvSpPr/>
           <p:nvPr/>
         </p:nvSpPr>
@@ -12510,7 +12396,7 @@
       </p:grpSpPr>
       <p:sp>
         <p:nvSpPr>
-          <p:cNvPr id="369" name="Shape 369"/>
+          <p:cNvPr id="368" name="Inserting Doubly Linked List"/>
           <p:cNvSpPr/>
           <p:nvPr>
             <p:ph type="title"/>
@@ -12543,7 +12429,7 @@
       </p:sp>
       <p:sp>
         <p:nvSpPr>
-          <p:cNvPr id="370" name="Shape 370"/>
+          <p:cNvPr id="369" name="5"/>
           <p:cNvSpPr/>
           <p:nvPr/>
         </p:nvSpPr>
@@ -12589,7 +12475,7 @@
       </p:sp>
       <p:sp>
         <p:nvSpPr>
-          <p:cNvPr id="371" name="Shape 371"/>
+          <p:cNvPr id="370" name="23"/>
           <p:cNvSpPr/>
           <p:nvPr/>
         </p:nvSpPr>
@@ -12635,7 +12521,7 @@
       </p:sp>
       <p:sp>
         <p:nvSpPr>
-          <p:cNvPr id="372" name="Shape 372"/>
+          <p:cNvPr id="371" name="7"/>
           <p:cNvSpPr/>
           <p:nvPr/>
         </p:nvSpPr>
@@ -12681,7 +12567,7 @@
       </p:sp>
       <p:sp>
         <p:nvSpPr>
-          <p:cNvPr id="373" name="Shape 373"/>
+          <p:cNvPr id="372" name="13"/>
           <p:cNvSpPr/>
           <p:nvPr/>
         </p:nvSpPr>
@@ -12727,7 +12613,7 @@
       </p:sp>
       <p:sp>
         <p:nvSpPr>
-          <p:cNvPr id="374" name="Shape 374"/>
+          <p:cNvPr id="373" name="Line"/>
           <p:cNvSpPr/>
           <p:nvPr/>
         </p:nvSpPr>
@@ -12764,7 +12650,7 @@
       </p:sp>
       <p:sp>
         <p:nvSpPr>
-          <p:cNvPr id="375" name="Shape 375"/>
+          <p:cNvPr id="374" name="Insert 11 where the third node is."/>
           <p:cNvSpPr/>
           <p:nvPr/>
         </p:nvSpPr>
@@ -12800,7 +12686,7 @@
       </p:sp>
       <p:sp>
         <p:nvSpPr>
-          <p:cNvPr id="376" name="Shape 376"/>
+          <p:cNvPr id="375" name="Line"/>
           <p:cNvSpPr/>
           <p:nvPr/>
         </p:nvSpPr>
@@ -12837,7 +12723,7 @@
       </p:sp>
       <p:sp>
         <p:nvSpPr>
-          <p:cNvPr id="377" name="Shape 377"/>
+          <p:cNvPr id="376" name="Head"/>
           <p:cNvSpPr/>
           <p:nvPr/>
         </p:nvSpPr>
@@ -12885,7 +12771,7 @@
       </p:sp>
       <p:sp>
         <p:nvSpPr>
-          <p:cNvPr id="378" name="Shape 378"/>
+          <p:cNvPr id="377" name="Line"/>
           <p:cNvSpPr/>
           <p:nvPr/>
         </p:nvSpPr>
@@ -12922,7 +12808,7 @@
       </p:sp>
       <p:sp>
         <p:nvSpPr>
-          <p:cNvPr id="379" name="Shape 379"/>
+          <p:cNvPr id="378" name="Tail"/>
           <p:cNvSpPr/>
           <p:nvPr/>
         </p:nvSpPr>
@@ -12970,7 +12856,7 @@
       </p:sp>
       <p:sp>
         <p:nvSpPr>
-          <p:cNvPr id="380" name="Shape 380"/>
+          <p:cNvPr id="379" name="Line"/>
           <p:cNvSpPr/>
           <p:nvPr/>
         </p:nvSpPr>
@@ -13007,7 +12893,7 @@
       </p:sp>
       <p:sp>
         <p:nvSpPr>
-          <p:cNvPr id="381" name="Shape 381"/>
+          <p:cNvPr id="380" name="Line"/>
           <p:cNvSpPr/>
           <p:nvPr/>
         </p:nvSpPr>
@@ -13044,7 +12930,7 @@
       </p:sp>
       <p:sp>
         <p:nvSpPr>
-          <p:cNvPr id="382" name="Shape 382"/>
+          <p:cNvPr id="381" name="Line"/>
           <p:cNvSpPr/>
           <p:nvPr/>
         </p:nvSpPr>
@@ -13081,7 +12967,7 @@
       </p:sp>
       <p:sp>
         <p:nvSpPr>
-          <p:cNvPr id="383" name="Shape 383"/>
+          <p:cNvPr id="382" name="Line"/>
           <p:cNvSpPr/>
           <p:nvPr/>
         </p:nvSpPr>
@@ -13118,7 +13004,7 @@
       </p:sp>
       <p:sp>
         <p:nvSpPr>
-          <p:cNvPr id="384" name="Shape 384"/>
+          <p:cNvPr id="383" name="Line"/>
           <p:cNvSpPr/>
           <p:nvPr/>
         </p:nvSpPr>
@@ -13155,7 +13041,7 @@
       </p:sp>
       <p:sp>
         <p:nvSpPr>
-          <p:cNvPr id="385" name="Shape 385"/>
+          <p:cNvPr id="384" name="Line"/>
           <p:cNvSpPr/>
           <p:nvPr/>
         </p:nvSpPr>
@@ -13192,7 +13078,7 @@
       </p:sp>
       <p:sp>
         <p:nvSpPr>
-          <p:cNvPr id="386" name="Shape 386"/>
+          <p:cNvPr id="385" name="trav"/>
           <p:cNvSpPr/>
           <p:nvPr/>
         </p:nvSpPr>
@@ -13254,7 +13140,7 @@
       </p:grpSpPr>
       <p:sp>
         <p:nvSpPr>
-          <p:cNvPr id="141" name="Shape 141"/>
+          <p:cNvPr id="140" name="Outline"/>
           <p:cNvSpPr/>
           <p:nvPr>
             <p:ph type="title"/>
@@ -13278,7 +13164,7 @@
       </p:sp>
       <p:sp>
         <p:nvSpPr>
-          <p:cNvPr id="142" name="Shape 142"/>
+          <p:cNvPr id="141" name="Discussion about Singly &amp; Doubly Linked Lists…"/>
           <p:cNvSpPr/>
           <p:nvPr>
             <p:ph type="body" idx="1"/>
@@ -13444,7 +13330,7 @@
       </p:grpSpPr>
       <p:sp>
         <p:nvSpPr>
-          <p:cNvPr id="390" name="Shape 390"/>
+          <p:cNvPr id="389" name="Inserting Doubly Linked List"/>
           <p:cNvSpPr/>
           <p:nvPr>
             <p:ph type="title"/>
@@ -13477,7 +13363,7 @@
       </p:sp>
       <p:sp>
         <p:nvSpPr>
-          <p:cNvPr id="391" name="Shape 391"/>
+          <p:cNvPr id="390" name="5"/>
           <p:cNvSpPr/>
           <p:nvPr/>
         </p:nvSpPr>
@@ -13523,7 +13409,7 @@
       </p:sp>
       <p:sp>
         <p:nvSpPr>
-          <p:cNvPr id="392" name="Shape 392"/>
+          <p:cNvPr id="391" name="23"/>
           <p:cNvSpPr/>
           <p:nvPr/>
         </p:nvSpPr>
@@ -13569,7 +13455,7 @@
       </p:sp>
       <p:sp>
         <p:nvSpPr>
-          <p:cNvPr id="393" name="Shape 393"/>
+          <p:cNvPr id="392" name="7"/>
           <p:cNvSpPr/>
           <p:nvPr/>
         </p:nvSpPr>
@@ -13615,7 +13501,7 @@
       </p:sp>
       <p:sp>
         <p:nvSpPr>
-          <p:cNvPr id="394" name="Shape 394"/>
+          <p:cNvPr id="393" name="13"/>
           <p:cNvSpPr/>
           <p:nvPr/>
         </p:nvSpPr>
@@ -13661,7 +13547,7 @@
       </p:sp>
       <p:sp>
         <p:nvSpPr>
-          <p:cNvPr id="395" name="Shape 395"/>
+          <p:cNvPr id="394" name="Line"/>
           <p:cNvSpPr/>
           <p:nvPr/>
         </p:nvSpPr>
@@ -13698,7 +13584,7 @@
       </p:sp>
       <p:sp>
         <p:nvSpPr>
-          <p:cNvPr id="396" name="Shape 396"/>
+          <p:cNvPr id="395" name="Insert 11 where the third node is."/>
           <p:cNvSpPr/>
           <p:nvPr/>
         </p:nvSpPr>
@@ -13734,7 +13620,7 @@
       </p:sp>
       <p:sp>
         <p:nvSpPr>
-          <p:cNvPr id="397" name="Shape 397"/>
+          <p:cNvPr id="396" name="Line"/>
           <p:cNvSpPr/>
           <p:nvPr/>
         </p:nvSpPr>
@@ -13771,7 +13657,7 @@
       </p:sp>
       <p:sp>
         <p:nvSpPr>
-          <p:cNvPr id="398" name="Shape 398"/>
+          <p:cNvPr id="397" name="Head"/>
           <p:cNvSpPr/>
           <p:nvPr/>
         </p:nvSpPr>
@@ -13819,7 +13705,7 @@
       </p:sp>
       <p:sp>
         <p:nvSpPr>
-          <p:cNvPr id="399" name="Shape 399"/>
+          <p:cNvPr id="398" name="Line"/>
           <p:cNvSpPr/>
           <p:nvPr/>
         </p:nvSpPr>
@@ -13856,7 +13742,7 @@
       </p:sp>
       <p:sp>
         <p:nvSpPr>
-          <p:cNvPr id="400" name="Shape 400"/>
+          <p:cNvPr id="399" name="Tail"/>
           <p:cNvSpPr/>
           <p:nvPr/>
         </p:nvSpPr>
@@ -13904,7 +13790,7 @@
       </p:sp>
       <p:sp>
         <p:nvSpPr>
-          <p:cNvPr id="401" name="Shape 401"/>
+          <p:cNvPr id="400" name="Line"/>
           <p:cNvSpPr/>
           <p:nvPr/>
         </p:nvSpPr>
@@ -13941,7 +13827,7 @@
       </p:sp>
       <p:sp>
         <p:nvSpPr>
-          <p:cNvPr id="402" name="Shape 402"/>
+          <p:cNvPr id="401" name="Line"/>
           <p:cNvSpPr/>
           <p:nvPr/>
         </p:nvSpPr>
@@ -13978,7 +13864,7 @@
       </p:sp>
       <p:sp>
         <p:nvSpPr>
-          <p:cNvPr id="403" name="Shape 403"/>
+          <p:cNvPr id="402" name="Line"/>
           <p:cNvSpPr/>
           <p:nvPr/>
         </p:nvSpPr>
@@ -14015,7 +13901,7 @@
       </p:sp>
       <p:sp>
         <p:nvSpPr>
-          <p:cNvPr id="404" name="Shape 404"/>
+          <p:cNvPr id="403" name="Line"/>
           <p:cNvSpPr/>
           <p:nvPr/>
         </p:nvSpPr>
@@ -14052,7 +13938,7 @@
       </p:sp>
       <p:sp>
         <p:nvSpPr>
-          <p:cNvPr id="405" name="Shape 405"/>
+          <p:cNvPr id="404" name="Line"/>
           <p:cNvSpPr/>
           <p:nvPr/>
         </p:nvSpPr>
@@ -14089,7 +13975,7 @@
       </p:sp>
       <p:sp>
         <p:nvSpPr>
-          <p:cNvPr id="406" name="Shape 406"/>
+          <p:cNvPr id="405" name="Line"/>
           <p:cNvSpPr/>
           <p:nvPr/>
         </p:nvSpPr>
@@ -14126,7 +14012,7 @@
       </p:sp>
       <p:sp>
         <p:nvSpPr>
-          <p:cNvPr id="407" name="Shape 407"/>
+          <p:cNvPr id="406" name="trav"/>
           <p:cNvSpPr/>
           <p:nvPr/>
         </p:nvSpPr>
@@ -14188,7 +14074,7 @@
       </p:grpSpPr>
       <p:sp>
         <p:nvSpPr>
-          <p:cNvPr id="411" name="Shape 411"/>
+          <p:cNvPr id="410" name="Inserting Doubly Linked List"/>
           <p:cNvSpPr/>
           <p:nvPr>
             <p:ph type="title"/>
@@ -14221,7 +14107,7 @@
       </p:sp>
       <p:sp>
         <p:nvSpPr>
-          <p:cNvPr id="412" name="Shape 412"/>
+          <p:cNvPr id="411" name="5"/>
           <p:cNvSpPr/>
           <p:nvPr/>
         </p:nvSpPr>
@@ -14267,7 +14153,7 @@
       </p:sp>
       <p:sp>
         <p:nvSpPr>
-          <p:cNvPr id="413" name="Shape 413"/>
+          <p:cNvPr id="412" name="23"/>
           <p:cNvSpPr/>
           <p:nvPr/>
         </p:nvSpPr>
@@ -14313,7 +14199,7 @@
       </p:sp>
       <p:sp>
         <p:nvSpPr>
-          <p:cNvPr id="414" name="Shape 414"/>
+          <p:cNvPr id="413" name="7"/>
           <p:cNvSpPr/>
           <p:nvPr/>
         </p:nvSpPr>
@@ -14359,7 +14245,7 @@
       </p:sp>
       <p:sp>
         <p:nvSpPr>
-          <p:cNvPr id="415" name="Shape 415"/>
+          <p:cNvPr id="414" name="13"/>
           <p:cNvSpPr/>
           <p:nvPr/>
         </p:nvSpPr>
@@ -14405,7 +14291,7 @@
       </p:sp>
       <p:sp>
         <p:nvSpPr>
-          <p:cNvPr id="416" name="Shape 416"/>
+          <p:cNvPr id="415" name="Line"/>
           <p:cNvSpPr/>
           <p:nvPr/>
         </p:nvSpPr>
@@ -14442,7 +14328,7 @@
       </p:sp>
       <p:sp>
         <p:nvSpPr>
-          <p:cNvPr id="417" name="Shape 417"/>
+          <p:cNvPr id="416" name="Insert 11 where the third node is."/>
           <p:cNvSpPr/>
           <p:nvPr/>
         </p:nvSpPr>
@@ -14478,7 +14364,7 @@
       </p:sp>
       <p:sp>
         <p:nvSpPr>
-          <p:cNvPr id="418" name="Shape 418"/>
+          <p:cNvPr id="417" name="Line"/>
           <p:cNvSpPr/>
           <p:nvPr/>
         </p:nvSpPr>
@@ -14515,7 +14401,7 @@
       </p:sp>
       <p:sp>
         <p:nvSpPr>
-          <p:cNvPr id="419" name="Shape 419"/>
+          <p:cNvPr id="418" name="Head"/>
           <p:cNvSpPr/>
           <p:nvPr/>
         </p:nvSpPr>
@@ -14563,7 +14449,7 @@
       </p:sp>
       <p:sp>
         <p:nvSpPr>
-          <p:cNvPr id="420" name="Shape 420"/>
+          <p:cNvPr id="419" name="Line"/>
           <p:cNvSpPr/>
           <p:nvPr/>
         </p:nvSpPr>
@@ -14600,7 +14486,7 @@
       </p:sp>
       <p:sp>
         <p:nvSpPr>
-          <p:cNvPr id="421" name="Shape 421"/>
+          <p:cNvPr id="420" name="Tail"/>
           <p:cNvSpPr/>
           <p:nvPr/>
         </p:nvSpPr>
@@ -14648,7 +14534,7 @@
       </p:sp>
       <p:sp>
         <p:nvSpPr>
-          <p:cNvPr id="422" name="Shape 422"/>
+          <p:cNvPr id="421" name="Line"/>
           <p:cNvSpPr/>
           <p:nvPr/>
         </p:nvSpPr>
@@ -14685,7 +14571,7 @@
       </p:sp>
       <p:sp>
         <p:nvSpPr>
-          <p:cNvPr id="423" name="Shape 423"/>
+          <p:cNvPr id="422" name="Line"/>
           <p:cNvSpPr/>
           <p:nvPr/>
         </p:nvSpPr>
@@ -14722,7 +14608,7 @@
       </p:sp>
       <p:sp>
         <p:nvSpPr>
-          <p:cNvPr id="424" name="Shape 424"/>
+          <p:cNvPr id="423" name="Line"/>
           <p:cNvSpPr/>
           <p:nvPr/>
         </p:nvSpPr>
@@ -14759,7 +14645,7 @@
       </p:sp>
       <p:sp>
         <p:nvSpPr>
-          <p:cNvPr id="425" name="Shape 425"/>
+          <p:cNvPr id="424" name="Line"/>
           <p:cNvSpPr/>
           <p:nvPr/>
         </p:nvSpPr>
@@ -14796,7 +14682,7 @@
       </p:sp>
       <p:sp>
         <p:nvSpPr>
-          <p:cNvPr id="426" name="Shape 426"/>
+          <p:cNvPr id="425" name="Line"/>
           <p:cNvSpPr/>
           <p:nvPr/>
         </p:nvSpPr>
@@ -14833,7 +14719,7 @@
       </p:sp>
       <p:sp>
         <p:nvSpPr>
-          <p:cNvPr id="427" name="Shape 427"/>
+          <p:cNvPr id="426" name="Line"/>
           <p:cNvSpPr/>
           <p:nvPr/>
         </p:nvSpPr>
@@ -14870,7 +14756,7 @@
       </p:sp>
       <p:sp>
         <p:nvSpPr>
-          <p:cNvPr id="428" name="Shape 428"/>
+          <p:cNvPr id="427" name="trav"/>
           <p:cNvSpPr/>
           <p:nvPr/>
         </p:nvSpPr>
@@ -14906,7 +14792,7 @@
       </p:sp>
       <p:sp>
         <p:nvSpPr>
-          <p:cNvPr id="429" name="Shape 429"/>
+          <p:cNvPr id="428" name="11"/>
           <p:cNvSpPr/>
           <p:nvPr/>
         </p:nvSpPr>
@@ -14986,7 +14872,7 @@
       </p:grpSpPr>
       <p:sp>
         <p:nvSpPr>
-          <p:cNvPr id="433" name="Shape 433"/>
+          <p:cNvPr id="432" name="Inserting Doubly Linked List"/>
           <p:cNvSpPr/>
           <p:nvPr>
             <p:ph type="title"/>
@@ -15019,7 +14905,7 @@
       </p:sp>
       <p:sp>
         <p:nvSpPr>
-          <p:cNvPr id="434" name="Shape 434"/>
+          <p:cNvPr id="433" name="5"/>
           <p:cNvSpPr/>
           <p:nvPr/>
         </p:nvSpPr>
@@ -15065,7 +14951,7 @@
       </p:sp>
       <p:sp>
         <p:nvSpPr>
-          <p:cNvPr id="435" name="Shape 435"/>
+          <p:cNvPr id="434" name="23"/>
           <p:cNvSpPr/>
           <p:nvPr/>
         </p:nvSpPr>
@@ -15111,7 +14997,7 @@
       </p:sp>
       <p:sp>
         <p:nvSpPr>
-          <p:cNvPr id="436" name="Shape 436"/>
+          <p:cNvPr id="435" name="7"/>
           <p:cNvSpPr/>
           <p:nvPr/>
         </p:nvSpPr>
@@ -15157,7 +15043,7 @@
       </p:sp>
       <p:sp>
         <p:nvSpPr>
-          <p:cNvPr id="437" name="Shape 437"/>
+          <p:cNvPr id="436" name="13"/>
           <p:cNvSpPr/>
           <p:nvPr/>
         </p:nvSpPr>
@@ -15203,7 +15089,7 @@
       </p:sp>
       <p:sp>
         <p:nvSpPr>
-          <p:cNvPr id="438" name="Shape 438"/>
+          <p:cNvPr id="437" name="Line"/>
           <p:cNvSpPr/>
           <p:nvPr/>
         </p:nvSpPr>
@@ -15240,7 +15126,7 @@
       </p:sp>
       <p:sp>
         <p:nvSpPr>
-          <p:cNvPr id="439" name="Shape 439"/>
+          <p:cNvPr id="438" name="Insert 11 where the third node is."/>
           <p:cNvSpPr/>
           <p:nvPr/>
         </p:nvSpPr>
@@ -15276,7 +15162,7 @@
       </p:sp>
       <p:sp>
         <p:nvSpPr>
-          <p:cNvPr id="440" name="Shape 440"/>
+          <p:cNvPr id="439" name="Line"/>
           <p:cNvSpPr/>
           <p:nvPr/>
         </p:nvSpPr>
@@ -15313,7 +15199,7 @@
       </p:sp>
       <p:sp>
         <p:nvSpPr>
-          <p:cNvPr id="441" name="Shape 441"/>
+          <p:cNvPr id="440" name="Head"/>
           <p:cNvSpPr/>
           <p:nvPr/>
         </p:nvSpPr>
@@ -15361,7 +15247,7 @@
       </p:sp>
       <p:sp>
         <p:nvSpPr>
-          <p:cNvPr id="442" name="Shape 442"/>
+          <p:cNvPr id="441" name="Line"/>
           <p:cNvSpPr/>
           <p:nvPr/>
         </p:nvSpPr>
@@ -15398,7 +15284,7 @@
       </p:sp>
       <p:sp>
         <p:nvSpPr>
-          <p:cNvPr id="443" name="Shape 443"/>
+          <p:cNvPr id="442" name="Tail"/>
           <p:cNvSpPr/>
           <p:nvPr/>
         </p:nvSpPr>
@@ -15446,7 +15332,7 @@
       </p:sp>
       <p:sp>
         <p:nvSpPr>
-          <p:cNvPr id="444" name="Shape 444"/>
+          <p:cNvPr id="443" name="Line"/>
           <p:cNvSpPr/>
           <p:nvPr/>
         </p:nvSpPr>
@@ -15483,7 +15369,7 @@
       </p:sp>
       <p:sp>
         <p:nvSpPr>
-          <p:cNvPr id="445" name="Shape 445"/>
+          <p:cNvPr id="444" name="Line"/>
           <p:cNvSpPr/>
           <p:nvPr/>
         </p:nvSpPr>
@@ -15520,7 +15406,7 @@
       </p:sp>
       <p:sp>
         <p:nvSpPr>
-          <p:cNvPr id="446" name="Shape 446"/>
+          <p:cNvPr id="445" name="Line"/>
           <p:cNvSpPr/>
           <p:nvPr/>
         </p:nvSpPr>
@@ -15557,7 +15443,7 @@
       </p:sp>
       <p:sp>
         <p:nvSpPr>
-          <p:cNvPr id="447" name="Shape 447"/>
+          <p:cNvPr id="446" name="Line"/>
           <p:cNvSpPr/>
           <p:nvPr/>
         </p:nvSpPr>
@@ -15594,7 +15480,7 @@
       </p:sp>
       <p:sp>
         <p:nvSpPr>
-          <p:cNvPr id="448" name="Shape 448"/>
+          <p:cNvPr id="447" name="Line"/>
           <p:cNvSpPr/>
           <p:nvPr/>
         </p:nvSpPr>
@@ -15631,7 +15517,7 @@
       </p:sp>
       <p:sp>
         <p:nvSpPr>
-          <p:cNvPr id="449" name="Shape 449"/>
+          <p:cNvPr id="448" name="Line"/>
           <p:cNvSpPr/>
           <p:nvPr/>
         </p:nvSpPr>
@@ -15668,7 +15554,7 @@
       </p:sp>
       <p:sp>
         <p:nvSpPr>
-          <p:cNvPr id="450" name="Shape 450"/>
+          <p:cNvPr id="449" name="trav"/>
           <p:cNvSpPr/>
           <p:nvPr/>
         </p:nvSpPr>
@@ -15704,7 +15590,7 @@
       </p:sp>
       <p:sp>
         <p:nvSpPr>
-          <p:cNvPr id="451" name="Shape 451"/>
+          <p:cNvPr id="450" name="11"/>
           <p:cNvSpPr/>
           <p:nvPr/>
         </p:nvSpPr>
@@ -15758,7 +15644,7 @@
       </p:sp>
       <p:sp>
         <p:nvSpPr>
-          <p:cNvPr id="452" name="Shape 452"/>
+          <p:cNvPr id="451" name="Line"/>
           <p:cNvSpPr/>
           <p:nvPr/>
         </p:nvSpPr>
@@ -15821,7 +15707,7 @@
       </p:grpSpPr>
       <p:sp>
         <p:nvSpPr>
-          <p:cNvPr id="456" name="Shape 456"/>
+          <p:cNvPr id="455" name="Inserting Doubly Linked List"/>
           <p:cNvSpPr/>
           <p:nvPr>
             <p:ph type="title"/>
@@ -15854,7 +15740,7 @@
       </p:sp>
       <p:sp>
         <p:nvSpPr>
-          <p:cNvPr id="457" name="Shape 457"/>
+          <p:cNvPr id="456" name="5"/>
           <p:cNvSpPr/>
           <p:nvPr/>
         </p:nvSpPr>
@@ -15900,7 +15786,7 @@
       </p:sp>
       <p:sp>
         <p:nvSpPr>
-          <p:cNvPr id="458" name="Shape 458"/>
+          <p:cNvPr id="457" name="23"/>
           <p:cNvSpPr/>
           <p:nvPr/>
         </p:nvSpPr>
@@ -15946,7 +15832,7 @@
       </p:sp>
       <p:sp>
         <p:nvSpPr>
-          <p:cNvPr id="459" name="Shape 459"/>
+          <p:cNvPr id="458" name="7"/>
           <p:cNvSpPr/>
           <p:nvPr/>
         </p:nvSpPr>
@@ -15992,7 +15878,7 @@
       </p:sp>
       <p:sp>
         <p:nvSpPr>
-          <p:cNvPr id="460" name="Shape 460"/>
+          <p:cNvPr id="459" name="13"/>
           <p:cNvSpPr/>
           <p:nvPr/>
         </p:nvSpPr>
@@ -16038,7 +15924,7 @@
       </p:sp>
       <p:sp>
         <p:nvSpPr>
-          <p:cNvPr id="461" name="Shape 461"/>
+          <p:cNvPr id="460" name="Line"/>
           <p:cNvSpPr/>
           <p:nvPr/>
         </p:nvSpPr>
@@ -16075,7 +15961,7 @@
       </p:sp>
       <p:sp>
         <p:nvSpPr>
-          <p:cNvPr id="462" name="Shape 462"/>
+          <p:cNvPr id="461" name="Insert 11 where the third node is."/>
           <p:cNvSpPr/>
           <p:nvPr/>
         </p:nvSpPr>
@@ -16111,7 +15997,7 @@
       </p:sp>
       <p:sp>
         <p:nvSpPr>
-          <p:cNvPr id="463" name="Shape 463"/>
+          <p:cNvPr id="462" name="Line"/>
           <p:cNvSpPr/>
           <p:nvPr/>
         </p:nvSpPr>
@@ -16148,7 +16034,7 @@
       </p:sp>
       <p:sp>
         <p:nvSpPr>
-          <p:cNvPr id="464" name="Shape 464"/>
+          <p:cNvPr id="463" name="Head"/>
           <p:cNvSpPr/>
           <p:nvPr/>
         </p:nvSpPr>
@@ -16196,7 +16082,7 @@
       </p:sp>
       <p:sp>
         <p:nvSpPr>
-          <p:cNvPr id="465" name="Shape 465"/>
+          <p:cNvPr id="464" name="Line"/>
           <p:cNvSpPr/>
           <p:nvPr/>
         </p:nvSpPr>
@@ -16233,7 +16119,7 @@
       </p:sp>
       <p:sp>
         <p:nvSpPr>
-          <p:cNvPr id="466" name="Shape 466"/>
+          <p:cNvPr id="465" name="Tail"/>
           <p:cNvSpPr/>
           <p:nvPr/>
         </p:nvSpPr>
@@ -16281,7 +16167,7 @@
       </p:sp>
       <p:sp>
         <p:nvSpPr>
-          <p:cNvPr id="467" name="Shape 467"/>
+          <p:cNvPr id="466" name="Line"/>
           <p:cNvSpPr/>
           <p:nvPr/>
         </p:nvSpPr>
@@ -16318,7 +16204,7 @@
       </p:sp>
       <p:sp>
         <p:nvSpPr>
-          <p:cNvPr id="468" name="Shape 468"/>
+          <p:cNvPr id="467" name="Line"/>
           <p:cNvSpPr/>
           <p:nvPr/>
         </p:nvSpPr>
@@ -16355,7 +16241,7 @@
       </p:sp>
       <p:sp>
         <p:nvSpPr>
-          <p:cNvPr id="469" name="Shape 469"/>
+          <p:cNvPr id="468" name="Line"/>
           <p:cNvSpPr/>
           <p:nvPr/>
         </p:nvSpPr>
@@ -16392,7 +16278,7 @@
       </p:sp>
       <p:sp>
         <p:nvSpPr>
-          <p:cNvPr id="470" name="Shape 470"/>
+          <p:cNvPr id="469" name="Line"/>
           <p:cNvSpPr/>
           <p:nvPr/>
         </p:nvSpPr>
@@ -16429,7 +16315,7 @@
       </p:sp>
       <p:sp>
         <p:nvSpPr>
-          <p:cNvPr id="471" name="Shape 471"/>
+          <p:cNvPr id="470" name="Line"/>
           <p:cNvSpPr/>
           <p:nvPr/>
         </p:nvSpPr>
@@ -16466,7 +16352,7 @@
       </p:sp>
       <p:sp>
         <p:nvSpPr>
-          <p:cNvPr id="472" name="Shape 472"/>
+          <p:cNvPr id="471" name="Line"/>
           <p:cNvSpPr/>
           <p:nvPr/>
         </p:nvSpPr>
@@ -16503,7 +16389,7 @@
       </p:sp>
       <p:sp>
         <p:nvSpPr>
-          <p:cNvPr id="473" name="Shape 473"/>
+          <p:cNvPr id="472" name="trav"/>
           <p:cNvSpPr/>
           <p:nvPr/>
         </p:nvSpPr>
@@ -16539,7 +16425,7 @@
       </p:sp>
       <p:sp>
         <p:nvSpPr>
-          <p:cNvPr id="474" name="Shape 474"/>
+          <p:cNvPr id="473" name="11"/>
           <p:cNvSpPr/>
           <p:nvPr/>
         </p:nvSpPr>
@@ -16593,7 +16479,7 @@
       </p:sp>
       <p:sp>
         <p:nvSpPr>
-          <p:cNvPr id="475" name="Shape 475"/>
+          <p:cNvPr id="474" name="Line"/>
           <p:cNvSpPr/>
           <p:nvPr/>
         </p:nvSpPr>
@@ -16630,7 +16516,7 @@
       </p:sp>
       <p:sp>
         <p:nvSpPr>
-          <p:cNvPr id="476" name="Shape 476"/>
+          <p:cNvPr id="475" name="Line"/>
           <p:cNvSpPr/>
           <p:nvPr/>
         </p:nvSpPr>
@@ -16693,7 +16579,7 @@
       </p:grpSpPr>
       <p:sp>
         <p:nvSpPr>
-          <p:cNvPr id="480" name="Shape 480"/>
+          <p:cNvPr id="479" name="Inserting Doubly Linked List"/>
           <p:cNvSpPr/>
           <p:nvPr>
             <p:ph type="title"/>
@@ -16726,7 +16612,7 @@
       </p:sp>
       <p:sp>
         <p:nvSpPr>
-          <p:cNvPr id="481" name="Shape 481"/>
+          <p:cNvPr id="480" name="5"/>
           <p:cNvSpPr/>
           <p:nvPr/>
         </p:nvSpPr>
@@ -16772,7 +16658,7 @@
       </p:sp>
       <p:sp>
         <p:nvSpPr>
-          <p:cNvPr id="482" name="Shape 482"/>
+          <p:cNvPr id="481" name="23"/>
           <p:cNvSpPr/>
           <p:nvPr/>
         </p:nvSpPr>
@@ -16818,7 +16704,7 @@
       </p:sp>
       <p:sp>
         <p:nvSpPr>
-          <p:cNvPr id="483" name="Shape 483"/>
+          <p:cNvPr id="482" name="7"/>
           <p:cNvSpPr/>
           <p:nvPr/>
         </p:nvSpPr>
@@ -16864,7 +16750,7 @@
       </p:sp>
       <p:sp>
         <p:nvSpPr>
-          <p:cNvPr id="484" name="Shape 484"/>
+          <p:cNvPr id="483" name="13"/>
           <p:cNvSpPr/>
           <p:nvPr/>
         </p:nvSpPr>
@@ -16910,7 +16796,7 @@
       </p:sp>
       <p:sp>
         <p:nvSpPr>
-          <p:cNvPr id="485" name="Shape 485"/>
+          <p:cNvPr id="484" name="Line"/>
           <p:cNvSpPr/>
           <p:nvPr/>
         </p:nvSpPr>
@@ -16947,7 +16833,7 @@
       </p:sp>
       <p:sp>
         <p:nvSpPr>
-          <p:cNvPr id="486" name="Shape 486"/>
+          <p:cNvPr id="485" name="Insert 11 where the third node is."/>
           <p:cNvSpPr/>
           <p:nvPr/>
         </p:nvSpPr>
@@ -16983,7 +16869,7 @@
       </p:sp>
       <p:sp>
         <p:nvSpPr>
-          <p:cNvPr id="487" name="Shape 487"/>
+          <p:cNvPr id="486" name="Line"/>
           <p:cNvSpPr/>
           <p:nvPr/>
         </p:nvSpPr>
@@ -17020,7 +16906,7 @@
       </p:sp>
       <p:sp>
         <p:nvSpPr>
-          <p:cNvPr id="488" name="Shape 488"/>
+          <p:cNvPr id="487" name="Head"/>
           <p:cNvSpPr/>
           <p:nvPr/>
         </p:nvSpPr>
@@ -17068,7 +16954,7 @@
       </p:sp>
       <p:sp>
         <p:nvSpPr>
-          <p:cNvPr id="489" name="Shape 489"/>
+          <p:cNvPr id="488" name="Line"/>
           <p:cNvSpPr/>
           <p:nvPr/>
         </p:nvSpPr>
@@ -17105,7 +16991,7 @@
       </p:sp>
       <p:sp>
         <p:nvSpPr>
-          <p:cNvPr id="490" name="Shape 490"/>
+          <p:cNvPr id="489" name="Tail"/>
           <p:cNvSpPr/>
           <p:nvPr/>
         </p:nvSpPr>
@@ -17153,7 +17039,7 @@
       </p:sp>
       <p:sp>
         <p:nvSpPr>
-          <p:cNvPr id="491" name="Shape 491"/>
+          <p:cNvPr id="490" name="Line"/>
           <p:cNvSpPr/>
           <p:nvPr/>
         </p:nvSpPr>
@@ -17190,7 +17076,7 @@
       </p:sp>
       <p:sp>
         <p:nvSpPr>
-          <p:cNvPr id="492" name="Shape 492"/>
+          <p:cNvPr id="491" name="Line"/>
           <p:cNvSpPr/>
           <p:nvPr/>
         </p:nvSpPr>
@@ -17227,7 +17113,7 @@
       </p:sp>
       <p:sp>
         <p:nvSpPr>
-          <p:cNvPr id="493" name="Shape 493"/>
+          <p:cNvPr id="492" name="Line"/>
           <p:cNvSpPr/>
           <p:nvPr/>
         </p:nvSpPr>
@@ -17264,7 +17150,7 @@
       </p:sp>
       <p:sp>
         <p:nvSpPr>
-          <p:cNvPr id="494" name="Shape 494"/>
+          <p:cNvPr id="493" name="Line"/>
           <p:cNvSpPr/>
           <p:nvPr/>
         </p:nvSpPr>
@@ -17301,7 +17187,7 @@
       </p:sp>
       <p:sp>
         <p:nvSpPr>
-          <p:cNvPr id="495" name="Shape 495"/>
+          <p:cNvPr id="494" name="Line"/>
           <p:cNvSpPr/>
           <p:nvPr/>
         </p:nvSpPr>
@@ -17338,7 +17224,7 @@
       </p:sp>
       <p:sp>
         <p:nvSpPr>
-          <p:cNvPr id="496" name="Shape 496"/>
+          <p:cNvPr id="495" name="Line"/>
           <p:cNvSpPr/>
           <p:nvPr/>
         </p:nvSpPr>
@@ -17375,7 +17261,7 @@
       </p:sp>
       <p:sp>
         <p:nvSpPr>
-          <p:cNvPr id="497" name="Shape 497"/>
+          <p:cNvPr id="496" name="trav"/>
           <p:cNvSpPr/>
           <p:nvPr/>
         </p:nvSpPr>
@@ -17411,7 +17297,7 @@
       </p:sp>
       <p:sp>
         <p:nvSpPr>
-          <p:cNvPr id="498" name="Shape 498"/>
+          <p:cNvPr id="497" name="11"/>
           <p:cNvSpPr/>
           <p:nvPr/>
         </p:nvSpPr>
@@ -17465,7 +17351,7 @@
       </p:sp>
       <p:sp>
         <p:nvSpPr>
-          <p:cNvPr id="499" name="Shape 499"/>
+          <p:cNvPr id="498" name="Line"/>
           <p:cNvSpPr/>
           <p:nvPr/>
         </p:nvSpPr>
@@ -17502,7 +17388,7 @@
       </p:sp>
       <p:sp>
         <p:nvSpPr>
-          <p:cNvPr id="500" name="Shape 500"/>
+          <p:cNvPr id="499" name="Line"/>
           <p:cNvSpPr/>
           <p:nvPr/>
         </p:nvSpPr>
@@ -17565,7 +17451,7 @@
       </p:grpSpPr>
       <p:sp>
         <p:nvSpPr>
-          <p:cNvPr id="504" name="Shape 504"/>
+          <p:cNvPr id="503" name="Inserting Doubly Linked List"/>
           <p:cNvSpPr/>
           <p:nvPr>
             <p:ph type="title"/>
@@ -17598,7 +17484,7 @@
       </p:sp>
       <p:sp>
         <p:nvSpPr>
-          <p:cNvPr id="505" name="Shape 505"/>
+          <p:cNvPr id="504" name="5"/>
           <p:cNvSpPr/>
           <p:nvPr/>
         </p:nvSpPr>
@@ -17644,7 +17530,7 @@
       </p:sp>
       <p:sp>
         <p:nvSpPr>
-          <p:cNvPr id="506" name="Shape 506"/>
+          <p:cNvPr id="505" name="23"/>
           <p:cNvSpPr/>
           <p:nvPr/>
         </p:nvSpPr>
@@ -17690,7 +17576,7 @@
       </p:sp>
       <p:sp>
         <p:nvSpPr>
-          <p:cNvPr id="507" name="Shape 507"/>
+          <p:cNvPr id="506" name="7"/>
           <p:cNvSpPr/>
           <p:nvPr/>
         </p:nvSpPr>
@@ -17736,7 +17622,7 @@
       </p:sp>
       <p:sp>
         <p:nvSpPr>
-          <p:cNvPr id="508" name="Shape 508"/>
+          <p:cNvPr id="507" name="13"/>
           <p:cNvSpPr/>
           <p:nvPr/>
         </p:nvSpPr>
@@ -17782,7 +17668,7 @@
       </p:sp>
       <p:sp>
         <p:nvSpPr>
-          <p:cNvPr id="509" name="Shape 509"/>
+          <p:cNvPr id="508" name="Line"/>
           <p:cNvSpPr/>
           <p:nvPr/>
         </p:nvSpPr>
@@ -17819,7 +17705,7 @@
       </p:sp>
       <p:sp>
         <p:nvSpPr>
-          <p:cNvPr id="510" name="Shape 510"/>
+          <p:cNvPr id="509" name="Insert 11 where the third node is."/>
           <p:cNvSpPr/>
           <p:nvPr/>
         </p:nvSpPr>
@@ -17855,7 +17741,7 @@
       </p:sp>
       <p:sp>
         <p:nvSpPr>
-          <p:cNvPr id="511" name="Shape 511"/>
+          <p:cNvPr id="510" name="Line"/>
           <p:cNvSpPr/>
           <p:nvPr/>
         </p:nvSpPr>
@@ -17892,7 +17778,7 @@
       </p:sp>
       <p:sp>
         <p:nvSpPr>
-          <p:cNvPr id="512" name="Shape 512"/>
+          <p:cNvPr id="511" name="Head"/>
           <p:cNvSpPr/>
           <p:nvPr/>
         </p:nvSpPr>
@@ -17940,7 +17826,7 @@
       </p:sp>
       <p:sp>
         <p:nvSpPr>
-          <p:cNvPr id="513" name="Shape 513"/>
+          <p:cNvPr id="512" name="Line"/>
           <p:cNvSpPr/>
           <p:nvPr/>
         </p:nvSpPr>
@@ -17977,7 +17863,7 @@
       </p:sp>
       <p:sp>
         <p:nvSpPr>
-          <p:cNvPr id="514" name="Shape 514"/>
+          <p:cNvPr id="513" name="Tail"/>
           <p:cNvSpPr/>
           <p:nvPr/>
         </p:nvSpPr>
@@ -18025,7 +17911,7 @@
       </p:sp>
       <p:sp>
         <p:nvSpPr>
-          <p:cNvPr id="515" name="Shape 515"/>
+          <p:cNvPr id="514" name="Line"/>
           <p:cNvSpPr/>
           <p:nvPr/>
         </p:nvSpPr>
@@ -18062,7 +17948,7 @@
       </p:sp>
       <p:sp>
         <p:nvSpPr>
-          <p:cNvPr id="516" name="Shape 516"/>
+          <p:cNvPr id="515" name="Line"/>
           <p:cNvSpPr/>
           <p:nvPr/>
         </p:nvSpPr>
@@ -18099,7 +17985,7 @@
       </p:sp>
       <p:sp>
         <p:nvSpPr>
-          <p:cNvPr id="517" name="Shape 517"/>
+          <p:cNvPr id="516" name="Line"/>
           <p:cNvSpPr/>
           <p:nvPr/>
         </p:nvSpPr>
@@ -18136,7 +18022,7 @@
       </p:sp>
       <p:sp>
         <p:nvSpPr>
-          <p:cNvPr id="518" name="Shape 518"/>
+          <p:cNvPr id="517" name="Line"/>
           <p:cNvSpPr/>
           <p:nvPr/>
         </p:nvSpPr>
@@ -18173,7 +18059,7 @@
       </p:sp>
       <p:sp>
         <p:nvSpPr>
-          <p:cNvPr id="519" name="Shape 519"/>
+          <p:cNvPr id="518" name="Line"/>
           <p:cNvSpPr/>
           <p:nvPr/>
         </p:nvSpPr>
@@ -18210,7 +18096,7 @@
       </p:sp>
       <p:sp>
         <p:nvSpPr>
-          <p:cNvPr id="520" name="Shape 520"/>
+          <p:cNvPr id="519" name="Line"/>
           <p:cNvSpPr/>
           <p:nvPr/>
         </p:nvSpPr>
@@ -18247,7 +18133,7 @@
       </p:sp>
       <p:sp>
         <p:nvSpPr>
-          <p:cNvPr id="521" name="Shape 521"/>
+          <p:cNvPr id="520" name="trav"/>
           <p:cNvSpPr/>
           <p:nvPr/>
         </p:nvSpPr>
@@ -18283,7 +18169,7 @@
       </p:sp>
       <p:sp>
         <p:nvSpPr>
-          <p:cNvPr id="522" name="Shape 522"/>
+          <p:cNvPr id="521" name="11"/>
           <p:cNvSpPr/>
           <p:nvPr/>
         </p:nvSpPr>
@@ -18337,7 +18223,7 @@
       </p:sp>
       <p:sp>
         <p:nvSpPr>
-          <p:cNvPr id="523" name="Shape 523"/>
+          <p:cNvPr id="522" name="Line"/>
           <p:cNvSpPr/>
           <p:nvPr/>
         </p:nvSpPr>
@@ -18374,7 +18260,7 @@
       </p:sp>
       <p:sp>
         <p:nvSpPr>
-          <p:cNvPr id="524" name="Shape 524"/>
+          <p:cNvPr id="523" name="Line"/>
           <p:cNvSpPr/>
           <p:nvPr/>
         </p:nvSpPr>
@@ -18437,7 +18323,7 @@
       </p:grpSpPr>
       <p:sp>
         <p:nvSpPr>
-          <p:cNvPr id="528" name="Shape 528"/>
+          <p:cNvPr id="527" name="Inserting Doubly Linked List"/>
           <p:cNvSpPr/>
           <p:nvPr>
             <p:ph type="title"/>
@@ -18470,7 +18356,7 @@
       </p:sp>
       <p:sp>
         <p:nvSpPr>
-          <p:cNvPr id="529" name="Shape 529"/>
+          <p:cNvPr id="528" name="5"/>
           <p:cNvSpPr/>
           <p:nvPr/>
         </p:nvSpPr>
@@ -18516,7 +18402,7 @@
       </p:sp>
       <p:sp>
         <p:nvSpPr>
-          <p:cNvPr id="530" name="Shape 530"/>
+          <p:cNvPr id="529" name="23"/>
           <p:cNvSpPr/>
           <p:nvPr/>
         </p:nvSpPr>
@@ -18562,7 +18448,7 @@
       </p:sp>
       <p:sp>
         <p:nvSpPr>
-          <p:cNvPr id="531" name="Shape 531"/>
+          <p:cNvPr id="530" name="Insert 11 where the third node is."/>
           <p:cNvSpPr/>
           <p:nvPr/>
         </p:nvSpPr>
@@ -18598,7 +18484,7 @@
       </p:sp>
       <p:sp>
         <p:nvSpPr>
-          <p:cNvPr id="532" name="Shape 532"/>
+          <p:cNvPr id="531" name="Line"/>
           <p:cNvSpPr/>
           <p:nvPr/>
         </p:nvSpPr>
@@ -18635,7 +18521,7 @@
       </p:sp>
       <p:sp>
         <p:nvSpPr>
-          <p:cNvPr id="533" name="Shape 533"/>
+          <p:cNvPr id="532" name="Head"/>
           <p:cNvSpPr/>
           <p:nvPr/>
         </p:nvSpPr>
@@ -18683,7 +18569,7 @@
       </p:sp>
       <p:sp>
         <p:nvSpPr>
-          <p:cNvPr id="534" name="Shape 534"/>
+          <p:cNvPr id="533" name="Line"/>
           <p:cNvSpPr/>
           <p:nvPr/>
         </p:nvSpPr>
@@ -18720,7 +18606,7 @@
       </p:sp>
       <p:sp>
         <p:nvSpPr>
-          <p:cNvPr id="535" name="Shape 535"/>
+          <p:cNvPr id="534" name="Line"/>
           <p:cNvSpPr/>
           <p:nvPr/>
         </p:nvSpPr>
@@ -18757,7 +18643,7 @@
       </p:sp>
       <p:sp>
         <p:nvSpPr>
-          <p:cNvPr id="536" name="Shape 536"/>
+          <p:cNvPr id="535" name="Line"/>
           <p:cNvSpPr/>
           <p:nvPr/>
         </p:nvSpPr>
@@ -18794,7 +18680,7 @@
       </p:sp>
       <p:sp>
         <p:nvSpPr>
-          <p:cNvPr id="537" name="Shape 537"/>
+          <p:cNvPr id="536" name="trav"/>
           <p:cNvSpPr/>
           <p:nvPr/>
         </p:nvSpPr>
@@ -18830,7 +18716,7 @@
       </p:sp>
       <p:sp>
         <p:nvSpPr>
-          <p:cNvPr id="538" name="Shape 538"/>
+          <p:cNvPr id="537" name="11"/>
           <p:cNvSpPr/>
           <p:nvPr/>
         </p:nvSpPr>
@@ -18884,7 +18770,7 @@
       </p:sp>
       <p:sp>
         <p:nvSpPr>
-          <p:cNvPr id="539" name="Shape 539"/>
+          <p:cNvPr id="538" name="7"/>
           <p:cNvSpPr/>
           <p:nvPr/>
         </p:nvSpPr>
@@ -18930,7 +18816,7 @@
       </p:sp>
       <p:sp>
         <p:nvSpPr>
-          <p:cNvPr id="540" name="Shape 540"/>
+          <p:cNvPr id="539" name="13"/>
           <p:cNvSpPr/>
           <p:nvPr/>
         </p:nvSpPr>
@@ -18976,7 +18862,7 @@
       </p:sp>
       <p:sp>
         <p:nvSpPr>
-          <p:cNvPr id="541" name="Shape 541"/>
+          <p:cNvPr id="540" name="Line"/>
           <p:cNvSpPr/>
           <p:nvPr/>
         </p:nvSpPr>
@@ -19013,7 +18899,7 @@
       </p:sp>
       <p:sp>
         <p:nvSpPr>
-          <p:cNvPr id="542" name="Shape 542"/>
+          <p:cNvPr id="541" name="Line"/>
           <p:cNvSpPr/>
           <p:nvPr/>
         </p:nvSpPr>
@@ -19050,7 +18936,7 @@
       </p:sp>
       <p:sp>
         <p:nvSpPr>
-          <p:cNvPr id="543" name="Shape 543"/>
+          <p:cNvPr id="542" name="Line"/>
           <p:cNvSpPr/>
           <p:nvPr/>
         </p:nvSpPr>
@@ -19087,7 +18973,7 @@
       </p:sp>
       <p:sp>
         <p:nvSpPr>
-          <p:cNvPr id="544" name="Shape 544"/>
+          <p:cNvPr id="543" name="Line"/>
           <p:cNvSpPr/>
           <p:nvPr/>
         </p:nvSpPr>
@@ -19124,7 +19010,7 @@
       </p:sp>
       <p:sp>
         <p:nvSpPr>
-          <p:cNvPr id="545" name="Shape 545"/>
+          <p:cNvPr id="544" name="Line"/>
           <p:cNvSpPr/>
           <p:nvPr/>
         </p:nvSpPr>
@@ -19161,7 +19047,7 @@
       </p:sp>
       <p:sp>
         <p:nvSpPr>
-          <p:cNvPr id="546" name="Shape 546"/>
+          <p:cNvPr id="545" name="Line"/>
           <p:cNvSpPr/>
           <p:nvPr/>
         </p:nvSpPr>
@@ -19198,7 +19084,7 @@
       </p:sp>
       <p:sp>
         <p:nvSpPr>
-          <p:cNvPr id="547" name="Shape 547"/>
+          <p:cNvPr id="546" name="Line"/>
           <p:cNvSpPr/>
           <p:nvPr/>
         </p:nvSpPr>
@@ -19235,7 +19121,7 @@
       </p:sp>
       <p:sp>
         <p:nvSpPr>
-          <p:cNvPr id="548" name="Shape 548"/>
+          <p:cNvPr id="547" name="Tail"/>
           <p:cNvSpPr/>
           <p:nvPr/>
         </p:nvSpPr>
@@ -19309,7 +19195,7 @@
       </p:grpSpPr>
       <p:sp>
         <p:nvSpPr>
-          <p:cNvPr id="552" name="Shape 552"/>
+          <p:cNvPr id="551" name="Inserting Doubly Linked List"/>
           <p:cNvSpPr/>
           <p:nvPr>
             <p:ph type="title"/>
@@ -19342,7 +19228,7 @@
       </p:sp>
       <p:sp>
         <p:nvSpPr>
-          <p:cNvPr id="553" name="Shape 553"/>
+          <p:cNvPr id="552" name="5"/>
           <p:cNvSpPr/>
           <p:nvPr/>
         </p:nvSpPr>
@@ -19388,7 +19274,7 @@
       </p:sp>
       <p:sp>
         <p:nvSpPr>
-          <p:cNvPr id="554" name="Shape 554"/>
+          <p:cNvPr id="553" name="23"/>
           <p:cNvSpPr/>
           <p:nvPr/>
         </p:nvSpPr>
@@ -19434,7 +19320,7 @@
       </p:sp>
       <p:sp>
         <p:nvSpPr>
-          <p:cNvPr id="555" name="Shape 555"/>
+          <p:cNvPr id="554" name="Insert 11 where the third node is."/>
           <p:cNvSpPr/>
           <p:nvPr/>
         </p:nvSpPr>
@@ -19470,7 +19356,7 @@
       </p:sp>
       <p:sp>
         <p:nvSpPr>
-          <p:cNvPr id="556" name="Shape 556"/>
+          <p:cNvPr id="555" name="Line"/>
           <p:cNvSpPr/>
           <p:nvPr/>
         </p:nvSpPr>
@@ -19507,7 +19393,7 @@
       </p:sp>
       <p:sp>
         <p:nvSpPr>
-          <p:cNvPr id="557" name="Shape 557"/>
+          <p:cNvPr id="556" name="Head"/>
           <p:cNvSpPr/>
           <p:nvPr/>
         </p:nvSpPr>
@@ -19555,7 +19441,7 @@
       </p:sp>
       <p:sp>
         <p:nvSpPr>
-          <p:cNvPr id="558" name="Shape 558"/>
+          <p:cNvPr id="557" name="Line"/>
           <p:cNvSpPr/>
           <p:nvPr/>
         </p:nvSpPr>
@@ -19592,7 +19478,7 @@
       </p:sp>
       <p:sp>
         <p:nvSpPr>
-          <p:cNvPr id="559" name="Shape 559"/>
+          <p:cNvPr id="558" name="Line"/>
           <p:cNvSpPr/>
           <p:nvPr/>
         </p:nvSpPr>
@@ -19629,7 +19515,7 @@
       </p:sp>
       <p:sp>
         <p:nvSpPr>
-          <p:cNvPr id="560" name="Shape 560"/>
+          <p:cNvPr id="559" name="11"/>
           <p:cNvSpPr/>
           <p:nvPr/>
         </p:nvSpPr>
@@ -19675,7 +19561,7 @@
       </p:sp>
       <p:sp>
         <p:nvSpPr>
-          <p:cNvPr id="561" name="Shape 561"/>
+          <p:cNvPr id="560" name="7"/>
           <p:cNvSpPr/>
           <p:nvPr/>
         </p:nvSpPr>
@@ -19721,7 +19607,7 @@
       </p:sp>
       <p:sp>
         <p:nvSpPr>
-          <p:cNvPr id="562" name="Shape 562"/>
+          <p:cNvPr id="561" name="13"/>
           <p:cNvSpPr/>
           <p:nvPr/>
         </p:nvSpPr>
@@ -19767,7 +19653,7 @@
       </p:sp>
       <p:sp>
         <p:nvSpPr>
-          <p:cNvPr id="563" name="Shape 563"/>
+          <p:cNvPr id="562" name="Line"/>
           <p:cNvSpPr/>
           <p:nvPr/>
         </p:nvSpPr>
@@ -19804,7 +19690,7 @@
       </p:sp>
       <p:sp>
         <p:nvSpPr>
-          <p:cNvPr id="564" name="Shape 564"/>
+          <p:cNvPr id="563" name="Line"/>
           <p:cNvSpPr/>
           <p:nvPr/>
         </p:nvSpPr>
@@ -19841,7 +19727,7 @@
       </p:sp>
       <p:sp>
         <p:nvSpPr>
-          <p:cNvPr id="565" name="Shape 565"/>
+          <p:cNvPr id="564" name="Line"/>
           <p:cNvSpPr/>
           <p:nvPr/>
         </p:nvSpPr>
@@ -19878,7 +19764,7 @@
       </p:sp>
       <p:sp>
         <p:nvSpPr>
-          <p:cNvPr id="566" name="Shape 566"/>
+          <p:cNvPr id="565" name="Line"/>
           <p:cNvSpPr/>
           <p:nvPr/>
         </p:nvSpPr>
@@ -19915,7 +19801,7 @@
       </p:sp>
       <p:sp>
         <p:nvSpPr>
-          <p:cNvPr id="567" name="Shape 567"/>
+          <p:cNvPr id="566" name="Line"/>
           <p:cNvSpPr/>
           <p:nvPr/>
         </p:nvSpPr>
@@ -19952,7 +19838,7 @@
       </p:sp>
       <p:sp>
         <p:nvSpPr>
-          <p:cNvPr id="568" name="Shape 568"/>
+          <p:cNvPr id="567" name="Line"/>
           <p:cNvSpPr/>
           <p:nvPr/>
         </p:nvSpPr>
@@ -19989,7 +19875,7 @@
       </p:sp>
       <p:sp>
         <p:nvSpPr>
-          <p:cNvPr id="569" name="Shape 569"/>
+          <p:cNvPr id="568" name="Line"/>
           <p:cNvSpPr/>
           <p:nvPr/>
         </p:nvSpPr>
@@ -20026,7 +19912,7 @@
       </p:sp>
       <p:sp>
         <p:nvSpPr>
-          <p:cNvPr id="570" name="Shape 570"/>
+          <p:cNvPr id="569" name="Tail"/>
           <p:cNvSpPr/>
           <p:nvPr/>
         </p:nvSpPr>
@@ -20100,7 +19986,7 @@
       </p:grpSpPr>
       <p:sp>
         <p:nvSpPr>
-          <p:cNvPr id="572" name="Shape 572"/>
+          <p:cNvPr id="571" name="Removing from Singly Linked List"/>
           <p:cNvSpPr/>
           <p:nvPr>
             <p:ph type="title"/>
@@ -20133,7 +20019,7 @@
       </p:sp>
       <p:sp>
         <p:nvSpPr>
-          <p:cNvPr id="573" name="Shape 573"/>
+          <p:cNvPr id="572" name="Remove 9 from the following SLL"/>
           <p:cNvSpPr/>
           <p:nvPr/>
         </p:nvSpPr>
@@ -20169,7 +20055,7 @@
       </p:sp>
       <p:sp>
         <p:nvSpPr>
-          <p:cNvPr id="574" name="Shape 574"/>
+          <p:cNvPr id="573" name="7"/>
           <p:cNvSpPr/>
           <p:nvPr/>
         </p:nvSpPr>
@@ -20215,7 +20101,7 @@
       </p:sp>
       <p:sp>
         <p:nvSpPr>
-          <p:cNvPr id="575" name="Shape 575"/>
+          <p:cNvPr id="574" name="0"/>
           <p:cNvSpPr/>
           <p:nvPr/>
         </p:nvSpPr>
@@ -20261,7 +20147,7 @@
       </p:sp>
       <p:sp>
         <p:nvSpPr>
-          <p:cNvPr id="576" name="Shape 576"/>
+          <p:cNvPr id="575" name="Line"/>
           <p:cNvSpPr/>
           <p:nvPr/>
         </p:nvSpPr>
@@ -20298,7 +20184,7 @@
       </p:sp>
       <p:sp>
         <p:nvSpPr>
-          <p:cNvPr id="577" name="Shape 577"/>
+          <p:cNvPr id="576" name="Head"/>
           <p:cNvSpPr/>
           <p:nvPr/>
         </p:nvSpPr>
@@ -20346,7 +20232,7 @@
       </p:sp>
       <p:sp>
         <p:nvSpPr>
-          <p:cNvPr id="578" name="Shape 578"/>
+          <p:cNvPr id="577" name="Line"/>
           <p:cNvSpPr/>
           <p:nvPr/>
         </p:nvSpPr>
@@ -20383,7 +20269,7 @@
       </p:sp>
       <p:sp>
         <p:nvSpPr>
-          <p:cNvPr id="579" name="Shape 579"/>
+          <p:cNvPr id="578" name="4"/>
           <p:cNvSpPr/>
           <p:nvPr/>
         </p:nvSpPr>
@@ -20429,7 +20315,7 @@
       </p:sp>
       <p:sp>
         <p:nvSpPr>
-          <p:cNvPr id="580" name="Shape 580"/>
+          <p:cNvPr id="579" name="9"/>
           <p:cNvSpPr/>
           <p:nvPr/>
         </p:nvSpPr>
@@ -20475,7 +20361,7 @@
       </p:sp>
       <p:sp>
         <p:nvSpPr>
-          <p:cNvPr id="581" name="Shape 581"/>
+          <p:cNvPr id="580" name="15"/>
           <p:cNvSpPr/>
           <p:nvPr/>
         </p:nvSpPr>
@@ -20521,7 +20407,7 @@
       </p:sp>
       <p:sp>
         <p:nvSpPr>
-          <p:cNvPr id="582" name="Shape 582"/>
+          <p:cNvPr id="581" name="Line"/>
           <p:cNvSpPr/>
           <p:nvPr/>
         </p:nvSpPr>
@@ -20558,7 +20444,7 @@
       </p:sp>
       <p:sp>
         <p:nvSpPr>
-          <p:cNvPr id="583" name="Shape 583"/>
+          <p:cNvPr id="582" name="Line"/>
           <p:cNvSpPr/>
           <p:nvPr/>
         </p:nvSpPr>
@@ -20595,7 +20481,7 @@
       </p:sp>
       <p:sp>
         <p:nvSpPr>
-          <p:cNvPr id="584" name="Shape 584"/>
+          <p:cNvPr id="583" name="Line"/>
           <p:cNvSpPr/>
           <p:nvPr/>
         </p:nvSpPr>
@@ -20632,7 +20518,7 @@
       </p:sp>
       <p:sp>
         <p:nvSpPr>
-          <p:cNvPr id="585" name="Shape 585"/>
+          <p:cNvPr id="584" name="Line"/>
           <p:cNvSpPr/>
           <p:nvPr/>
         </p:nvSpPr>
@@ -20669,7 +20555,7 @@
       </p:sp>
       <p:sp>
         <p:nvSpPr>
-          <p:cNvPr id="586" name="Shape 586"/>
+          <p:cNvPr id="585" name="Tail"/>
           <p:cNvSpPr/>
           <p:nvPr/>
         </p:nvSpPr>
@@ -20743,7 +20629,7 @@
       </p:grpSpPr>
       <p:sp>
         <p:nvSpPr>
-          <p:cNvPr id="590" name="Shape 590"/>
+          <p:cNvPr id="589" name="Removing from Singly Linked List"/>
           <p:cNvSpPr/>
           <p:nvPr>
             <p:ph type="title"/>
@@ -20776,7 +20662,7 @@
       </p:sp>
       <p:sp>
         <p:nvSpPr>
-          <p:cNvPr id="591" name="Shape 591"/>
+          <p:cNvPr id="590" name="Remove 9 from the following SLL"/>
           <p:cNvSpPr/>
           <p:nvPr/>
         </p:nvSpPr>
@@ -20812,7 +20698,7 @@
       </p:sp>
       <p:sp>
         <p:nvSpPr>
-          <p:cNvPr id="592" name="Shape 592"/>
+          <p:cNvPr id="591" name="7"/>
           <p:cNvSpPr/>
           <p:nvPr/>
         </p:nvSpPr>
@@ -20858,7 +20744,7 @@
       </p:sp>
       <p:sp>
         <p:nvSpPr>
-          <p:cNvPr id="593" name="Shape 593"/>
+          <p:cNvPr id="592" name="0"/>
           <p:cNvSpPr/>
           <p:nvPr/>
         </p:nvSpPr>
@@ -20904,7 +20790,7 @@
       </p:sp>
       <p:sp>
         <p:nvSpPr>
-          <p:cNvPr id="594" name="Shape 594"/>
+          <p:cNvPr id="593" name="Line"/>
           <p:cNvSpPr/>
           <p:nvPr/>
         </p:nvSpPr>
@@ -20941,7 +20827,7 @@
       </p:sp>
       <p:sp>
         <p:nvSpPr>
-          <p:cNvPr id="595" name="Shape 595"/>
+          <p:cNvPr id="594" name="Head"/>
           <p:cNvSpPr/>
           <p:nvPr/>
         </p:nvSpPr>
@@ -20989,7 +20875,7 @@
       </p:sp>
       <p:sp>
         <p:nvSpPr>
-          <p:cNvPr id="596" name="Shape 596"/>
+          <p:cNvPr id="595" name="Line"/>
           <p:cNvSpPr/>
           <p:nvPr/>
         </p:nvSpPr>
@@ -21026,7 +20912,7 @@
       </p:sp>
       <p:sp>
         <p:nvSpPr>
-          <p:cNvPr id="597" name="Shape 597"/>
+          <p:cNvPr id="596" name="4"/>
           <p:cNvSpPr/>
           <p:nvPr/>
         </p:nvSpPr>
@@ -21072,7 +20958,7 @@
       </p:sp>
       <p:sp>
         <p:nvSpPr>
-          <p:cNvPr id="598" name="Shape 598"/>
+          <p:cNvPr id="597" name="9"/>
           <p:cNvSpPr/>
           <p:nvPr/>
         </p:nvSpPr>
@@ -21118,7 +21004,7 @@
       </p:sp>
       <p:sp>
         <p:nvSpPr>
-          <p:cNvPr id="599" name="Shape 599"/>
+          <p:cNvPr id="598" name="15"/>
           <p:cNvSpPr/>
           <p:nvPr/>
         </p:nvSpPr>
@@ -21164,7 +21050,7 @@
       </p:sp>
       <p:sp>
         <p:nvSpPr>
-          <p:cNvPr id="600" name="Shape 600"/>
+          <p:cNvPr id="599" name="Line"/>
           <p:cNvSpPr/>
           <p:nvPr/>
         </p:nvSpPr>
@@ -21201,7 +21087,7 @@
       </p:sp>
       <p:sp>
         <p:nvSpPr>
-          <p:cNvPr id="601" name="Shape 601"/>
+          <p:cNvPr id="600" name="Line"/>
           <p:cNvSpPr/>
           <p:nvPr/>
         </p:nvSpPr>
@@ -21238,7 +21124,7 @@
       </p:sp>
       <p:sp>
         <p:nvSpPr>
-          <p:cNvPr id="602" name="Shape 602"/>
+          <p:cNvPr id="601" name="Line"/>
           <p:cNvSpPr/>
           <p:nvPr/>
         </p:nvSpPr>
@@ -21275,7 +21161,7 @@
       </p:sp>
       <p:sp>
         <p:nvSpPr>
-          <p:cNvPr id="603" name="Shape 603"/>
+          <p:cNvPr id="602" name="Line"/>
           <p:cNvSpPr/>
           <p:nvPr/>
         </p:nvSpPr>
@@ -21312,7 +21198,7 @@
       </p:sp>
       <p:sp>
         <p:nvSpPr>
-          <p:cNvPr id="604" name="Shape 604"/>
+          <p:cNvPr id="603" name="Tail"/>
           <p:cNvSpPr/>
           <p:nvPr/>
         </p:nvSpPr>
@@ -21360,7 +21246,7 @@
       </p:sp>
       <p:sp>
         <p:nvSpPr>
-          <p:cNvPr id="605" name="Shape 605"/>
+          <p:cNvPr id="604" name="Line"/>
           <p:cNvSpPr/>
           <p:nvPr/>
         </p:nvSpPr>
@@ -21397,7 +21283,7 @@
       </p:sp>
       <p:sp>
         <p:nvSpPr>
-          <p:cNvPr id="606" name="Shape 606"/>
+          <p:cNvPr id="605" name="Line"/>
           <p:cNvSpPr/>
           <p:nvPr/>
         </p:nvSpPr>
@@ -21434,7 +21320,7 @@
       </p:sp>
       <p:sp>
         <p:nvSpPr>
-          <p:cNvPr id="607" name="Shape 607"/>
+          <p:cNvPr id="606" name="trav1"/>
           <p:cNvSpPr/>
           <p:nvPr/>
         </p:nvSpPr>
@@ -21474,7 +21360,7 @@
       </p:sp>
       <p:sp>
         <p:nvSpPr>
-          <p:cNvPr id="608" name="Shape 608"/>
+          <p:cNvPr id="607" name="trav2"/>
           <p:cNvSpPr/>
           <p:nvPr/>
         </p:nvSpPr>
@@ -21540,7 +21426,7 @@
       </p:grpSpPr>
       <p:sp>
         <p:nvSpPr>
-          <p:cNvPr id="146" name="Shape 146"/>
+          <p:cNvPr id="145" name="Discussion"/>
           <p:cNvSpPr/>
           <p:nvPr>
             <p:ph type="title"/>
@@ -21598,7 +21484,7 @@
       </p:grpSpPr>
       <p:sp>
         <p:nvSpPr>
-          <p:cNvPr id="612" name="Shape 612"/>
+          <p:cNvPr id="611" name="Removing from Singly Linked List"/>
           <p:cNvSpPr/>
           <p:nvPr>
             <p:ph type="title"/>
@@ -21631,7 +21517,7 @@
       </p:sp>
       <p:sp>
         <p:nvSpPr>
-          <p:cNvPr id="613" name="Shape 613"/>
+          <p:cNvPr id="612" name="Remove 9 from the following SLL"/>
           <p:cNvSpPr/>
           <p:nvPr/>
         </p:nvSpPr>
@@ -21667,7 +21553,7 @@
       </p:sp>
       <p:sp>
         <p:nvSpPr>
-          <p:cNvPr id="614" name="Shape 614"/>
+          <p:cNvPr id="613" name="7"/>
           <p:cNvSpPr/>
           <p:nvPr/>
         </p:nvSpPr>
@@ -21713,7 +21599,7 @@
       </p:sp>
       <p:sp>
         <p:nvSpPr>
-          <p:cNvPr id="615" name="Shape 615"/>
+          <p:cNvPr id="614" name="0"/>
           <p:cNvSpPr/>
           <p:nvPr/>
         </p:nvSpPr>
@@ -21759,7 +21645,7 @@
       </p:sp>
       <p:sp>
         <p:nvSpPr>
-          <p:cNvPr id="616" name="Shape 616"/>
+          <p:cNvPr id="615" name="Line"/>
           <p:cNvSpPr/>
           <p:nvPr/>
         </p:nvSpPr>
@@ -21796,7 +21682,7 @@
       </p:sp>
       <p:sp>
         <p:nvSpPr>
-          <p:cNvPr id="617" name="Shape 617"/>
+          <p:cNvPr id="616" name="Head"/>
           <p:cNvSpPr/>
           <p:nvPr/>
         </p:nvSpPr>
@@ -21844,7 +21730,7 @@
       </p:sp>
       <p:sp>
         <p:nvSpPr>
-          <p:cNvPr id="618" name="Shape 618"/>
+          <p:cNvPr id="617" name="Line"/>
           <p:cNvSpPr/>
           <p:nvPr/>
         </p:nvSpPr>
@@ -21881,7 +21767,7 @@
       </p:sp>
       <p:sp>
         <p:nvSpPr>
-          <p:cNvPr id="619" name="Shape 619"/>
+          <p:cNvPr id="618" name="4"/>
           <p:cNvSpPr/>
           <p:nvPr/>
         </p:nvSpPr>
@@ -21927,7 +21813,7 @@
       </p:sp>
       <p:sp>
         <p:nvSpPr>
-          <p:cNvPr id="620" name="Shape 620"/>
+          <p:cNvPr id="619" name="9"/>
           <p:cNvSpPr/>
           <p:nvPr/>
         </p:nvSpPr>
@@ -21973,7 +21859,7 @@
       </p:sp>
       <p:sp>
         <p:nvSpPr>
-          <p:cNvPr id="621" name="Shape 621"/>
+          <p:cNvPr id="620" name="15"/>
           <p:cNvSpPr/>
           <p:nvPr/>
         </p:nvSpPr>
@@ -22019,7 +21905,7 @@
       </p:sp>
       <p:sp>
         <p:nvSpPr>
-          <p:cNvPr id="622" name="Shape 622"/>
+          <p:cNvPr id="621" name="Line"/>
           <p:cNvSpPr/>
           <p:nvPr/>
         </p:nvSpPr>
@@ -22056,7 +21942,7 @@
       </p:sp>
       <p:sp>
         <p:nvSpPr>
-          <p:cNvPr id="623" name="Shape 623"/>
+          <p:cNvPr id="622" name="Line"/>
           <p:cNvSpPr/>
           <p:nvPr/>
         </p:nvSpPr>
@@ -22093,7 +21979,7 @@
       </p:sp>
       <p:sp>
         <p:nvSpPr>
-          <p:cNvPr id="624" name="Shape 624"/>
+          <p:cNvPr id="623" name="Line"/>
           <p:cNvSpPr/>
           <p:nvPr/>
         </p:nvSpPr>
@@ -22130,7 +22016,7 @@
       </p:sp>
       <p:sp>
         <p:nvSpPr>
-          <p:cNvPr id="625" name="Shape 625"/>
+          <p:cNvPr id="624" name="Line"/>
           <p:cNvSpPr/>
           <p:nvPr/>
         </p:nvSpPr>
@@ -22167,7 +22053,7 @@
       </p:sp>
       <p:sp>
         <p:nvSpPr>
-          <p:cNvPr id="626" name="Shape 626"/>
+          <p:cNvPr id="625" name="Tail"/>
           <p:cNvSpPr/>
           <p:nvPr/>
         </p:nvSpPr>
@@ -22215,7 +22101,7 @@
       </p:sp>
       <p:sp>
         <p:nvSpPr>
-          <p:cNvPr id="627" name="Shape 627"/>
+          <p:cNvPr id="626" name="Line"/>
           <p:cNvSpPr/>
           <p:nvPr/>
         </p:nvSpPr>
@@ -22252,7 +22138,7 @@
       </p:sp>
       <p:sp>
         <p:nvSpPr>
-          <p:cNvPr id="628" name="Shape 628"/>
+          <p:cNvPr id="627" name="Line"/>
           <p:cNvSpPr/>
           <p:nvPr/>
         </p:nvSpPr>
@@ -22289,7 +22175,7 @@
       </p:sp>
       <p:sp>
         <p:nvSpPr>
-          <p:cNvPr id="629" name="Shape 629"/>
+          <p:cNvPr id="628" name="trav1"/>
           <p:cNvSpPr/>
           <p:nvPr/>
         </p:nvSpPr>
@@ -22329,7 +22215,7 @@
       </p:sp>
       <p:sp>
         <p:nvSpPr>
-          <p:cNvPr id="630" name="Shape 630"/>
+          <p:cNvPr id="629" name="trav2"/>
           <p:cNvSpPr/>
           <p:nvPr/>
         </p:nvSpPr>
@@ -22395,7 +22281,7 @@
       </p:grpSpPr>
       <p:sp>
         <p:nvSpPr>
-          <p:cNvPr id="632" name="Shape 632"/>
+          <p:cNvPr id="631" name="Removing from Singly Linked List"/>
           <p:cNvSpPr/>
           <p:nvPr>
             <p:ph type="title"/>
@@ -22428,7 +22314,7 @@
       </p:sp>
       <p:sp>
         <p:nvSpPr>
-          <p:cNvPr id="633" name="Shape 633"/>
+          <p:cNvPr id="632" name="Remove 9 from the following SLL"/>
           <p:cNvSpPr/>
           <p:nvPr/>
         </p:nvSpPr>
@@ -22464,7 +22350,7 @@
       </p:sp>
       <p:sp>
         <p:nvSpPr>
-          <p:cNvPr id="634" name="Shape 634"/>
+          <p:cNvPr id="633" name="7"/>
           <p:cNvSpPr/>
           <p:nvPr/>
         </p:nvSpPr>
@@ -22510,7 +22396,7 @@
       </p:sp>
       <p:sp>
         <p:nvSpPr>
-          <p:cNvPr id="635" name="Shape 635"/>
+          <p:cNvPr id="634" name="0"/>
           <p:cNvSpPr/>
           <p:nvPr/>
         </p:nvSpPr>
@@ -22556,7 +22442,7 @@
       </p:sp>
       <p:sp>
         <p:nvSpPr>
-          <p:cNvPr id="636" name="Shape 636"/>
+          <p:cNvPr id="635" name="Line"/>
           <p:cNvSpPr/>
           <p:nvPr/>
         </p:nvSpPr>
@@ -22593,7 +22479,7 @@
       </p:sp>
       <p:sp>
         <p:nvSpPr>
-          <p:cNvPr id="637" name="Shape 637"/>
+          <p:cNvPr id="636" name="Head"/>
           <p:cNvSpPr/>
           <p:nvPr/>
         </p:nvSpPr>
@@ -22641,7 +22527,7 @@
       </p:sp>
       <p:sp>
         <p:nvSpPr>
-          <p:cNvPr id="638" name="Shape 638"/>
+          <p:cNvPr id="637" name="Line"/>
           <p:cNvSpPr/>
           <p:nvPr/>
         </p:nvSpPr>
@@ -22678,7 +22564,7 @@
       </p:sp>
       <p:sp>
         <p:nvSpPr>
-          <p:cNvPr id="639" name="Shape 639"/>
+          <p:cNvPr id="638" name="4"/>
           <p:cNvSpPr/>
           <p:nvPr/>
         </p:nvSpPr>
@@ -22724,7 +22610,7 @@
       </p:sp>
       <p:sp>
         <p:nvSpPr>
-          <p:cNvPr id="640" name="Shape 640"/>
+          <p:cNvPr id="639" name="9"/>
           <p:cNvSpPr/>
           <p:nvPr/>
         </p:nvSpPr>
@@ -22770,7 +22656,7 @@
       </p:sp>
       <p:sp>
         <p:nvSpPr>
-          <p:cNvPr id="641" name="Shape 641"/>
+          <p:cNvPr id="640" name="15"/>
           <p:cNvSpPr/>
           <p:nvPr/>
         </p:nvSpPr>
@@ -22816,7 +22702,7 @@
       </p:sp>
       <p:sp>
         <p:nvSpPr>
-          <p:cNvPr id="642" name="Shape 642"/>
+          <p:cNvPr id="641" name="Line"/>
           <p:cNvSpPr/>
           <p:nvPr/>
         </p:nvSpPr>
@@ -22853,7 +22739,7 @@
       </p:sp>
       <p:sp>
         <p:nvSpPr>
-          <p:cNvPr id="643" name="Shape 643"/>
+          <p:cNvPr id="642" name="Line"/>
           <p:cNvSpPr/>
           <p:nvPr/>
         </p:nvSpPr>
@@ -22890,7 +22776,7 @@
       </p:sp>
       <p:sp>
         <p:nvSpPr>
-          <p:cNvPr id="644" name="Shape 644"/>
+          <p:cNvPr id="643" name="Line"/>
           <p:cNvSpPr/>
           <p:nvPr/>
         </p:nvSpPr>
@@ -22927,7 +22813,7 @@
       </p:sp>
       <p:sp>
         <p:nvSpPr>
-          <p:cNvPr id="645" name="Shape 645"/>
+          <p:cNvPr id="644" name="Line"/>
           <p:cNvSpPr/>
           <p:nvPr/>
         </p:nvSpPr>
@@ -22964,7 +22850,7 @@
       </p:sp>
       <p:sp>
         <p:nvSpPr>
-          <p:cNvPr id="646" name="Shape 646"/>
+          <p:cNvPr id="645" name="Tail"/>
           <p:cNvSpPr/>
           <p:nvPr/>
         </p:nvSpPr>
@@ -23012,7 +22898,7 @@
       </p:sp>
       <p:sp>
         <p:nvSpPr>
-          <p:cNvPr id="647" name="Shape 647"/>
+          <p:cNvPr id="646" name="Line"/>
           <p:cNvSpPr/>
           <p:nvPr/>
         </p:nvSpPr>
@@ -23049,7 +22935,7 @@
       </p:sp>
       <p:sp>
         <p:nvSpPr>
-          <p:cNvPr id="648" name="Shape 648"/>
+          <p:cNvPr id="647" name="Line"/>
           <p:cNvSpPr/>
           <p:nvPr/>
         </p:nvSpPr>
@@ -23086,7 +22972,7 @@
       </p:sp>
       <p:sp>
         <p:nvSpPr>
-          <p:cNvPr id="649" name="Shape 649"/>
+          <p:cNvPr id="648" name="trav1"/>
           <p:cNvSpPr/>
           <p:nvPr/>
         </p:nvSpPr>
@@ -23126,7 +23012,7 @@
       </p:sp>
       <p:sp>
         <p:nvSpPr>
-          <p:cNvPr id="650" name="Shape 650"/>
+          <p:cNvPr id="649" name="trav2"/>
           <p:cNvSpPr/>
           <p:nvPr/>
         </p:nvSpPr>
@@ -23192,7 +23078,7 @@
       </p:grpSpPr>
       <p:sp>
         <p:nvSpPr>
-          <p:cNvPr id="654" name="Shape 654"/>
+          <p:cNvPr id="653" name="Removing from Singly Linked List"/>
           <p:cNvSpPr/>
           <p:nvPr>
             <p:ph type="title"/>
@@ -23225,7 +23111,7 @@
       </p:sp>
       <p:sp>
         <p:nvSpPr>
-          <p:cNvPr id="655" name="Shape 655"/>
+          <p:cNvPr id="654" name="Remove 9 from the following SLL"/>
           <p:cNvSpPr/>
           <p:nvPr/>
         </p:nvSpPr>
@@ -23261,7 +23147,7 @@
       </p:sp>
       <p:sp>
         <p:nvSpPr>
-          <p:cNvPr id="656" name="Shape 656"/>
+          <p:cNvPr id="655" name="7"/>
           <p:cNvSpPr/>
           <p:nvPr/>
         </p:nvSpPr>
@@ -23307,7 +23193,7 @@
       </p:sp>
       <p:sp>
         <p:nvSpPr>
-          <p:cNvPr id="657" name="Shape 657"/>
+          <p:cNvPr id="656" name="0"/>
           <p:cNvSpPr/>
           <p:nvPr/>
         </p:nvSpPr>
@@ -23353,7 +23239,7 @@
       </p:sp>
       <p:sp>
         <p:nvSpPr>
-          <p:cNvPr id="658" name="Shape 658"/>
+          <p:cNvPr id="657" name="Line"/>
           <p:cNvSpPr/>
           <p:nvPr/>
         </p:nvSpPr>
@@ -23390,7 +23276,7 @@
       </p:sp>
       <p:sp>
         <p:nvSpPr>
-          <p:cNvPr id="659" name="Shape 659"/>
+          <p:cNvPr id="658" name="Head"/>
           <p:cNvSpPr/>
           <p:nvPr/>
         </p:nvSpPr>
@@ -23438,7 +23324,7 @@
       </p:sp>
       <p:sp>
         <p:nvSpPr>
-          <p:cNvPr id="660" name="Shape 660"/>
+          <p:cNvPr id="659" name="Line"/>
           <p:cNvSpPr/>
           <p:nvPr/>
         </p:nvSpPr>
@@ -23475,7 +23361,7 @@
       </p:sp>
       <p:sp>
         <p:nvSpPr>
-          <p:cNvPr id="661" name="Shape 661"/>
+          <p:cNvPr id="660" name="4"/>
           <p:cNvSpPr/>
           <p:nvPr/>
         </p:nvSpPr>
@@ -23521,7 +23407,7 @@
       </p:sp>
       <p:sp>
         <p:nvSpPr>
-          <p:cNvPr id="662" name="Shape 662"/>
+          <p:cNvPr id="661" name="9"/>
           <p:cNvSpPr/>
           <p:nvPr/>
         </p:nvSpPr>
@@ -23567,7 +23453,7 @@
       </p:sp>
       <p:sp>
         <p:nvSpPr>
-          <p:cNvPr id="663" name="Shape 663"/>
+          <p:cNvPr id="662" name="15"/>
           <p:cNvSpPr/>
           <p:nvPr/>
         </p:nvSpPr>
@@ -23613,7 +23499,7 @@
       </p:sp>
       <p:sp>
         <p:nvSpPr>
-          <p:cNvPr id="664" name="Shape 664"/>
+          <p:cNvPr id="663" name="Line"/>
           <p:cNvSpPr/>
           <p:nvPr/>
         </p:nvSpPr>
@@ -23650,7 +23536,7 @@
       </p:sp>
       <p:sp>
         <p:nvSpPr>
-          <p:cNvPr id="665" name="Shape 665"/>
+          <p:cNvPr id="664" name="Line"/>
           <p:cNvSpPr/>
           <p:nvPr/>
         </p:nvSpPr>
@@ -23687,7 +23573,7 @@
       </p:sp>
       <p:sp>
         <p:nvSpPr>
-          <p:cNvPr id="666" name="Shape 666"/>
+          <p:cNvPr id="665" name="Line"/>
           <p:cNvSpPr/>
           <p:nvPr/>
         </p:nvSpPr>
@@ -23724,7 +23610,7 @@
       </p:sp>
       <p:sp>
         <p:nvSpPr>
-          <p:cNvPr id="667" name="Shape 667"/>
+          <p:cNvPr id="666" name="Line"/>
           <p:cNvSpPr/>
           <p:nvPr/>
         </p:nvSpPr>
@@ -23761,7 +23647,7 @@
       </p:sp>
       <p:sp>
         <p:nvSpPr>
-          <p:cNvPr id="668" name="Shape 668"/>
+          <p:cNvPr id="667" name="Tail"/>
           <p:cNvSpPr/>
           <p:nvPr/>
         </p:nvSpPr>
@@ -23809,7 +23695,7 @@
       </p:sp>
       <p:sp>
         <p:nvSpPr>
-          <p:cNvPr id="669" name="Shape 669"/>
+          <p:cNvPr id="668" name="Line"/>
           <p:cNvSpPr/>
           <p:nvPr/>
         </p:nvSpPr>
@@ -23846,7 +23732,7 @@
       </p:sp>
       <p:sp>
         <p:nvSpPr>
-          <p:cNvPr id="670" name="Shape 670"/>
+          <p:cNvPr id="669" name="Line"/>
           <p:cNvSpPr/>
           <p:nvPr/>
         </p:nvSpPr>
@@ -23883,7 +23769,7 @@
       </p:sp>
       <p:sp>
         <p:nvSpPr>
-          <p:cNvPr id="671" name="Shape 671"/>
+          <p:cNvPr id="670" name="trav1"/>
           <p:cNvSpPr/>
           <p:nvPr/>
         </p:nvSpPr>
@@ -23923,7 +23809,7 @@
       </p:sp>
       <p:sp>
         <p:nvSpPr>
-          <p:cNvPr id="672" name="Shape 672"/>
+          <p:cNvPr id="671" name="trav2"/>
           <p:cNvSpPr/>
           <p:nvPr/>
         </p:nvSpPr>
@@ -23963,7 +23849,7 @@
       </p:sp>
       <p:sp>
         <p:nvSpPr>
-          <p:cNvPr id="673" name="Shape 673"/>
+          <p:cNvPr id="672" name="Line"/>
           <p:cNvSpPr/>
           <p:nvPr/>
         </p:nvSpPr>
@@ -24000,7 +23886,7 @@
       </p:sp>
       <p:sp>
         <p:nvSpPr>
-          <p:cNvPr id="674" name="Shape 674"/>
+          <p:cNvPr id="673" name="temp"/>
           <p:cNvSpPr/>
           <p:nvPr/>
         </p:nvSpPr>
@@ -24066,7 +23952,7 @@
       </p:grpSpPr>
       <p:sp>
         <p:nvSpPr>
-          <p:cNvPr id="678" name="Shape 678"/>
+          <p:cNvPr id="677" name="Removing from Singly Linked List"/>
           <p:cNvSpPr/>
           <p:nvPr>
             <p:ph type="title"/>
@@ -24099,7 +23985,7 @@
       </p:sp>
       <p:sp>
         <p:nvSpPr>
-          <p:cNvPr id="679" name="Shape 679"/>
+          <p:cNvPr id="678" name="Remove 9 from the following SLL"/>
           <p:cNvSpPr/>
           <p:nvPr/>
         </p:nvSpPr>
@@ -24135,7 +24021,7 @@
       </p:sp>
       <p:sp>
         <p:nvSpPr>
-          <p:cNvPr id="680" name="Shape 680"/>
+          <p:cNvPr id="679" name="7"/>
           <p:cNvSpPr/>
           <p:nvPr/>
         </p:nvSpPr>
@@ -24181,7 +24067,7 @@
       </p:sp>
       <p:sp>
         <p:nvSpPr>
-          <p:cNvPr id="681" name="Shape 681"/>
+          <p:cNvPr id="680" name="0"/>
           <p:cNvSpPr/>
           <p:nvPr/>
         </p:nvSpPr>
@@ -24227,7 +24113,7 @@
       </p:sp>
       <p:sp>
         <p:nvSpPr>
-          <p:cNvPr id="682" name="Shape 682"/>
+          <p:cNvPr id="681" name="Line"/>
           <p:cNvSpPr/>
           <p:nvPr/>
         </p:nvSpPr>
@@ -24264,7 +24150,7 @@
       </p:sp>
       <p:sp>
         <p:nvSpPr>
-          <p:cNvPr id="683" name="Shape 683"/>
+          <p:cNvPr id="682" name="Head"/>
           <p:cNvSpPr/>
           <p:nvPr/>
         </p:nvSpPr>
@@ -24312,7 +24198,7 @@
       </p:sp>
       <p:sp>
         <p:nvSpPr>
-          <p:cNvPr id="684" name="Shape 684"/>
+          <p:cNvPr id="683" name="Line"/>
           <p:cNvSpPr/>
           <p:nvPr/>
         </p:nvSpPr>
@@ -24349,7 +24235,7 @@
       </p:sp>
       <p:sp>
         <p:nvSpPr>
-          <p:cNvPr id="685" name="Shape 685"/>
+          <p:cNvPr id="684" name="4"/>
           <p:cNvSpPr/>
           <p:nvPr/>
         </p:nvSpPr>
@@ -24395,7 +24281,7 @@
       </p:sp>
       <p:sp>
         <p:nvSpPr>
-          <p:cNvPr id="686" name="Shape 686"/>
+          <p:cNvPr id="685" name="9"/>
           <p:cNvSpPr/>
           <p:nvPr/>
         </p:nvSpPr>
@@ -24441,7 +24327,7 @@
       </p:sp>
       <p:sp>
         <p:nvSpPr>
-          <p:cNvPr id="687" name="Shape 687"/>
+          <p:cNvPr id="686" name="15"/>
           <p:cNvSpPr/>
           <p:nvPr/>
         </p:nvSpPr>
@@ -24487,7 +24373,7 @@
       </p:sp>
       <p:sp>
         <p:nvSpPr>
-          <p:cNvPr id="688" name="Shape 688"/>
+          <p:cNvPr id="687" name="Line"/>
           <p:cNvSpPr/>
           <p:nvPr/>
         </p:nvSpPr>
@@ -24524,7 +24410,7 @@
       </p:sp>
       <p:sp>
         <p:nvSpPr>
-          <p:cNvPr id="689" name="Shape 689"/>
+          <p:cNvPr id="688" name="Line"/>
           <p:cNvSpPr/>
           <p:nvPr/>
         </p:nvSpPr>
@@ -24561,7 +24447,7 @@
       </p:sp>
       <p:sp>
         <p:nvSpPr>
-          <p:cNvPr id="690" name="Shape 690"/>
+          <p:cNvPr id="689" name="Line"/>
           <p:cNvSpPr/>
           <p:nvPr/>
         </p:nvSpPr>
@@ -24598,7 +24484,7 @@
       </p:sp>
       <p:sp>
         <p:nvSpPr>
-          <p:cNvPr id="691" name="Shape 691"/>
+          <p:cNvPr id="690" name="Line"/>
           <p:cNvSpPr/>
           <p:nvPr/>
         </p:nvSpPr>
@@ -24635,7 +24521,7 @@
       </p:sp>
       <p:sp>
         <p:nvSpPr>
-          <p:cNvPr id="692" name="Shape 692"/>
+          <p:cNvPr id="691" name="Tail"/>
           <p:cNvSpPr/>
           <p:nvPr/>
         </p:nvSpPr>
@@ -24683,7 +24569,7 @@
       </p:sp>
       <p:sp>
         <p:nvSpPr>
-          <p:cNvPr id="693" name="Shape 693"/>
+          <p:cNvPr id="692" name="Line"/>
           <p:cNvSpPr/>
           <p:nvPr/>
         </p:nvSpPr>
@@ -24720,7 +24606,7 @@
       </p:sp>
       <p:sp>
         <p:nvSpPr>
-          <p:cNvPr id="694" name="Shape 694"/>
+          <p:cNvPr id="693" name="Line"/>
           <p:cNvSpPr/>
           <p:nvPr/>
         </p:nvSpPr>
@@ -24757,7 +24643,7 @@
       </p:sp>
       <p:sp>
         <p:nvSpPr>
-          <p:cNvPr id="695" name="Shape 695"/>
+          <p:cNvPr id="694" name="trav1"/>
           <p:cNvSpPr/>
           <p:nvPr/>
         </p:nvSpPr>
@@ -24797,7 +24683,7 @@
       </p:sp>
       <p:sp>
         <p:nvSpPr>
-          <p:cNvPr id="696" name="Shape 696"/>
+          <p:cNvPr id="695" name="trav2"/>
           <p:cNvSpPr/>
           <p:nvPr/>
         </p:nvSpPr>
@@ -24837,7 +24723,7 @@
       </p:sp>
       <p:sp>
         <p:nvSpPr>
-          <p:cNvPr id="697" name="Shape 697"/>
+          <p:cNvPr id="696" name="Line"/>
           <p:cNvSpPr/>
           <p:nvPr/>
         </p:nvSpPr>
@@ -24874,7 +24760,7 @@
       </p:sp>
       <p:sp>
         <p:nvSpPr>
-          <p:cNvPr id="698" name="Shape 698"/>
+          <p:cNvPr id="697" name="temp"/>
           <p:cNvSpPr/>
           <p:nvPr/>
         </p:nvSpPr>
@@ -24940,7 +24826,7 @@
       </p:grpSpPr>
       <p:sp>
         <p:nvSpPr>
-          <p:cNvPr id="702" name="Shape 702"/>
+          <p:cNvPr id="701" name="Removing from Singly Linked List"/>
           <p:cNvSpPr/>
           <p:nvPr>
             <p:ph type="title"/>
@@ -24973,7 +24859,7 @@
       </p:sp>
       <p:sp>
         <p:nvSpPr>
-          <p:cNvPr id="703" name="Shape 703"/>
+          <p:cNvPr id="702" name="Remove 9 from the following SLL"/>
           <p:cNvSpPr/>
           <p:nvPr/>
         </p:nvSpPr>
@@ -25009,7 +24895,7 @@
       </p:sp>
       <p:sp>
         <p:nvSpPr>
-          <p:cNvPr id="704" name="Shape 704"/>
+          <p:cNvPr id="703" name="7"/>
           <p:cNvSpPr/>
           <p:nvPr/>
         </p:nvSpPr>
@@ -25055,7 +24941,7 @@
       </p:sp>
       <p:sp>
         <p:nvSpPr>
-          <p:cNvPr id="705" name="Shape 705"/>
+          <p:cNvPr id="704" name="0"/>
           <p:cNvSpPr/>
           <p:nvPr/>
         </p:nvSpPr>
@@ -25101,7 +24987,7 @@
       </p:sp>
       <p:sp>
         <p:nvSpPr>
-          <p:cNvPr id="706" name="Shape 706"/>
+          <p:cNvPr id="705" name="Line"/>
           <p:cNvSpPr/>
           <p:nvPr/>
         </p:nvSpPr>
@@ -25138,7 +25024,7 @@
       </p:sp>
       <p:sp>
         <p:nvSpPr>
-          <p:cNvPr id="707" name="Shape 707"/>
+          <p:cNvPr id="706" name="Head"/>
           <p:cNvSpPr/>
           <p:nvPr/>
         </p:nvSpPr>
@@ -25186,7 +25072,7 @@
       </p:sp>
       <p:sp>
         <p:nvSpPr>
-          <p:cNvPr id="708" name="Shape 708"/>
+          <p:cNvPr id="707" name="Line"/>
           <p:cNvSpPr/>
           <p:nvPr/>
         </p:nvSpPr>
@@ -25223,7 +25109,7 @@
       </p:sp>
       <p:sp>
         <p:nvSpPr>
-          <p:cNvPr id="709" name="Shape 709"/>
+          <p:cNvPr id="708" name="4"/>
           <p:cNvSpPr/>
           <p:nvPr/>
         </p:nvSpPr>
@@ -25269,7 +25155,7 @@
       </p:sp>
       <p:sp>
         <p:nvSpPr>
-          <p:cNvPr id="710" name="Shape 710"/>
+          <p:cNvPr id="709" name="9"/>
           <p:cNvSpPr/>
           <p:nvPr/>
         </p:nvSpPr>
@@ -25315,7 +25201,7 @@
       </p:sp>
       <p:sp>
         <p:nvSpPr>
-          <p:cNvPr id="711" name="Shape 711"/>
+          <p:cNvPr id="710" name="15"/>
           <p:cNvSpPr/>
           <p:nvPr/>
         </p:nvSpPr>
@@ -25361,7 +25247,7 @@
       </p:sp>
       <p:sp>
         <p:nvSpPr>
-          <p:cNvPr id="712" name="Shape 712"/>
+          <p:cNvPr id="711" name="Line"/>
           <p:cNvSpPr/>
           <p:nvPr/>
         </p:nvSpPr>
@@ -25398,7 +25284,7 @@
       </p:sp>
       <p:sp>
         <p:nvSpPr>
-          <p:cNvPr id="713" name="Shape 713"/>
+          <p:cNvPr id="712" name="Line"/>
           <p:cNvSpPr/>
           <p:nvPr/>
         </p:nvSpPr>
@@ -25435,7 +25321,7 @@
       </p:sp>
       <p:sp>
         <p:nvSpPr>
-          <p:cNvPr id="714" name="Shape 714"/>
+          <p:cNvPr id="713" name="Line"/>
           <p:cNvSpPr/>
           <p:nvPr/>
         </p:nvSpPr>
@@ -25472,7 +25358,7 @@
       </p:sp>
       <p:sp>
         <p:nvSpPr>
-          <p:cNvPr id="715" name="Shape 715"/>
+          <p:cNvPr id="714" name="Tail"/>
           <p:cNvSpPr/>
           <p:nvPr/>
         </p:nvSpPr>
@@ -25520,7 +25406,7 @@
       </p:sp>
       <p:sp>
         <p:nvSpPr>
-          <p:cNvPr id="716" name="Shape 716"/>
+          <p:cNvPr id="715" name="Line"/>
           <p:cNvSpPr/>
           <p:nvPr/>
         </p:nvSpPr>
@@ -25557,7 +25443,7 @@
       </p:sp>
       <p:sp>
         <p:nvSpPr>
-          <p:cNvPr id="717" name="Shape 717"/>
+          <p:cNvPr id="716" name="Line"/>
           <p:cNvSpPr/>
           <p:nvPr/>
         </p:nvSpPr>
@@ -25594,7 +25480,7 @@
       </p:sp>
       <p:sp>
         <p:nvSpPr>
-          <p:cNvPr id="718" name="Shape 718"/>
+          <p:cNvPr id="717" name="trav1"/>
           <p:cNvSpPr/>
           <p:nvPr/>
         </p:nvSpPr>
@@ -25634,7 +25520,7 @@
       </p:sp>
       <p:sp>
         <p:nvSpPr>
-          <p:cNvPr id="719" name="Shape 719"/>
+          <p:cNvPr id="718" name="trav2"/>
           <p:cNvSpPr/>
           <p:nvPr/>
         </p:nvSpPr>
@@ -25674,7 +25560,7 @@
       </p:sp>
       <p:sp>
         <p:nvSpPr>
-          <p:cNvPr id="720" name="Shape 720"/>
+          <p:cNvPr id="719" name="Line"/>
           <p:cNvSpPr/>
           <p:nvPr/>
         </p:nvSpPr>
@@ -25711,7 +25597,7 @@
       </p:sp>
       <p:sp>
         <p:nvSpPr>
-          <p:cNvPr id="721" name="Shape 721"/>
+          <p:cNvPr id="720" name="temp"/>
           <p:cNvSpPr/>
           <p:nvPr/>
         </p:nvSpPr>
@@ -25751,7 +25637,7 @@
       </p:sp>
       <p:sp>
         <p:nvSpPr>
-          <p:cNvPr id="724" name="Shape 724"/>
+          <p:cNvPr id="723" name="Connection Line"/>
           <p:cNvSpPr/>
           <p:nvPr/>
         </p:nvSpPr>
@@ -25809,7 +25695,7 @@
       </p:sp>
       <p:sp>
         <p:nvSpPr>
-          <p:cNvPr id="723" name="Shape 723"/>
+          <p:cNvPr id="722" name="Line"/>
           <p:cNvSpPr/>
           <p:nvPr/>
         </p:nvSpPr>
@@ -25872,7 +25758,7 @@
       </p:grpSpPr>
       <p:sp>
         <p:nvSpPr>
-          <p:cNvPr id="728" name="Shape 728"/>
+          <p:cNvPr id="727" name="Removing from Singly Linked List"/>
           <p:cNvSpPr/>
           <p:nvPr>
             <p:ph type="title"/>
@@ -25905,7 +25791,7 @@
       </p:sp>
       <p:sp>
         <p:nvSpPr>
-          <p:cNvPr id="729" name="Shape 729"/>
+          <p:cNvPr id="728" name="Remove 9 from the following SLL"/>
           <p:cNvSpPr/>
           <p:nvPr/>
         </p:nvSpPr>
@@ -25941,7 +25827,7 @@
       </p:sp>
       <p:sp>
         <p:nvSpPr>
-          <p:cNvPr id="730" name="Shape 730"/>
+          <p:cNvPr id="729" name="7"/>
           <p:cNvSpPr/>
           <p:nvPr/>
         </p:nvSpPr>
@@ -25987,7 +25873,7 @@
       </p:sp>
       <p:sp>
         <p:nvSpPr>
-          <p:cNvPr id="731" name="Shape 731"/>
+          <p:cNvPr id="730" name="0"/>
           <p:cNvSpPr/>
           <p:nvPr/>
         </p:nvSpPr>
@@ -26033,7 +25919,7 @@
       </p:sp>
       <p:sp>
         <p:nvSpPr>
-          <p:cNvPr id="732" name="Shape 732"/>
+          <p:cNvPr id="731" name="Line"/>
           <p:cNvSpPr/>
           <p:nvPr/>
         </p:nvSpPr>
@@ -26070,7 +25956,7 @@
       </p:sp>
       <p:sp>
         <p:nvSpPr>
-          <p:cNvPr id="733" name="Shape 733"/>
+          <p:cNvPr id="732" name="Head"/>
           <p:cNvSpPr/>
           <p:nvPr/>
         </p:nvSpPr>
@@ -26118,7 +26004,7 @@
       </p:sp>
       <p:sp>
         <p:nvSpPr>
-          <p:cNvPr id="734" name="Shape 734"/>
+          <p:cNvPr id="733" name="Line"/>
           <p:cNvSpPr/>
           <p:nvPr/>
         </p:nvSpPr>
@@ -26155,7 +26041,7 @@
       </p:sp>
       <p:sp>
         <p:nvSpPr>
-          <p:cNvPr id="735" name="Shape 735"/>
+          <p:cNvPr id="734" name="4"/>
           <p:cNvSpPr/>
           <p:nvPr/>
         </p:nvSpPr>
@@ -26201,7 +26087,7 @@
       </p:sp>
       <p:sp>
         <p:nvSpPr>
-          <p:cNvPr id="736" name="Shape 736"/>
+          <p:cNvPr id="735" name="15"/>
           <p:cNvSpPr/>
           <p:nvPr/>
         </p:nvSpPr>
@@ -26247,7 +26133,7 @@
       </p:sp>
       <p:sp>
         <p:nvSpPr>
-          <p:cNvPr id="737" name="Shape 737"/>
+          <p:cNvPr id="736" name="Line"/>
           <p:cNvSpPr/>
           <p:nvPr/>
         </p:nvSpPr>
@@ -26284,7 +26170,7 @@
       </p:sp>
       <p:sp>
         <p:nvSpPr>
-          <p:cNvPr id="738" name="Shape 738"/>
+          <p:cNvPr id="737" name="Line"/>
           <p:cNvSpPr/>
           <p:nvPr/>
         </p:nvSpPr>
@@ -26321,7 +26207,7 @@
       </p:sp>
       <p:sp>
         <p:nvSpPr>
-          <p:cNvPr id="739" name="Shape 739"/>
+          <p:cNvPr id="738" name="Tail"/>
           <p:cNvSpPr/>
           <p:nvPr/>
         </p:nvSpPr>
@@ -26369,7 +26255,7 @@
       </p:sp>
       <p:sp>
         <p:nvSpPr>
-          <p:cNvPr id="740" name="Shape 740"/>
+          <p:cNvPr id="739" name="Line"/>
           <p:cNvSpPr/>
           <p:nvPr/>
         </p:nvSpPr>
@@ -26406,7 +26292,7 @@
       </p:sp>
       <p:sp>
         <p:nvSpPr>
-          <p:cNvPr id="741" name="Shape 741"/>
+          <p:cNvPr id="740" name="Line"/>
           <p:cNvSpPr/>
           <p:nvPr/>
         </p:nvSpPr>
@@ -26443,7 +26329,7 @@
       </p:sp>
       <p:sp>
         <p:nvSpPr>
-          <p:cNvPr id="742" name="Shape 742"/>
+          <p:cNvPr id="741" name="trav1"/>
           <p:cNvSpPr/>
           <p:nvPr/>
         </p:nvSpPr>
@@ -26483,7 +26369,7 @@
       </p:sp>
       <p:sp>
         <p:nvSpPr>
-          <p:cNvPr id="743" name="Shape 743"/>
+          <p:cNvPr id="742" name="trav2"/>
           <p:cNvSpPr/>
           <p:nvPr/>
         </p:nvSpPr>
@@ -26523,7 +26409,7 @@
       </p:sp>
       <p:sp>
         <p:nvSpPr>
-          <p:cNvPr id="746" name="Shape 746"/>
+          <p:cNvPr id="745" name="Connection Line"/>
           <p:cNvSpPr/>
           <p:nvPr/>
         </p:nvSpPr>
@@ -26581,7 +26467,7 @@
       </p:sp>
       <p:sp>
         <p:nvSpPr>
-          <p:cNvPr id="745" name="Shape 745"/>
+          <p:cNvPr id="744" name="Line"/>
           <p:cNvSpPr/>
           <p:nvPr/>
         </p:nvSpPr>
@@ -26644,7 +26530,7 @@
       </p:grpSpPr>
       <p:sp>
         <p:nvSpPr>
-          <p:cNvPr id="750" name="Shape 750"/>
+          <p:cNvPr id="749" name="Removing from Singly Linked List"/>
           <p:cNvSpPr/>
           <p:nvPr>
             <p:ph type="title"/>
@@ -26677,7 +26563,7 @@
       </p:sp>
       <p:sp>
         <p:nvSpPr>
-          <p:cNvPr id="751" name="Shape 751"/>
+          <p:cNvPr id="750" name="Remove 9 from the following SLL"/>
           <p:cNvSpPr/>
           <p:nvPr/>
         </p:nvSpPr>
@@ -26713,7 +26599,7 @@
       </p:sp>
       <p:sp>
         <p:nvSpPr>
-          <p:cNvPr id="752" name="Shape 752"/>
+          <p:cNvPr id="751" name="7"/>
           <p:cNvSpPr/>
           <p:nvPr/>
         </p:nvSpPr>
@@ -26759,7 +26645,7 @@
       </p:sp>
       <p:sp>
         <p:nvSpPr>
-          <p:cNvPr id="753" name="Shape 753"/>
+          <p:cNvPr id="752" name="0"/>
           <p:cNvSpPr/>
           <p:nvPr/>
         </p:nvSpPr>
@@ -26805,7 +26691,7 @@
       </p:sp>
       <p:sp>
         <p:nvSpPr>
-          <p:cNvPr id="754" name="Shape 754"/>
+          <p:cNvPr id="753" name="Line"/>
           <p:cNvSpPr/>
           <p:nvPr/>
         </p:nvSpPr>
@@ -26842,7 +26728,7 @@
       </p:sp>
       <p:sp>
         <p:nvSpPr>
-          <p:cNvPr id="755" name="Shape 755"/>
+          <p:cNvPr id="754" name="Head"/>
           <p:cNvSpPr/>
           <p:nvPr/>
         </p:nvSpPr>
@@ -26890,7 +26776,7 @@
       </p:sp>
       <p:sp>
         <p:nvSpPr>
-          <p:cNvPr id="756" name="Shape 756"/>
+          <p:cNvPr id="755" name="Line"/>
           <p:cNvSpPr/>
           <p:nvPr/>
         </p:nvSpPr>
@@ -26927,7 +26813,7 @@
       </p:sp>
       <p:sp>
         <p:nvSpPr>
-          <p:cNvPr id="757" name="Shape 757"/>
+          <p:cNvPr id="756" name="4"/>
           <p:cNvSpPr/>
           <p:nvPr/>
         </p:nvSpPr>
@@ -26973,7 +26859,7 @@
       </p:sp>
       <p:sp>
         <p:nvSpPr>
-          <p:cNvPr id="758" name="Shape 758"/>
+          <p:cNvPr id="757" name="15"/>
           <p:cNvSpPr/>
           <p:nvPr/>
         </p:nvSpPr>
@@ -27019,7 +26905,7 @@
       </p:sp>
       <p:sp>
         <p:nvSpPr>
-          <p:cNvPr id="759" name="Shape 759"/>
+          <p:cNvPr id="758" name="Line"/>
           <p:cNvSpPr/>
           <p:nvPr/>
         </p:nvSpPr>
@@ -27056,7 +26942,7 @@
       </p:sp>
       <p:sp>
         <p:nvSpPr>
-          <p:cNvPr id="760" name="Shape 760"/>
+          <p:cNvPr id="759" name="Line"/>
           <p:cNvSpPr/>
           <p:nvPr/>
         </p:nvSpPr>
@@ -27093,7 +26979,7 @@
       </p:sp>
       <p:sp>
         <p:nvSpPr>
-          <p:cNvPr id="761" name="Shape 761"/>
+          <p:cNvPr id="760" name="Tail"/>
           <p:cNvSpPr/>
           <p:nvPr/>
         </p:nvSpPr>
@@ -27141,7 +27027,7 @@
       </p:sp>
       <p:sp>
         <p:nvSpPr>
-          <p:cNvPr id="762" name="Shape 762"/>
+          <p:cNvPr id="761" name="Line"/>
           <p:cNvSpPr/>
           <p:nvPr/>
         </p:nvSpPr>
@@ -27178,7 +27064,7 @@
       </p:sp>
       <p:sp>
         <p:nvSpPr>
-          <p:cNvPr id="763" name="Shape 763"/>
+          <p:cNvPr id="762" name="trav1"/>
           <p:cNvSpPr/>
           <p:nvPr/>
         </p:nvSpPr>
@@ -27218,7 +27104,7 @@
       </p:sp>
       <p:sp>
         <p:nvSpPr>
-          <p:cNvPr id="764" name="Shape 764"/>
+          <p:cNvPr id="763" name="Line"/>
           <p:cNvSpPr/>
           <p:nvPr/>
         </p:nvSpPr>
@@ -27255,7 +27141,7 @@
       </p:sp>
       <p:sp>
         <p:nvSpPr>
-          <p:cNvPr id="765" name="Shape 765"/>
+          <p:cNvPr id="764" name="Line"/>
           <p:cNvSpPr/>
           <p:nvPr/>
         </p:nvSpPr>
@@ -27292,7 +27178,7 @@
       </p:sp>
       <p:sp>
         <p:nvSpPr>
-          <p:cNvPr id="766" name="Shape 766"/>
+          <p:cNvPr id="765" name="trav2"/>
           <p:cNvSpPr/>
           <p:nvPr/>
         </p:nvSpPr>
@@ -27358,7 +27244,7 @@
       </p:grpSpPr>
       <p:sp>
         <p:nvSpPr>
-          <p:cNvPr id="770" name="Shape 770"/>
+          <p:cNvPr id="769" name="Removing from Singly Linked List"/>
           <p:cNvSpPr/>
           <p:nvPr>
             <p:ph type="title"/>
@@ -27391,7 +27277,7 @@
       </p:sp>
       <p:sp>
         <p:nvSpPr>
-          <p:cNvPr id="771" name="Shape 771"/>
+          <p:cNvPr id="770" name="Remove 9 from the following SLL"/>
           <p:cNvSpPr/>
           <p:nvPr/>
         </p:nvSpPr>
@@ -27427,7 +27313,7 @@
       </p:sp>
       <p:sp>
         <p:nvSpPr>
-          <p:cNvPr id="772" name="Shape 772"/>
+          <p:cNvPr id="771" name="7"/>
           <p:cNvSpPr/>
           <p:nvPr/>
         </p:nvSpPr>
@@ -27473,7 +27359,7 @@
       </p:sp>
       <p:sp>
         <p:nvSpPr>
-          <p:cNvPr id="773" name="Shape 773"/>
+          <p:cNvPr id="772" name="0"/>
           <p:cNvSpPr/>
           <p:nvPr/>
         </p:nvSpPr>
@@ -27519,7 +27405,7 @@
       </p:sp>
       <p:sp>
         <p:nvSpPr>
-          <p:cNvPr id="774" name="Shape 774"/>
+          <p:cNvPr id="773" name="Line"/>
           <p:cNvSpPr/>
           <p:nvPr/>
         </p:nvSpPr>
@@ -27556,7 +27442,7 @@
       </p:sp>
       <p:sp>
         <p:nvSpPr>
-          <p:cNvPr id="775" name="Shape 775"/>
+          <p:cNvPr id="774" name="Head"/>
           <p:cNvSpPr/>
           <p:nvPr/>
         </p:nvSpPr>
@@ -27604,7 +27490,7 @@
       </p:sp>
       <p:sp>
         <p:nvSpPr>
-          <p:cNvPr id="776" name="Shape 776"/>
+          <p:cNvPr id="775" name="Line"/>
           <p:cNvSpPr/>
           <p:nvPr/>
         </p:nvSpPr>
@@ -27641,7 +27527,7 @@
       </p:sp>
       <p:sp>
         <p:nvSpPr>
-          <p:cNvPr id="777" name="Shape 777"/>
+          <p:cNvPr id="776" name="4"/>
           <p:cNvSpPr/>
           <p:nvPr/>
         </p:nvSpPr>
@@ -27687,7 +27573,7 @@
       </p:sp>
       <p:sp>
         <p:nvSpPr>
-          <p:cNvPr id="778" name="Shape 778"/>
+          <p:cNvPr id="777" name="15"/>
           <p:cNvSpPr/>
           <p:nvPr/>
         </p:nvSpPr>
@@ -27733,7 +27619,7 @@
       </p:sp>
       <p:sp>
         <p:nvSpPr>
-          <p:cNvPr id="779" name="Shape 779"/>
+          <p:cNvPr id="778" name="Line"/>
           <p:cNvSpPr/>
           <p:nvPr/>
         </p:nvSpPr>
@@ -27770,7 +27656,7 @@
       </p:sp>
       <p:sp>
         <p:nvSpPr>
-          <p:cNvPr id="780" name="Shape 780"/>
+          <p:cNvPr id="779" name="Line"/>
           <p:cNvSpPr/>
           <p:nvPr/>
         </p:nvSpPr>
@@ -27807,7 +27693,7 @@
       </p:sp>
       <p:sp>
         <p:nvSpPr>
-          <p:cNvPr id="781" name="Shape 781"/>
+          <p:cNvPr id="780" name="Tail"/>
           <p:cNvSpPr/>
           <p:nvPr/>
         </p:nvSpPr>
@@ -27855,7 +27741,7 @@
       </p:sp>
       <p:sp>
         <p:nvSpPr>
-          <p:cNvPr id="782" name="Shape 782"/>
+          <p:cNvPr id="781" name="Line"/>
           <p:cNvSpPr/>
           <p:nvPr/>
         </p:nvSpPr>
@@ -27918,7 +27804,7 @@
       </p:grpSpPr>
       <p:sp>
         <p:nvSpPr>
-          <p:cNvPr id="784" name="Shape 784"/>
+          <p:cNvPr id="783" name="Removing from Doubly Linked List"/>
           <p:cNvSpPr/>
           <p:nvPr>
             <p:ph type="title"/>
@@ -27951,7 +27837,7 @@
       </p:sp>
       <p:sp>
         <p:nvSpPr>
-          <p:cNvPr id="785" name="Shape 785"/>
+          <p:cNvPr id="784" name="Remove 9 from the following DLL"/>
           <p:cNvSpPr/>
           <p:nvPr/>
         </p:nvSpPr>
@@ -27987,7 +27873,7 @@
       </p:sp>
       <p:sp>
         <p:nvSpPr>
-          <p:cNvPr id="786" name="Shape 786"/>
+          <p:cNvPr id="785" name="7"/>
           <p:cNvSpPr/>
           <p:nvPr/>
         </p:nvSpPr>
@@ -28033,7 +27919,7 @@
       </p:sp>
       <p:sp>
         <p:nvSpPr>
-          <p:cNvPr id="787" name="Shape 787"/>
+          <p:cNvPr id="786" name="0"/>
           <p:cNvSpPr/>
           <p:nvPr/>
         </p:nvSpPr>
@@ -28079,7 +27965,7 @@
       </p:sp>
       <p:sp>
         <p:nvSpPr>
-          <p:cNvPr id="788" name="Shape 788"/>
+          <p:cNvPr id="787" name="Line"/>
           <p:cNvSpPr/>
           <p:nvPr/>
         </p:nvSpPr>
@@ -28116,7 +28002,7 @@
       </p:sp>
       <p:sp>
         <p:nvSpPr>
-          <p:cNvPr id="789" name="Shape 789"/>
+          <p:cNvPr id="788" name="Head"/>
           <p:cNvSpPr/>
           <p:nvPr/>
         </p:nvSpPr>
@@ -28164,7 +28050,7 @@
       </p:sp>
       <p:sp>
         <p:nvSpPr>
-          <p:cNvPr id="790" name="Shape 790"/>
+          <p:cNvPr id="789" name="Line"/>
           <p:cNvSpPr/>
           <p:nvPr/>
         </p:nvSpPr>
@@ -28201,7 +28087,7 @@
       </p:sp>
       <p:sp>
         <p:nvSpPr>
-          <p:cNvPr id="791" name="Shape 791"/>
+          <p:cNvPr id="790" name="4"/>
           <p:cNvSpPr/>
           <p:nvPr/>
         </p:nvSpPr>
@@ -28247,7 +28133,7 @@
       </p:sp>
       <p:sp>
         <p:nvSpPr>
-          <p:cNvPr id="792" name="Shape 792"/>
+          <p:cNvPr id="791" name="9"/>
           <p:cNvSpPr/>
           <p:nvPr/>
         </p:nvSpPr>
@@ -28293,7 +28179,7 @@
       </p:sp>
       <p:sp>
         <p:nvSpPr>
-          <p:cNvPr id="793" name="Shape 793"/>
+          <p:cNvPr id="792" name="15"/>
           <p:cNvSpPr/>
           <p:nvPr/>
         </p:nvSpPr>
@@ -28339,7 +28225,7 @@
       </p:sp>
       <p:sp>
         <p:nvSpPr>
-          <p:cNvPr id="794" name="Shape 794"/>
+          <p:cNvPr id="793" name="Line"/>
           <p:cNvSpPr/>
           <p:nvPr/>
         </p:nvSpPr>
@@ -28376,7 +28262,7 @@
       </p:sp>
       <p:sp>
         <p:nvSpPr>
-          <p:cNvPr id="795" name="Shape 795"/>
+          <p:cNvPr id="794" name="Tail"/>
           <p:cNvSpPr/>
           <p:nvPr/>
         </p:nvSpPr>
@@ -28424,7 +28310,7 @@
       </p:sp>
       <p:sp>
         <p:nvSpPr>
-          <p:cNvPr id="796" name="Shape 796"/>
+          <p:cNvPr id="795" name="Line"/>
           <p:cNvSpPr/>
           <p:nvPr/>
         </p:nvSpPr>
@@ -28461,7 +28347,7 @@
       </p:sp>
       <p:sp>
         <p:nvSpPr>
-          <p:cNvPr id="797" name="Shape 797"/>
+          <p:cNvPr id="796" name="Line"/>
           <p:cNvSpPr/>
           <p:nvPr/>
         </p:nvSpPr>
@@ -28498,7 +28384,7 @@
       </p:sp>
       <p:sp>
         <p:nvSpPr>
-          <p:cNvPr id="798" name="Shape 798"/>
+          <p:cNvPr id="797" name="Line"/>
           <p:cNvSpPr/>
           <p:nvPr/>
         </p:nvSpPr>
@@ -28535,7 +28421,7 @@
       </p:sp>
       <p:sp>
         <p:nvSpPr>
-          <p:cNvPr id="799" name="Shape 799"/>
+          <p:cNvPr id="798" name="Line"/>
           <p:cNvSpPr/>
           <p:nvPr/>
         </p:nvSpPr>
@@ -28572,7 +28458,7 @@
       </p:sp>
       <p:sp>
         <p:nvSpPr>
-          <p:cNvPr id="800" name="Shape 800"/>
+          <p:cNvPr id="799" name="Line"/>
           <p:cNvSpPr/>
           <p:nvPr/>
         </p:nvSpPr>
@@ -28609,7 +28495,7 @@
       </p:sp>
       <p:sp>
         <p:nvSpPr>
-          <p:cNvPr id="801" name="Shape 801"/>
+          <p:cNvPr id="800" name="Line"/>
           <p:cNvSpPr/>
           <p:nvPr/>
         </p:nvSpPr>
@@ -28646,7 +28532,7 @@
       </p:sp>
       <p:sp>
         <p:nvSpPr>
-          <p:cNvPr id="802" name="Shape 802"/>
+          <p:cNvPr id="801" name="Line"/>
           <p:cNvSpPr/>
           <p:nvPr/>
         </p:nvSpPr>
@@ -28709,7 +28595,7 @@
       </p:grpSpPr>
       <p:sp>
         <p:nvSpPr>
-          <p:cNvPr id="806" name="Shape 806"/>
+          <p:cNvPr id="805" name="Removing from Doubly Linked List"/>
           <p:cNvSpPr/>
           <p:nvPr>
             <p:ph type="title"/>
@@ -28742,7 +28628,7 @@
       </p:sp>
       <p:sp>
         <p:nvSpPr>
-          <p:cNvPr id="807" name="Shape 807"/>
+          <p:cNvPr id="806" name="Remove 9 from the following DLL"/>
           <p:cNvSpPr/>
           <p:nvPr/>
         </p:nvSpPr>
@@ -28778,7 +28664,7 @@
       </p:sp>
       <p:sp>
         <p:nvSpPr>
-          <p:cNvPr id="808" name="Shape 808"/>
+          <p:cNvPr id="807" name="7"/>
           <p:cNvSpPr/>
           <p:nvPr/>
         </p:nvSpPr>
@@ -28824,7 +28710,7 @@
       </p:sp>
       <p:sp>
         <p:nvSpPr>
-          <p:cNvPr id="809" name="Shape 809"/>
+          <p:cNvPr id="808" name="0"/>
           <p:cNvSpPr/>
           <p:nvPr/>
         </p:nvSpPr>
@@ -28870,7 +28756,7 @@
       </p:sp>
       <p:sp>
         <p:nvSpPr>
-          <p:cNvPr id="810" name="Shape 810"/>
+          <p:cNvPr id="809" name="Line"/>
           <p:cNvSpPr/>
           <p:nvPr/>
         </p:nvSpPr>
@@ -28907,7 +28793,7 @@
       </p:sp>
       <p:sp>
         <p:nvSpPr>
-          <p:cNvPr id="811" name="Shape 811"/>
+          <p:cNvPr id="810" name="Head"/>
           <p:cNvSpPr/>
           <p:nvPr/>
         </p:nvSpPr>
@@ -28955,7 +28841,7 @@
       </p:sp>
       <p:sp>
         <p:nvSpPr>
-          <p:cNvPr id="812" name="Shape 812"/>
+          <p:cNvPr id="811" name="Line"/>
           <p:cNvSpPr/>
           <p:nvPr/>
         </p:nvSpPr>
@@ -28992,7 +28878,7 @@
       </p:sp>
       <p:sp>
         <p:nvSpPr>
-          <p:cNvPr id="813" name="Shape 813"/>
+          <p:cNvPr id="812" name="4"/>
           <p:cNvSpPr/>
           <p:nvPr/>
         </p:nvSpPr>
@@ -29038,7 +28924,7 @@
       </p:sp>
       <p:sp>
         <p:nvSpPr>
-          <p:cNvPr id="814" name="Shape 814"/>
+          <p:cNvPr id="813" name="9"/>
           <p:cNvSpPr/>
           <p:nvPr/>
         </p:nvSpPr>
@@ -29084,7 +28970,7 @@
       </p:sp>
       <p:sp>
         <p:nvSpPr>
-          <p:cNvPr id="815" name="Shape 815"/>
+          <p:cNvPr id="814" name="15"/>
           <p:cNvSpPr/>
           <p:nvPr/>
         </p:nvSpPr>
@@ -29130,7 +29016,7 @@
       </p:sp>
       <p:sp>
         <p:nvSpPr>
-          <p:cNvPr id="816" name="Shape 816"/>
+          <p:cNvPr id="815" name="Line"/>
           <p:cNvSpPr/>
           <p:nvPr/>
         </p:nvSpPr>
@@ -29167,7 +29053,7 @@
       </p:sp>
       <p:sp>
         <p:nvSpPr>
-          <p:cNvPr id="817" name="Shape 817"/>
+          <p:cNvPr id="816" name="Tail"/>
           <p:cNvSpPr/>
           <p:nvPr/>
         </p:nvSpPr>
@@ -29215,7 +29101,7 @@
       </p:sp>
       <p:sp>
         <p:nvSpPr>
-          <p:cNvPr id="818" name="Shape 818"/>
+          <p:cNvPr id="817" name="Line"/>
           <p:cNvSpPr/>
           <p:nvPr/>
         </p:nvSpPr>
@@ -29252,7 +29138,7 @@
       </p:sp>
       <p:sp>
         <p:nvSpPr>
-          <p:cNvPr id="819" name="Shape 819"/>
+          <p:cNvPr id="818" name="Line"/>
           <p:cNvSpPr/>
           <p:nvPr/>
         </p:nvSpPr>
@@ -29289,7 +29175,7 @@
       </p:sp>
       <p:sp>
         <p:nvSpPr>
-          <p:cNvPr id="820" name="Shape 820"/>
+          <p:cNvPr id="819" name="Line"/>
           <p:cNvSpPr/>
           <p:nvPr/>
         </p:nvSpPr>
@@ -29326,7 +29212,7 @@
       </p:sp>
       <p:sp>
         <p:nvSpPr>
-          <p:cNvPr id="821" name="Shape 821"/>
+          <p:cNvPr id="820" name="Line"/>
           <p:cNvSpPr/>
           <p:nvPr/>
         </p:nvSpPr>
@@ -29363,7 +29249,7 @@
       </p:sp>
       <p:sp>
         <p:nvSpPr>
-          <p:cNvPr id="822" name="Shape 822"/>
+          <p:cNvPr id="821" name="Line"/>
           <p:cNvSpPr/>
           <p:nvPr/>
         </p:nvSpPr>
@@ -29400,7 +29286,7 @@
       </p:sp>
       <p:sp>
         <p:nvSpPr>
-          <p:cNvPr id="823" name="Shape 823"/>
+          <p:cNvPr id="822" name="Line"/>
           <p:cNvSpPr/>
           <p:nvPr/>
         </p:nvSpPr>
@@ -29437,7 +29323,7 @@
       </p:sp>
       <p:sp>
         <p:nvSpPr>
-          <p:cNvPr id="824" name="Shape 824"/>
+          <p:cNvPr id="823" name="Line"/>
           <p:cNvSpPr/>
           <p:nvPr/>
         </p:nvSpPr>
@@ -29474,7 +29360,7 @@
       </p:sp>
       <p:sp>
         <p:nvSpPr>
-          <p:cNvPr id="825" name="Shape 825"/>
+          <p:cNvPr id="824" name="Line"/>
           <p:cNvSpPr/>
           <p:nvPr/>
         </p:nvSpPr>
@@ -29511,7 +29397,7 @@
       </p:sp>
       <p:sp>
         <p:nvSpPr>
-          <p:cNvPr id="826" name="Shape 826"/>
+          <p:cNvPr id="825" name="trav"/>
           <p:cNvSpPr/>
           <p:nvPr/>
         </p:nvSpPr>
@@ -29573,7 +29459,7 @@
       </p:grpSpPr>
       <p:sp>
         <p:nvSpPr>
-          <p:cNvPr id="148" name="Shape 148"/>
+          <p:cNvPr id="147" name="What is a linked list?"/>
           <p:cNvSpPr/>
           <p:nvPr>
             <p:ph type="title"/>
@@ -29605,7 +29491,7 @@
       </p:sp>
       <p:sp>
         <p:nvSpPr>
-          <p:cNvPr id="149" name="Shape 149"/>
+          <p:cNvPr id="148" name="A linked list is a sequential list of nodes that hold data which point to other nodes also containing data."/>
           <p:cNvSpPr/>
           <p:nvPr/>
         </p:nvSpPr>
@@ -29641,7 +29527,7 @@
       </p:sp>
       <p:sp>
         <p:nvSpPr>
-          <p:cNvPr id="150" name="Shape 150"/>
+          <p:cNvPr id="149" name="Data"/>
           <p:cNvSpPr/>
           <p:nvPr/>
         </p:nvSpPr>
@@ -29687,7 +29573,7 @@
       </p:sp>
       <p:sp>
         <p:nvSpPr>
-          <p:cNvPr id="151" name="Shape 151"/>
+          <p:cNvPr id="150" name="Data"/>
           <p:cNvSpPr/>
           <p:nvPr/>
         </p:nvSpPr>
@@ -29733,7 +29619,7 @@
       </p:sp>
       <p:sp>
         <p:nvSpPr>
-          <p:cNvPr id="152" name="Shape 152"/>
+          <p:cNvPr id="151" name="Data"/>
           <p:cNvSpPr/>
           <p:nvPr/>
         </p:nvSpPr>
@@ -29779,7 +29665,7 @@
       </p:sp>
       <p:sp>
         <p:nvSpPr>
-          <p:cNvPr id="153" name="Shape 153"/>
+          <p:cNvPr id="152" name="Data"/>
           <p:cNvSpPr/>
           <p:nvPr/>
         </p:nvSpPr>
@@ -29825,7 +29711,7 @@
       </p:sp>
       <p:sp>
         <p:nvSpPr>
-          <p:cNvPr id="154" name="Shape 154"/>
+          <p:cNvPr id="153" name="Line"/>
           <p:cNvSpPr/>
           <p:nvPr/>
         </p:nvSpPr>
@@ -29862,7 +29748,7 @@
       </p:sp>
       <p:sp>
         <p:nvSpPr>
-          <p:cNvPr id="155" name="Shape 155"/>
+          <p:cNvPr id="154" name="Line"/>
           <p:cNvSpPr/>
           <p:nvPr/>
         </p:nvSpPr>
@@ -29899,7 +29785,7 @@
       </p:sp>
       <p:sp>
         <p:nvSpPr>
-          <p:cNvPr id="156" name="Shape 156"/>
+          <p:cNvPr id="155" name="Line"/>
           <p:cNvSpPr/>
           <p:nvPr/>
         </p:nvSpPr>
@@ -29936,7 +29822,7 @@
       </p:sp>
       <p:sp>
         <p:nvSpPr>
-          <p:cNvPr id="157" name="Shape 157"/>
+          <p:cNvPr id="156" name="null"/>
           <p:cNvSpPr/>
           <p:nvPr/>
         </p:nvSpPr>
@@ -29990,7 +29876,7 @@
       </p:sp>
       <p:sp>
         <p:nvSpPr>
-          <p:cNvPr id="158" name="Shape 158"/>
+          <p:cNvPr id="157" name="Line"/>
           <p:cNvSpPr/>
           <p:nvPr/>
         </p:nvSpPr>
@@ -30053,7 +29939,7 @@
       </p:grpSpPr>
       <p:sp>
         <p:nvSpPr>
-          <p:cNvPr id="830" name="Shape 830"/>
+          <p:cNvPr id="829" name="Removing from Doubly Linked List"/>
           <p:cNvSpPr/>
           <p:nvPr>
             <p:ph type="title"/>
@@ -30086,7 +29972,7 @@
       </p:sp>
       <p:sp>
         <p:nvSpPr>
-          <p:cNvPr id="831" name="Shape 831"/>
+          <p:cNvPr id="830" name="Remove 9 from the following DLL"/>
           <p:cNvSpPr/>
           <p:nvPr/>
         </p:nvSpPr>
@@ -30122,7 +30008,7 @@
       </p:sp>
       <p:sp>
         <p:nvSpPr>
-          <p:cNvPr id="832" name="Shape 832"/>
+          <p:cNvPr id="831" name="7"/>
           <p:cNvSpPr/>
           <p:nvPr/>
         </p:nvSpPr>
@@ -30168,7 +30054,7 @@
       </p:sp>
       <p:sp>
         <p:nvSpPr>
-          <p:cNvPr id="833" name="Shape 833"/>
+          <p:cNvPr id="832" name="0"/>
           <p:cNvSpPr/>
           <p:nvPr/>
         </p:nvSpPr>
@@ -30214,7 +30100,7 @@
       </p:sp>
       <p:sp>
         <p:nvSpPr>
-          <p:cNvPr id="834" name="Shape 834"/>
+          <p:cNvPr id="833" name="Line"/>
           <p:cNvSpPr/>
           <p:nvPr/>
         </p:nvSpPr>
@@ -30251,7 +30137,7 @@
       </p:sp>
       <p:sp>
         <p:nvSpPr>
-          <p:cNvPr id="835" name="Shape 835"/>
+          <p:cNvPr id="834" name="Head"/>
           <p:cNvSpPr/>
           <p:nvPr/>
         </p:nvSpPr>
@@ -30299,7 +30185,7 @@
       </p:sp>
       <p:sp>
         <p:nvSpPr>
-          <p:cNvPr id="836" name="Shape 836"/>
+          <p:cNvPr id="835" name="Line"/>
           <p:cNvSpPr/>
           <p:nvPr/>
         </p:nvSpPr>
@@ -30336,7 +30222,7 @@
       </p:sp>
       <p:sp>
         <p:nvSpPr>
-          <p:cNvPr id="837" name="Shape 837"/>
+          <p:cNvPr id="836" name="4"/>
           <p:cNvSpPr/>
           <p:nvPr/>
         </p:nvSpPr>
@@ -30382,7 +30268,7 @@
       </p:sp>
       <p:sp>
         <p:nvSpPr>
-          <p:cNvPr id="838" name="Shape 838"/>
+          <p:cNvPr id="837" name="9"/>
           <p:cNvSpPr/>
           <p:nvPr/>
         </p:nvSpPr>
@@ -30428,7 +30314,7 @@
       </p:sp>
       <p:sp>
         <p:nvSpPr>
-          <p:cNvPr id="839" name="Shape 839"/>
+          <p:cNvPr id="838" name="15"/>
           <p:cNvSpPr/>
           <p:nvPr/>
         </p:nvSpPr>
@@ -30474,7 +30360,7 @@
       </p:sp>
       <p:sp>
         <p:nvSpPr>
-          <p:cNvPr id="840" name="Shape 840"/>
+          <p:cNvPr id="839" name="Line"/>
           <p:cNvSpPr/>
           <p:nvPr/>
         </p:nvSpPr>
@@ -30511,7 +30397,7 @@
       </p:sp>
       <p:sp>
         <p:nvSpPr>
-          <p:cNvPr id="841" name="Shape 841"/>
+          <p:cNvPr id="840" name="Tail"/>
           <p:cNvSpPr/>
           <p:nvPr/>
         </p:nvSpPr>
@@ -30559,7 +30445,7 @@
       </p:sp>
       <p:sp>
         <p:nvSpPr>
-          <p:cNvPr id="842" name="Shape 842"/>
+          <p:cNvPr id="841" name="Line"/>
           <p:cNvSpPr/>
           <p:nvPr/>
         </p:nvSpPr>
@@ -30596,7 +30482,7 @@
       </p:sp>
       <p:sp>
         <p:nvSpPr>
-          <p:cNvPr id="843" name="Shape 843"/>
+          <p:cNvPr id="842" name="Line"/>
           <p:cNvSpPr/>
           <p:nvPr/>
         </p:nvSpPr>
@@ -30633,7 +30519,7 @@
       </p:sp>
       <p:sp>
         <p:nvSpPr>
-          <p:cNvPr id="844" name="Shape 844"/>
+          <p:cNvPr id="843" name="Line"/>
           <p:cNvSpPr/>
           <p:nvPr/>
         </p:nvSpPr>
@@ -30670,7 +30556,7 @@
       </p:sp>
       <p:sp>
         <p:nvSpPr>
-          <p:cNvPr id="845" name="Shape 845"/>
+          <p:cNvPr id="844" name="Line"/>
           <p:cNvSpPr/>
           <p:nvPr/>
         </p:nvSpPr>
@@ -30707,7 +30593,7 @@
       </p:sp>
       <p:sp>
         <p:nvSpPr>
-          <p:cNvPr id="846" name="Shape 846"/>
+          <p:cNvPr id="845" name="Line"/>
           <p:cNvSpPr/>
           <p:nvPr/>
         </p:nvSpPr>
@@ -30744,7 +30630,7 @@
       </p:sp>
       <p:sp>
         <p:nvSpPr>
-          <p:cNvPr id="847" name="Shape 847"/>
+          <p:cNvPr id="846" name="Line"/>
           <p:cNvSpPr/>
           <p:nvPr/>
         </p:nvSpPr>
@@ -30781,7 +30667,7 @@
       </p:sp>
       <p:sp>
         <p:nvSpPr>
-          <p:cNvPr id="848" name="Shape 848"/>
+          <p:cNvPr id="847" name="Line"/>
           <p:cNvSpPr/>
           <p:nvPr/>
         </p:nvSpPr>
@@ -30818,7 +30704,7 @@
       </p:sp>
       <p:sp>
         <p:nvSpPr>
-          <p:cNvPr id="849" name="Shape 849"/>
+          <p:cNvPr id="848" name="Line"/>
           <p:cNvSpPr/>
           <p:nvPr/>
         </p:nvSpPr>
@@ -30855,7 +30741,7 @@
       </p:sp>
       <p:sp>
         <p:nvSpPr>
-          <p:cNvPr id="850" name="Shape 850"/>
+          <p:cNvPr id="849" name="trav"/>
           <p:cNvSpPr/>
           <p:nvPr/>
         </p:nvSpPr>
@@ -30917,7 +30803,7 @@
       </p:grpSpPr>
       <p:sp>
         <p:nvSpPr>
-          <p:cNvPr id="852" name="Shape 852"/>
+          <p:cNvPr id="851" name="Removing from Doubly Linked List"/>
           <p:cNvSpPr/>
           <p:nvPr>
             <p:ph type="title"/>
@@ -30950,7 +30836,7 @@
       </p:sp>
       <p:sp>
         <p:nvSpPr>
-          <p:cNvPr id="853" name="Shape 853"/>
+          <p:cNvPr id="852" name="Remove 9 from the following DLL"/>
           <p:cNvSpPr/>
           <p:nvPr/>
         </p:nvSpPr>
@@ -30986,7 +30872,7 @@
       </p:sp>
       <p:sp>
         <p:nvSpPr>
-          <p:cNvPr id="854" name="Shape 854"/>
+          <p:cNvPr id="853" name="7"/>
           <p:cNvSpPr/>
           <p:nvPr/>
         </p:nvSpPr>
@@ -31032,7 +30918,7 @@
       </p:sp>
       <p:sp>
         <p:nvSpPr>
-          <p:cNvPr id="855" name="Shape 855"/>
+          <p:cNvPr id="854" name="0"/>
           <p:cNvSpPr/>
           <p:nvPr/>
         </p:nvSpPr>
@@ -31078,7 +30964,7 @@
       </p:sp>
       <p:sp>
         <p:nvSpPr>
-          <p:cNvPr id="856" name="Shape 856"/>
+          <p:cNvPr id="855" name="Line"/>
           <p:cNvSpPr/>
           <p:nvPr/>
         </p:nvSpPr>
@@ -31115,7 +31001,7 @@
       </p:sp>
       <p:sp>
         <p:nvSpPr>
-          <p:cNvPr id="857" name="Shape 857"/>
+          <p:cNvPr id="856" name="Head"/>
           <p:cNvSpPr/>
           <p:nvPr/>
         </p:nvSpPr>
@@ -31163,7 +31049,7 @@
       </p:sp>
       <p:sp>
         <p:nvSpPr>
-          <p:cNvPr id="858" name="Shape 858"/>
+          <p:cNvPr id="857" name="Line"/>
           <p:cNvSpPr/>
           <p:nvPr/>
         </p:nvSpPr>
@@ -31200,7 +31086,7 @@
       </p:sp>
       <p:sp>
         <p:nvSpPr>
-          <p:cNvPr id="859" name="Shape 859"/>
+          <p:cNvPr id="858" name="4"/>
           <p:cNvSpPr/>
           <p:nvPr/>
         </p:nvSpPr>
@@ -31246,7 +31132,7 @@
       </p:sp>
       <p:sp>
         <p:nvSpPr>
-          <p:cNvPr id="860" name="Shape 860"/>
+          <p:cNvPr id="859" name="9"/>
           <p:cNvSpPr/>
           <p:nvPr/>
         </p:nvSpPr>
@@ -31292,7 +31178,7 @@
       </p:sp>
       <p:sp>
         <p:nvSpPr>
-          <p:cNvPr id="861" name="Shape 861"/>
+          <p:cNvPr id="860" name="15"/>
           <p:cNvSpPr/>
           <p:nvPr/>
         </p:nvSpPr>
@@ -31338,7 +31224,7 @@
       </p:sp>
       <p:sp>
         <p:nvSpPr>
-          <p:cNvPr id="862" name="Shape 862"/>
+          <p:cNvPr id="861" name="Line"/>
           <p:cNvSpPr/>
           <p:nvPr/>
         </p:nvSpPr>
@@ -31375,7 +31261,7 @@
       </p:sp>
       <p:sp>
         <p:nvSpPr>
-          <p:cNvPr id="863" name="Shape 863"/>
+          <p:cNvPr id="862" name="Tail"/>
           <p:cNvSpPr/>
           <p:nvPr/>
         </p:nvSpPr>
@@ -31423,7 +31309,7 @@
       </p:sp>
       <p:sp>
         <p:nvSpPr>
-          <p:cNvPr id="864" name="Shape 864"/>
+          <p:cNvPr id="863" name="Line"/>
           <p:cNvSpPr/>
           <p:nvPr/>
         </p:nvSpPr>
@@ -31460,7 +31346,7 @@
       </p:sp>
       <p:sp>
         <p:nvSpPr>
-          <p:cNvPr id="865" name="Shape 865"/>
+          <p:cNvPr id="864" name="Line"/>
           <p:cNvSpPr/>
           <p:nvPr/>
         </p:nvSpPr>
@@ -31497,7 +31383,7 @@
       </p:sp>
       <p:sp>
         <p:nvSpPr>
-          <p:cNvPr id="866" name="Shape 866"/>
+          <p:cNvPr id="865" name="Line"/>
           <p:cNvSpPr/>
           <p:nvPr/>
         </p:nvSpPr>
@@ -31534,7 +31420,7 @@
       </p:sp>
       <p:sp>
         <p:nvSpPr>
-          <p:cNvPr id="867" name="Shape 867"/>
+          <p:cNvPr id="866" name="Line"/>
           <p:cNvSpPr/>
           <p:nvPr/>
         </p:nvSpPr>
@@ -31571,7 +31457,7 @@
       </p:sp>
       <p:sp>
         <p:nvSpPr>
-          <p:cNvPr id="868" name="Shape 868"/>
+          <p:cNvPr id="867" name="Line"/>
           <p:cNvSpPr/>
           <p:nvPr/>
         </p:nvSpPr>
@@ -31608,7 +31494,7 @@
       </p:sp>
       <p:sp>
         <p:nvSpPr>
-          <p:cNvPr id="869" name="Shape 869"/>
+          <p:cNvPr id="868" name="Line"/>
           <p:cNvSpPr/>
           <p:nvPr/>
         </p:nvSpPr>
@@ -31645,7 +31531,7 @@
       </p:sp>
       <p:sp>
         <p:nvSpPr>
-          <p:cNvPr id="870" name="Shape 870"/>
+          <p:cNvPr id="869" name="Line"/>
           <p:cNvSpPr/>
           <p:nvPr/>
         </p:nvSpPr>
@@ -31682,7 +31568,7 @@
       </p:sp>
       <p:sp>
         <p:nvSpPr>
-          <p:cNvPr id="871" name="Shape 871"/>
+          <p:cNvPr id="870" name="Line"/>
           <p:cNvSpPr/>
           <p:nvPr/>
         </p:nvSpPr>
@@ -31719,7 +31605,7 @@
       </p:sp>
       <p:sp>
         <p:nvSpPr>
-          <p:cNvPr id="872" name="Shape 872"/>
+          <p:cNvPr id="871" name="trav"/>
           <p:cNvSpPr/>
           <p:nvPr/>
         </p:nvSpPr>
@@ -31781,7 +31667,7 @@
       </p:grpSpPr>
       <p:sp>
         <p:nvSpPr>
-          <p:cNvPr id="874" name="Shape 874"/>
+          <p:cNvPr id="873" name="Removing from Doubly Linked List"/>
           <p:cNvSpPr/>
           <p:nvPr>
             <p:ph type="title"/>
@@ -31814,7 +31700,7 @@
       </p:sp>
       <p:sp>
         <p:nvSpPr>
-          <p:cNvPr id="875" name="Shape 875"/>
+          <p:cNvPr id="874" name="Remove 9 from the following DLL"/>
           <p:cNvSpPr/>
           <p:nvPr/>
         </p:nvSpPr>
@@ -31850,7 +31736,7 @@
       </p:sp>
       <p:sp>
         <p:nvSpPr>
-          <p:cNvPr id="876" name="Shape 876"/>
+          <p:cNvPr id="875" name="7"/>
           <p:cNvSpPr/>
           <p:nvPr/>
         </p:nvSpPr>
@@ -31896,7 +31782,7 @@
       </p:sp>
       <p:sp>
         <p:nvSpPr>
-          <p:cNvPr id="877" name="Shape 877"/>
+          <p:cNvPr id="876" name="0"/>
           <p:cNvSpPr/>
           <p:nvPr/>
         </p:nvSpPr>
@@ -31942,7 +31828,7 @@
       </p:sp>
       <p:sp>
         <p:nvSpPr>
-          <p:cNvPr id="878" name="Shape 878"/>
+          <p:cNvPr id="877" name="Line"/>
           <p:cNvSpPr/>
           <p:nvPr/>
         </p:nvSpPr>
@@ -31979,7 +31865,7 @@
       </p:sp>
       <p:sp>
         <p:nvSpPr>
-          <p:cNvPr id="879" name="Shape 879"/>
+          <p:cNvPr id="878" name="Head"/>
           <p:cNvSpPr/>
           <p:nvPr/>
         </p:nvSpPr>
@@ -32027,7 +31913,7 @@
       </p:sp>
       <p:sp>
         <p:nvSpPr>
-          <p:cNvPr id="880" name="Shape 880"/>
+          <p:cNvPr id="879" name="Line"/>
           <p:cNvSpPr/>
           <p:nvPr/>
         </p:nvSpPr>
@@ -32064,7 +31950,7 @@
       </p:sp>
       <p:sp>
         <p:nvSpPr>
-          <p:cNvPr id="881" name="Shape 881"/>
+          <p:cNvPr id="880" name="4"/>
           <p:cNvSpPr/>
           <p:nvPr/>
         </p:nvSpPr>
@@ -32110,7 +31996,7 @@
       </p:sp>
       <p:sp>
         <p:nvSpPr>
-          <p:cNvPr id="882" name="Shape 882"/>
+          <p:cNvPr id="881" name="9"/>
           <p:cNvSpPr/>
           <p:nvPr/>
         </p:nvSpPr>
@@ -32156,7 +32042,7 @@
       </p:sp>
       <p:sp>
         <p:nvSpPr>
-          <p:cNvPr id="883" name="Shape 883"/>
+          <p:cNvPr id="882" name="15"/>
           <p:cNvSpPr/>
           <p:nvPr/>
         </p:nvSpPr>
@@ -32202,7 +32088,7 @@
       </p:sp>
       <p:sp>
         <p:nvSpPr>
-          <p:cNvPr id="884" name="Shape 884"/>
+          <p:cNvPr id="883" name="Line"/>
           <p:cNvSpPr/>
           <p:nvPr/>
         </p:nvSpPr>
@@ -32239,7 +32125,7 @@
       </p:sp>
       <p:sp>
         <p:nvSpPr>
-          <p:cNvPr id="885" name="Shape 885"/>
+          <p:cNvPr id="884" name="Tail"/>
           <p:cNvSpPr/>
           <p:nvPr/>
         </p:nvSpPr>
@@ -32287,7 +32173,7 @@
       </p:sp>
       <p:sp>
         <p:nvSpPr>
-          <p:cNvPr id="886" name="Shape 886"/>
+          <p:cNvPr id="885" name="Line"/>
           <p:cNvSpPr/>
           <p:nvPr/>
         </p:nvSpPr>
@@ -32324,7 +32210,7 @@
       </p:sp>
       <p:sp>
         <p:nvSpPr>
-          <p:cNvPr id="887" name="Shape 887"/>
+          <p:cNvPr id="886" name="Line"/>
           <p:cNvSpPr/>
           <p:nvPr/>
         </p:nvSpPr>
@@ -32361,7 +32247,7 @@
       </p:sp>
       <p:sp>
         <p:nvSpPr>
-          <p:cNvPr id="888" name="Shape 888"/>
+          <p:cNvPr id="887" name="Line"/>
           <p:cNvSpPr/>
           <p:nvPr/>
         </p:nvSpPr>
@@ -32398,7 +32284,7 @@
       </p:sp>
       <p:sp>
         <p:nvSpPr>
-          <p:cNvPr id="889" name="Shape 889"/>
+          <p:cNvPr id="888" name="Line"/>
           <p:cNvSpPr/>
           <p:nvPr/>
         </p:nvSpPr>
@@ -32435,7 +32321,7 @@
       </p:sp>
       <p:sp>
         <p:nvSpPr>
-          <p:cNvPr id="890" name="Shape 890"/>
+          <p:cNvPr id="889" name="Line"/>
           <p:cNvSpPr/>
           <p:nvPr/>
         </p:nvSpPr>
@@ -32472,7 +32358,7 @@
       </p:sp>
       <p:sp>
         <p:nvSpPr>
-          <p:cNvPr id="891" name="Shape 891"/>
+          <p:cNvPr id="890" name="Line"/>
           <p:cNvSpPr/>
           <p:nvPr/>
         </p:nvSpPr>
@@ -32509,7 +32395,7 @@
       </p:sp>
       <p:sp>
         <p:nvSpPr>
-          <p:cNvPr id="892" name="Shape 892"/>
+          <p:cNvPr id="891" name="Line"/>
           <p:cNvSpPr/>
           <p:nvPr/>
         </p:nvSpPr>
@@ -32546,7 +32432,7 @@
       </p:sp>
       <p:sp>
         <p:nvSpPr>
-          <p:cNvPr id="893" name="Shape 893"/>
+          <p:cNvPr id="892" name="Line"/>
           <p:cNvSpPr/>
           <p:nvPr/>
         </p:nvSpPr>
@@ -32583,7 +32469,7 @@
       </p:sp>
       <p:sp>
         <p:nvSpPr>
-          <p:cNvPr id="894" name="Shape 894"/>
+          <p:cNvPr id="893" name="trav"/>
           <p:cNvSpPr/>
           <p:nvPr/>
         </p:nvSpPr>
@@ -32645,7 +32531,7 @@
       </p:grpSpPr>
       <p:sp>
         <p:nvSpPr>
-          <p:cNvPr id="898" name="Shape 898"/>
+          <p:cNvPr id="897" name="Removing from Doubly Linked List"/>
           <p:cNvSpPr/>
           <p:nvPr>
             <p:ph type="title"/>
@@ -32678,7 +32564,7 @@
       </p:sp>
       <p:sp>
         <p:nvSpPr>
-          <p:cNvPr id="899" name="Shape 899"/>
+          <p:cNvPr id="898" name="Remove 9 from the following DLL"/>
           <p:cNvSpPr/>
           <p:nvPr/>
         </p:nvSpPr>
@@ -32714,7 +32600,7 @@
       </p:sp>
       <p:sp>
         <p:nvSpPr>
-          <p:cNvPr id="900" name="Shape 900"/>
+          <p:cNvPr id="899" name="7"/>
           <p:cNvSpPr/>
           <p:nvPr/>
         </p:nvSpPr>
@@ -32760,7 +32646,7 @@
       </p:sp>
       <p:sp>
         <p:nvSpPr>
-          <p:cNvPr id="901" name="Shape 901"/>
+          <p:cNvPr id="900" name="0"/>
           <p:cNvSpPr/>
           <p:nvPr/>
         </p:nvSpPr>
@@ -32806,7 +32692,7 @@
       </p:sp>
       <p:sp>
         <p:nvSpPr>
-          <p:cNvPr id="902" name="Shape 902"/>
+          <p:cNvPr id="901" name="Line"/>
           <p:cNvSpPr/>
           <p:nvPr/>
         </p:nvSpPr>
@@ -32843,7 +32729,7 @@
       </p:sp>
       <p:sp>
         <p:nvSpPr>
-          <p:cNvPr id="903" name="Shape 903"/>
+          <p:cNvPr id="902" name="Head"/>
           <p:cNvSpPr/>
           <p:nvPr/>
         </p:nvSpPr>
@@ -32891,7 +32777,7 @@
       </p:sp>
       <p:sp>
         <p:nvSpPr>
-          <p:cNvPr id="904" name="Shape 904"/>
+          <p:cNvPr id="903" name="Line"/>
           <p:cNvSpPr/>
           <p:nvPr/>
         </p:nvSpPr>
@@ -32928,7 +32814,7 @@
       </p:sp>
       <p:sp>
         <p:nvSpPr>
-          <p:cNvPr id="905" name="Shape 905"/>
+          <p:cNvPr id="904" name="4"/>
           <p:cNvSpPr/>
           <p:nvPr/>
         </p:nvSpPr>
@@ -32974,7 +32860,7 @@
       </p:sp>
       <p:sp>
         <p:nvSpPr>
-          <p:cNvPr id="906" name="Shape 906"/>
+          <p:cNvPr id="905" name="9"/>
           <p:cNvSpPr/>
           <p:nvPr/>
         </p:nvSpPr>
@@ -33020,7 +32906,7 @@
       </p:sp>
       <p:sp>
         <p:nvSpPr>
-          <p:cNvPr id="907" name="Shape 907"/>
+          <p:cNvPr id="906" name="15"/>
           <p:cNvSpPr/>
           <p:nvPr/>
         </p:nvSpPr>
@@ -33066,7 +32952,7 @@
       </p:sp>
       <p:sp>
         <p:nvSpPr>
-          <p:cNvPr id="908" name="Shape 908"/>
+          <p:cNvPr id="907" name="Line"/>
           <p:cNvSpPr/>
           <p:nvPr/>
         </p:nvSpPr>
@@ -33103,7 +32989,7 @@
       </p:sp>
       <p:sp>
         <p:nvSpPr>
-          <p:cNvPr id="909" name="Shape 909"/>
+          <p:cNvPr id="908" name="Tail"/>
           <p:cNvSpPr/>
           <p:nvPr/>
         </p:nvSpPr>
@@ -33151,7 +33037,7 @@
       </p:sp>
       <p:sp>
         <p:nvSpPr>
-          <p:cNvPr id="910" name="Shape 910"/>
+          <p:cNvPr id="909" name="Line"/>
           <p:cNvSpPr/>
           <p:nvPr/>
         </p:nvSpPr>
@@ -33188,7 +33074,7 @@
       </p:sp>
       <p:sp>
         <p:nvSpPr>
-          <p:cNvPr id="911" name="Shape 911"/>
+          <p:cNvPr id="910" name="Line"/>
           <p:cNvSpPr/>
           <p:nvPr/>
         </p:nvSpPr>
@@ -33225,7 +33111,7 @@
       </p:sp>
       <p:sp>
         <p:nvSpPr>
-          <p:cNvPr id="912" name="Shape 912"/>
+          <p:cNvPr id="911" name="Line"/>
           <p:cNvSpPr/>
           <p:nvPr/>
         </p:nvSpPr>
@@ -33262,7 +33148,7 @@
       </p:sp>
       <p:sp>
         <p:nvSpPr>
-          <p:cNvPr id="913" name="Shape 913"/>
+          <p:cNvPr id="912" name="Line"/>
           <p:cNvSpPr/>
           <p:nvPr/>
         </p:nvSpPr>
@@ -33299,7 +33185,7 @@
       </p:sp>
       <p:sp>
         <p:nvSpPr>
-          <p:cNvPr id="914" name="Shape 914"/>
+          <p:cNvPr id="913" name="Line"/>
           <p:cNvSpPr/>
           <p:nvPr/>
         </p:nvSpPr>
@@ -33336,7 +33222,7 @@
       </p:sp>
       <p:sp>
         <p:nvSpPr>
-          <p:cNvPr id="915" name="Shape 915"/>
+          <p:cNvPr id="914" name="Line"/>
           <p:cNvSpPr/>
           <p:nvPr/>
         </p:nvSpPr>
@@ -33373,7 +33259,7 @@
       </p:sp>
       <p:sp>
         <p:nvSpPr>
-          <p:cNvPr id="916" name="Shape 916"/>
+          <p:cNvPr id="915" name="Line"/>
           <p:cNvSpPr/>
           <p:nvPr/>
         </p:nvSpPr>
@@ -33410,7 +33296,7 @@
       </p:sp>
       <p:sp>
         <p:nvSpPr>
-          <p:cNvPr id="917" name="Shape 917"/>
+          <p:cNvPr id="916" name="trav"/>
           <p:cNvSpPr/>
           <p:nvPr/>
         </p:nvSpPr>
@@ -33446,7 +33332,7 @@
       </p:sp>
       <p:sp>
         <p:nvSpPr>
-          <p:cNvPr id="920" name="Shape 920"/>
+          <p:cNvPr id="919" name="Connection Line"/>
           <p:cNvSpPr/>
           <p:nvPr/>
         </p:nvSpPr>
@@ -33504,7 +33390,7 @@
       </p:sp>
       <p:sp>
         <p:nvSpPr>
-          <p:cNvPr id="919" name="Shape 919"/>
+          <p:cNvPr id="918" name="Line"/>
           <p:cNvSpPr/>
           <p:nvPr/>
         </p:nvSpPr>
@@ -33567,7 +33453,7 @@
       </p:grpSpPr>
       <p:sp>
         <p:nvSpPr>
-          <p:cNvPr id="924" name="Shape 924"/>
+          <p:cNvPr id="923" name="Removing from Doubly Linked List"/>
           <p:cNvSpPr/>
           <p:nvPr>
             <p:ph type="title"/>
@@ -33600,7 +33486,7 @@
       </p:sp>
       <p:sp>
         <p:nvSpPr>
-          <p:cNvPr id="925" name="Shape 925"/>
+          <p:cNvPr id="924" name="Remove 9 from the following DLL"/>
           <p:cNvSpPr/>
           <p:nvPr/>
         </p:nvSpPr>
@@ -33636,7 +33522,7 @@
       </p:sp>
       <p:sp>
         <p:nvSpPr>
-          <p:cNvPr id="926" name="Shape 926"/>
+          <p:cNvPr id="925" name="7"/>
           <p:cNvSpPr/>
           <p:nvPr/>
         </p:nvSpPr>
@@ -33682,7 +33568,7 @@
       </p:sp>
       <p:sp>
         <p:nvSpPr>
-          <p:cNvPr id="927" name="Shape 927"/>
+          <p:cNvPr id="926" name="0"/>
           <p:cNvSpPr/>
           <p:nvPr/>
         </p:nvSpPr>
@@ -33728,7 +33614,7 @@
       </p:sp>
       <p:sp>
         <p:nvSpPr>
-          <p:cNvPr id="928" name="Shape 928"/>
+          <p:cNvPr id="927" name="Line"/>
           <p:cNvSpPr/>
           <p:nvPr/>
         </p:nvSpPr>
@@ -33765,7 +33651,7 @@
       </p:sp>
       <p:sp>
         <p:nvSpPr>
-          <p:cNvPr id="929" name="Shape 929"/>
+          <p:cNvPr id="928" name="Head"/>
           <p:cNvSpPr/>
           <p:nvPr/>
         </p:nvSpPr>
@@ -33813,7 +33699,7 @@
       </p:sp>
       <p:sp>
         <p:nvSpPr>
-          <p:cNvPr id="930" name="Shape 930"/>
+          <p:cNvPr id="929" name="Line"/>
           <p:cNvSpPr/>
           <p:nvPr/>
         </p:nvSpPr>
@@ -33850,7 +33736,7 @@
       </p:sp>
       <p:sp>
         <p:nvSpPr>
-          <p:cNvPr id="931" name="Shape 931"/>
+          <p:cNvPr id="930" name="4"/>
           <p:cNvSpPr/>
           <p:nvPr/>
         </p:nvSpPr>
@@ -33896,7 +33782,7 @@
       </p:sp>
       <p:sp>
         <p:nvSpPr>
-          <p:cNvPr id="932" name="Shape 932"/>
+          <p:cNvPr id="931" name="9"/>
           <p:cNvSpPr/>
           <p:nvPr/>
         </p:nvSpPr>
@@ -33942,7 +33828,7 @@
       </p:sp>
       <p:sp>
         <p:nvSpPr>
-          <p:cNvPr id="933" name="Shape 933"/>
+          <p:cNvPr id="932" name="15"/>
           <p:cNvSpPr/>
           <p:nvPr/>
         </p:nvSpPr>
@@ -33988,7 +33874,7 @@
       </p:sp>
       <p:sp>
         <p:nvSpPr>
-          <p:cNvPr id="934" name="Shape 934"/>
+          <p:cNvPr id="933" name="Line"/>
           <p:cNvSpPr/>
           <p:nvPr/>
         </p:nvSpPr>
@@ -34025,7 +33911,7 @@
       </p:sp>
       <p:sp>
         <p:nvSpPr>
-          <p:cNvPr id="935" name="Shape 935"/>
+          <p:cNvPr id="934" name="Tail"/>
           <p:cNvSpPr/>
           <p:nvPr/>
         </p:nvSpPr>
@@ -34073,7 +33959,7 @@
       </p:sp>
       <p:sp>
         <p:nvSpPr>
-          <p:cNvPr id="936" name="Shape 936"/>
+          <p:cNvPr id="935" name="Line"/>
           <p:cNvSpPr/>
           <p:nvPr/>
         </p:nvSpPr>
@@ -34110,7 +33996,7 @@
       </p:sp>
       <p:sp>
         <p:nvSpPr>
-          <p:cNvPr id="937" name="Shape 937"/>
+          <p:cNvPr id="936" name="Line"/>
           <p:cNvSpPr/>
           <p:nvPr/>
         </p:nvSpPr>
@@ -34147,7 +34033,7 @@
       </p:sp>
       <p:sp>
         <p:nvSpPr>
-          <p:cNvPr id="938" name="Shape 938"/>
+          <p:cNvPr id="937" name="Line"/>
           <p:cNvSpPr/>
           <p:nvPr/>
         </p:nvSpPr>
@@ -34184,7 +34070,7 @@
       </p:sp>
       <p:sp>
         <p:nvSpPr>
-          <p:cNvPr id="939" name="Shape 939"/>
+          <p:cNvPr id="938" name="Line"/>
           <p:cNvSpPr/>
           <p:nvPr/>
         </p:nvSpPr>
@@ -34221,7 +34107,7 @@
       </p:sp>
       <p:sp>
         <p:nvSpPr>
-          <p:cNvPr id="940" name="Shape 940"/>
+          <p:cNvPr id="939" name="Line"/>
           <p:cNvSpPr/>
           <p:nvPr/>
         </p:nvSpPr>
@@ -34258,7 +34144,7 @@
       </p:sp>
       <p:sp>
         <p:nvSpPr>
-          <p:cNvPr id="941" name="Shape 941"/>
+          <p:cNvPr id="940" name="Line"/>
           <p:cNvSpPr/>
           <p:nvPr/>
         </p:nvSpPr>
@@ -34295,7 +34181,7 @@
       </p:sp>
       <p:sp>
         <p:nvSpPr>
-          <p:cNvPr id="942" name="Shape 942"/>
+          <p:cNvPr id="941" name="Line"/>
           <p:cNvSpPr/>
           <p:nvPr/>
         </p:nvSpPr>
@@ -34332,7 +34218,7 @@
       </p:sp>
       <p:sp>
         <p:nvSpPr>
-          <p:cNvPr id="943" name="Shape 943"/>
+          <p:cNvPr id="942" name="trav"/>
           <p:cNvSpPr/>
           <p:nvPr/>
         </p:nvSpPr>
@@ -34368,7 +34254,7 @@
       </p:sp>
       <p:sp>
         <p:nvSpPr>
-          <p:cNvPr id="946" name="Shape 946"/>
+          <p:cNvPr id="945" name="Connection Line"/>
           <p:cNvSpPr/>
           <p:nvPr/>
         </p:nvSpPr>
@@ -34426,7 +34312,7 @@
       </p:sp>
       <p:sp>
         <p:nvSpPr>
-          <p:cNvPr id="945" name="Shape 945"/>
+          <p:cNvPr id="944" name="Line"/>
           <p:cNvSpPr/>
           <p:nvPr/>
         </p:nvSpPr>
@@ -34489,7 +34375,7 @@
       </p:grpSpPr>
       <p:sp>
         <p:nvSpPr>
-          <p:cNvPr id="950" name="Shape 950"/>
+          <p:cNvPr id="949" name="Removing from Doubly Linked List"/>
           <p:cNvSpPr/>
           <p:nvPr>
             <p:ph type="title"/>
@@ -34522,7 +34408,7 @@
       </p:sp>
       <p:sp>
         <p:nvSpPr>
-          <p:cNvPr id="951" name="Shape 951"/>
+          <p:cNvPr id="950" name="Remove 9 from the following DLL"/>
           <p:cNvSpPr/>
           <p:nvPr/>
         </p:nvSpPr>
@@ -34558,7 +34444,7 @@
       </p:sp>
       <p:sp>
         <p:nvSpPr>
-          <p:cNvPr id="952" name="Shape 952"/>
+          <p:cNvPr id="951" name="7"/>
           <p:cNvSpPr/>
           <p:nvPr/>
         </p:nvSpPr>
@@ -34604,7 +34490,7 @@
       </p:sp>
       <p:sp>
         <p:nvSpPr>
-          <p:cNvPr id="953" name="Shape 953"/>
+          <p:cNvPr id="952" name="0"/>
           <p:cNvSpPr/>
           <p:nvPr/>
         </p:nvSpPr>
@@ -34650,7 +34536,7 @@
       </p:sp>
       <p:sp>
         <p:nvSpPr>
-          <p:cNvPr id="954" name="Shape 954"/>
+          <p:cNvPr id="953" name="Line"/>
           <p:cNvSpPr/>
           <p:nvPr/>
         </p:nvSpPr>
@@ -34687,7 +34573,7 @@
       </p:sp>
       <p:sp>
         <p:nvSpPr>
-          <p:cNvPr id="955" name="Shape 955"/>
+          <p:cNvPr id="954" name="Head"/>
           <p:cNvSpPr/>
           <p:nvPr/>
         </p:nvSpPr>
@@ -34735,7 +34621,7 @@
       </p:sp>
       <p:sp>
         <p:nvSpPr>
-          <p:cNvPr id="956" name="Shape 956"/>
+          <p:cNvPr id="955" name="Line"/>
           <p:cNvSpPr/>
           <p:nvPr/>
         </p:nvSpPr>
@@ -34772,7 +34658,7 @@
       </p:sp>
       <p:sp>
         <p:nvSpPr>
-          <p:cNvPr id="957" name="Shape 957"/>
+          <p:cNvPr id="956" name="4"/>
           <p:cNvSpPr/>
           <p:nvPr/>
         </p:nvSpPr>
@@ -34818,7 +34704,7 @@
       </p:sp>
       <p:sp>
         <p:nvSpPr>
-          <p:cNvPr id="958" name="Shape 958"/>
+          <p:cNvPr id="957" name="15"/>
           <p:cNvSpPr/>
           <p:nvPr/>
         </p:nvSpPr>
@@ -34864,7 +34750,7 @@
       </p:sp>
       <p:sp>
         <p:nvSpPr>
-          <p:cNvPr id="959" name="Shape 959"/>
+          <p:cNvPr id="958" name="Line"/>
           <p:cNvSpPr/>
           <p:nvPr/>
         </p:nvSpPr>
@@ -34901,7 +34787,7 @@
       </p:sp>
       <p:sp>
         <p:nvSpPr>
-          <p:cNvPr id="960" name="Shape 960"/>
+          <p:cNvPr id="959" name="Tail"/>
           <p:cNvSpPr/>
           <p:nvPr/>
         </p:nvSpPr>
@@ -34949,7 +34835,7 @@
       </p:sp>
       <p:sp>
         <p:nvSpPr>
-          <p:cNvPr id="961" name="Shape 961"/>
+          <p:cNvPr id="960" name="Line"/>
           <p:cNvSpPr/>
           <p:nvPr/>
         </p:nvSpPr>
@@ -34986,7 +34872,7 @@
       </p:sp>
       <p:sp>
         <p:nvSpPr>
-          <p:cNvPr id="962" name="Shape 962"/>
+          <p:cNvPr id="961" name="Line"/>
           <p:cNvSpPr/>
           <p:nvPr/>
         </p:nvSpPr>
@@ -35023,7 +34909,7 @@
       </p:sp>
       <p:sp>
         <p:nvSpPr>
-          <p:cNvPr id="963" name="Shape 963"/>
+          <p:cNvPr id="962" name="Line"/>
           <p:cNvSpPr/>
           <p:nvPr/>
         </p:nvSpPr>
@@ -35060,7 +34946,7 @@
       </p:sp>
       <p:sp>
         <p:nvSpPr>
-          <p:cNvPr id="964" name="Shape 964"/>
+          <p:cNvPr id="963" name="Line"/>
           <p:cNvSpPr/>
           <p:nvPr/>
         </p:nvSpPr>
@@ -35097,7 +34983,7 @@
       </p:sp>
       <p:sp>
         <p:nvSpPr>
-          <p:cNvPr id="967" name="Shape 967"/>
+          <p:cNvPr id="966" name="Connection Line"/>
           <p:cNvSpPr/>
           <p:nvPr/>
         </p:nvSpPr>
@@ -35155,7 +35041,7 @@
       </p:sp>
       <p:sp>
         <p:nvSpPr>
-          <p:cNvPr id="966" name="Shape 966"/>
+          <p:cNvPr id="965" name="Line"/>
           <p:cNvSpPr/>
           <p:nvPr/>
         </p:nvSpPr>
@@ -35218,7 +35104,7 @@
       </p:grpSpPr>
       <p:sp>
         <p:nvSpPr>
-          <p:cNvPr id="971" name="Shape 971"/>
+          <p:cNvPr id="970" name="Removing from Doubly Linked List"/>
           <p:cNvSpPr/>
           <p:nvPr>
             <p:ph type="title"/>
@@ -35251,7 +35137,7 @@
       </p:sp>
       <p:sp>
         <p:nvSpPr>
-          <p:cNvPr id="972" name="Shape 972"/>
+          <p:cNvPr id="971" name="Remove 9 from the following DLL"/>
           <p:cNvSpPr/>
           <p:nvPr/>
         </p:nvSpPr>
@@ -35287,7 +35173,7 @@
       </p:sp>
       <p:sp>
         <p:nvSpPr>
-          <p:cNvPr id="973" name="Shape 973"/>
+          <p:cNvPr id="972" name="7"/>
           <p:cNvSpPr/>
           <p:nvPr/>
         </p:nvSpPr>
@@ -35333,7 +35219,7 @@
       </p:sp>
       <p:sp>
         <p:nvSpPr>
-          <p:cNvPr id="974" name="Shape 974"/>
+          <p:cNvPr id="973" name="0"/>
           <p:cNvSpPr/>
           <p:nvPr/>
         </p:nvSpPr>
@@ -35379,7 +35265,7 @@
       </p:sp>
       <p:sp>
         <p:nvSpPr>
-          <p:cNvPr id="975" name="Shape 975"/>
+          <p:cNvPr id="974" name="Line"/>
           <p:cNvSpPr/>
           <p:nvPr/>
         </p:nvSpPr>
@@ -35416,7 +35302,7 @@
       </p:sp>
       <p:sp>
         <p:nvSpPr>
-          <p:cNvPr id="976" name="Shape 976"/>
+          <p:cNvPr id="975" name="Head"/>
           <p:cNvSpPr/>
           <p:nvPr/>
         </p:nvSpPr>
@@ -35464,7 +35350,7 @@
       </p:sp>
       <p:sp>
         <p:nvSpPr>
-          <p:cNvPr id="977" name="Shape 977"/>
+          <p:cNvPr id="976" name="Line"/>
           <p:cNvSpPr/>
           <p:nvPr/>
         </p:nvSpPr>
@@ -35501,7 +35387,7 @@
       </p:sp>
       <p:sp>
         <p:nvSpPr>
-          <p:cNvPr id="978" name="Shape 978"/>
+          <p:cNvPr id="977" name="4"/>
           <p:cNvSpPr/>
           <p:nvPr/>
         </p:nvSpPr>
@@ -35547,7 +35433,7 @@
       </p:sp>
       <p:sp>
         <p:nvSpPr>
-          <p:cNvPr id="979" name="Shape 979"/>
+          <p:cNvPr id="978" name="15"/>
           <p:cNvSpPr/>
           <p:nvPr/>
         </p:nvSpPr>
@@ -35593,7 +35479,7 @@
       </p:sp>
       <p:sp>
         <p:nvSpPr>
-          <p:cNvPr id="980" name="Shape 980"/>
+          <p:cNvPr id="979" name="Line"/>
           <p:cNvSpPr/>
           <p:nvPr/>
         </p:nvSpPr>
@@ -35630,7 +35516,7 @@
       </p:sp>
       <p:sp>
         <p:nvSpPr>
-          <p:cNvPr id="981" name="Shape 981"/>
+          <p:cNvPr id="980" name="Tail"/>
           <p:cNvSpPr/>
           <p:nvPr/>
         </p:nvSpPr>
@@ -35678,7 +35564,7 @@
       </p:sp>
       <p:sp>
         <p:nvSpPr>
-          <p:cNvPr id="982" name="Shape 982"/>
+          <p:cNvPr id="981" name="Line"/>
           <p:cNvSpPr/>
           <p:nvPr/>
         </p:nvSpPr>
@@ -35715,7 +35601,7 @@
       </p:sp>
       <p:sp>
         <p:nvSpPr>
-          <p:cNvPr id="983" name="Shape 983"/>
+          <p:cNvPr id="982" name="Line"/>
           <p:cNvSpPr/>
           <p:nvPr/>
         </p:nvSpPr>
@@ -35752,7 +35638,7 @@
       </p:sp>
       <p:sp>
         <p:nvSpPr>
-          <p:cNvPr id="984" name="Shape 984"/>
+          <p:cNvPr id="983" name="Line"/>
           <p:cNvSpPr/>
           <p:nvPr/>
         </p:nvSpPr>
@@ -35789,7 +35675,7 @@
       </p:sp>
       <p:sp>
         <p:nvSpPr>
-          <p:cNvPr id="985" name="Shape 985"/>
+          <p:cNvPr id="984" name="Line"/>
           <p:cNvSpPr/>
           <p:nvPr/>
         </p:nvSpPr>
@@ -35826,7 +35712,7 @@
       </p:sp>
       <p:sp>
         <p:nvSpPr>
-          <p:cNvPr id="986" name="Shape 986"/>
+          <p:cNvPr id="985" name="Line"/>
           <p:cNvSpPr/>
           <p:nvPr/>
         </p:nvSpPr>
@@ -35889,7 +35775,7 @@
       </p:grpSpPr>
       <p:sp>
         <p:nvSpPr>
-          <p:cNvPr id="990" name="Shape 990"/>
+          <p:cNvPr id="989" name="Complexity…"/>
           <p:cNvSpPr/>
           <p:nvPr>
             <p:ph type="ctrTitle"/>
@@ -35953,7 +35839,7 @@
       </p:grpSpPr>
       <p:sp>
         <p:nvSpPr>
-          <p:cNvPr id="994" name="Shape 994"/>
+          <p:cNvPr id="993" name="Complexity"/>
           <p:cNvSpPr/>
           <p:nvPr>
             <p:ph type="ctrTitle"/>
@@ -35981,7 +35867,7 @@
       </p:sp>
       <p:graphicFrame>
         <p:nvGraphicFramePr>
-          <p:cNvPr id="995" name="Table 995"/>
+          <p:cNvPr id="994" name="Table"/>
           <p:cNvGraphicFramePr/>
           <p:nvPr/>
         </p:nvGraphicFramePr>
@@ -36368,7 +36254,7 @@
       </p:graphicFrame>
       <p:sp>
         <p:nvSpPr>
-          <p:cNvPr id="996" name="Shape 996"/>
+          <p:cNvPr id="995" name="Singly Linked"/>
           <p:cNvSpPr/>
           <p:nvPr/>
         </p:nvSpPr>
@@ -36408,7 +36294,7 @@
       </p:sp>
       <p:sp>
         <p:nvSpPr>
-          <p:cNvPr id="997" name="Shape 997"/>
+          <p:cNvPr id="996" name="Doubly Linked"/>
           <p:cNvSpPr/>
           <p:nvPr/>
         </p:nvSpPr>
@@ -36474,7 +36360,7 @@
       </p:grpSpPr>
       <p:graphicFrame>
         <p:nvGraphicFramePr>
-          <p:cNvPr id="1001" name="Table 1001"/>
+          <p:cNvPr id="1000" name="Table"/>
           <p:cNvGraphicFramePr/>
           <p:nvPr/>
         </p:nvGraphicFramePr>
@@ -36861,7 +36747,7 @@
       </p:graphicFrame>
       <p:sp>
         <p:nvSpPr>
-          <p:cNvPr id="1002" name="Shape 1002"/>
+          <p:cNvPr id="1001" name="Singly Linked"/>
           <p:cNvSpPr/>
           <p:nvPr/>
         </p:nvSpPr>
@@ -36901,7 +36787,7 @@
       </p:sp>
       <p:sp>
         <p:nvSpPr>
-          <p:cNvPr id="1003" name="Shape 1003"/>
+          <p:cNvPr id="1002" name="Doubly Linked"/>
           <p:cNvSpPr/>
           <p:nvPr/>
         </p:nvSpPr>
@@ -36941,7 +36827,7 @@
       </p:sp>
       <p:sp>
         <p:nvSpPr>
-          <p:cNvPr id="1004" name="Shape 1004"/>
+          <p:cNvPr id="1003" name="Complexity"/>
           <p:cNvSpPr/>
           <p:nvPr>
             <p:ph type="title"/>
@@ -36995,7 +36881,7 @@
       </p:grpSpPr>
       <p:sp>
         <p:nvSpPr>
-          <p:cNvPr id="162" name="Shape 162"/>
+          <p:cNvPr id="161" name="Where are linked lists used?"/>
           <p:cNvSpPr/>
           <p:nvPr>
             <p:ph type="title"/>
@@ -37023,7 +36909,7 @@
       </p:sp>
       <p:sp>
         <p:nvSpPr>
-          <p:cNvPr id="163" name="Shape 163"/>
+          <p:cNvPr id="162" name="Used in many List, Queue &amp; Stack implementations.…"/>
           <p:cNvSpPr/>
           <p:nvPr/>
         </p:nvSpPr>
@@ -37125,548 +37011,6 @@
             </a:pPr>
             <a:r>
               <a:t>Often used in the implementation of adjacency lists for graphs.</a:t>
-            </a:r>
-          </a:p>
-        </p:txBody>
-      </p:sp>
-    </p:spTree>
-  </p:cSld>
-  <p:clrMapOvr>
-    <a:masterClrMapping/>
-  </p:clrMapOvr>
-  <p:transition xmlns:p14="http://schemas.microsoft.com/office/powerpoint/2010/main" spd="med" advClick="1"/>
-</p:sld>
-</file>
-
-<file path=ppt/slides/slide50.xml><?xml version="1.0" encoding="utf-8"?>
-<p:sld xmlns:a="http://schemas.openxmlformats.org/drawingml/2006/main" xmlns:r="http://schemas.openxmlformats.org/officeDocument/2006/relationships" xmlns:p="http://schemas.openxmlformats.org/presentationml/2006/main" showMasterSp="1" showMasterPhAnim="1">
-  <p:cSld>
-    <p:spTree>
-      <p:nvGrpSpPr>
-        <p:cNvPr id="1" name=""/>
-        <p:cNvGrpSpPr/>
-        <p:nvPr/>
-      </p:nvGrpSpPr>
-      <p:grpSpPr>
-        <a:xfrm>
-          <a:off x="0" y="0"/>
-          <a:ext cx="0" cy="0"/>
-          <a:chOff x="0" y="0"/>
-          <a:chExt cx="0" cy="0"/>
-        </a:xfrm>
-      </p:grpSpPr>
-      <p:sp>
-        <p:nvSpPr>
-          <p:cNvPr id="1008" name="Shape 1008"/>
-          <p:cNvSpPr/>
-          <p:nvPr>
-            <p:ph type="ctrTitle"/>
-          </p:nvPr>
-        </p:nvSpPr>
-        <p:spPr>
-          <a:xfrm>
-            <a:off x="1270000" y="373352"/>
-            <a:ext cx="10464800" cy="3302001"/>
-          </a:xfrm>
-          <a:prstGeom prst="rect">
-            <a:avLst/>
-          </a:prstGeom>
-        </p:spPr>
-        <p:txBody>
-          <a:bodyPr anchor="ctr"/>
-          <a:lstStyle>
-            <a:lvl1pPr defTabSz="525779">
-              <a:defRPr sz="7200"/>
-            </a:lvl1pPr>
-          </a:lstStyle>
-          <a:p>
-            <a:pPr/>
-            <a:r>
-              <a:t>Implementation in next video </a:t>
-            </a:r>
-          </a:p>
-        </p:txBody>
-      </p:sp>
-      <p:sp>
-        <p:nvSpPr>
-          <p:cNvPr id="1009" name="Shape 1009"/>
-          <p:cNvSpPr/>
-          <p:nvPr/>
-        </p:nvSpPr>
-        <p:spPr>
-          <a:xfrm>
-            <a:off x="1284169" y="9004299"/>
-            <a:ext cx="10436462" cy="469901"/>
-          </a:xfrm>
-          <a:prstGeom prst="rect">
-            <a:avLst/>
-          </a:prstGeom>
-          <a:ln w="12700">
-            <a:miter lim="400000"/>
-          </a:ln>
-          <a:extLst>
-            <a:ext uri="{C572A759-6A51-4108-AA02-DFA0A04FC94B}">
-              <ma14:wrappingTextBoxFlag xmlns:ma14="http://schemas.microsoft.com/office/mac/drawingml/2011/main" val="1"/>
-            </a:ext>
-          </a:extLst>
-        </p:spPr>
-        <p:txBody>
-          <a:bodyPr wrap="none" lIns="50800" tIns="50800" rIns="50800" bIns="50800" anchor="ctr">
-            <a:spAutoFit/>
-          </a:bodyPr>
-          <a:lstStyle>
-            <a:lvl1pPr>
-              <a:defRPr sz="2500"/>
-            </a:lvl1pPr>
-          </a:lstStyle>
-          <a:p>
-            <a:pPr/>
-            <a:r>
-              <a:t>Testing of this Linked List is thanks to Micah Stairs.</a:t>
-            </a:r>
-          </a:p>
-        </p:txBody>
-      </p:sp>
-      <p:sp>
-        <p:nvSpPr>
-          <p:cNvPr id="1010" name="Shape 1010"/>
-          <p:cNvSpPr/>
-          <p:nvPr/>
-        </p:nvSpPr>
-        <p:spPr>
-          <a:xfrm>
-            <a:off x="1048259" y="6868954"/>
-            <a:ext cx="10908282" cy="1121024"/>
-          </a:xfrm>
-          <a:prstGeom prst="rect">
-            <a:avLst/>
-          </a:prstGeom>
-          <a:ln w="12700">
-            <a:miter lim="400000"/>
-          </a:ln>
-          <a:extLst>
-            <a:ext uri="{C572A759-6A51-4108-AA02-DFA0A04FC94B}">
-              <ma14:wrappingTextBoxFlag xmlns:ma14="http://schemas.microsoft.com/office/mac/drawingml/2011/main" val="1"/>
-            </a:ext>
-          </a:extLst>
-        </p:spPr>
-        <p:txBody>
-          <a:bodyPr lIns="50800" tIns="50800" rIns="50800" bIns="50800" anchor="ctr">
-            <a:normAutofit fontScale="100000" lnSpcReduction="0"/>
-          </a:bodyPr>
-          <a:lstStyle>
-            <a:lvl1pPr defTabSz="309625">
-              <a:defRPr sz="3498"/>
-            </a:lvl1pPr>
-          </a:lstStyle>
-          <a:p>
-            <a:pPr/>
-            <a:r>
-              <a:t>Implementation source code and tests can all be found at the following link:</a:t>
-            </a:r>
-          </a:p>
-        </p:txBody>
-      </p:sp>
-      <p:sp>
-        <p:nvSpPr>
-          <p:cNvPr id="1011" name="Shape 1011"/>
-          <p:cNvSpPr/>
-          <p:nvPr/>
-        </p:nvSpPr>
-        <p:spPr>
-          <a:xfrm>
-            <a:off x="779530" y="8054736"/>
-            <a:ext cx="11445740" cy="660401"/>
-          </a:xfrm>
-          <a:prstGeom prst="rect">
-            <a:avLst/>
-          </a:prstGeom>
-          <a:ln w="12700">
-            <a:miter lim="400000"/>
-          </a:ln>
-          <a:extLst>
-            <a:ext uri="{C572A759-6A51-4108-AA02-DFA0A04FC94B}">
-              <ma14:wrappingTextBoxFlag xmlns:ma14="http://schemas.microsoft.com/office/mac/drawingml/2011/main" val="1"/>
-            </a:ext>
-          </a:extLst>
-        </p:spPr>
-        <p:txBody>
-          <a:bodyPr wrap="none" lIns="50800" tIns="50800" rIns="50800" bIns="50800" anchor="ctr">
-            <a:spAutoFit/>
-          </a:bodyPr>
-          <a:lstStyle>
-            <a:lvl1pPr>
-              <a:defRPr b="1" sz="3800" u="sng">
-                <a:hlinkClick r:id="rId3" invalidUrl="" action="" tgtFrame="" tooltip="" history="1" highlightClick="0" endSnd="0"/>
-              </a:defRPr>
-            </a:lvl1pPr>
-          </a:lstStyle>
-          <a:p>
-            <a:pPr>
-              <a:defRPr u="none"/>
-            </a:pPr>
-            <a:r>
-              <a:rPr u="sng">
-                <a:hlinkClick r:id="rId3" invalidUrl="" action="" tgtFrame="" tooltip="" history="1" highlightClick="0" endSnd="0"/>
-              </a:rPr>
-              <a:t>github.com/williamfiset/data-structures</a:t>
-            </a:r>
-          </a:p>
-        </p:txBody>
-      </p:sp>
-    </p:spTree>
-  </p:cSld>
-  <p:clrMapOvr>
-    <a:masterClrMapping/>
-  </p:clrMapOvr>
-  <p:transition xmlns:p14="http://schemas.microsoft.com/office/powerpoint/2010/main" spd="med" advClick="1"/>
-</p:sld>
-</file>
-
-<file path=ppt/slides/slide51.xml><?xml version="1.0" encoding="utf-8"?>
-<p:sld xmlns:a="http://schemas.openxmlformats.org/drawingml/2006/main" xmlns:r="http://schemas.openxmlformats.org/officeDocument/2006/relationships" xmlns:p="http://schemas.openxmlformats.org/presentationml/2006/main" showMasterSp="1" showMasterPhAnim="1">
-  <p:cSld>
-    <p:spTree>
-      <p:nvGrpSpPr>
-        <p:cNvPr id="1" name=""/>
-        <p:cNvGrpSpPr/>
-        <p:nvPr/>
-      </p:nvGrpSpPr>
-      <p:grpSpPr>
-        <a:xfrm>
-          <a:off x="0" y="0"/>
-          <a:ext cx="0" cy="0"/>
-          <a:chOff x="0" y="0"/>
-          <a:chExt cx="0" cy="0"/>
-        </a:xfrm>
-      </p:grpSpPr>
-    </p:spTree>
-  </p:cSld>
-  <p:clrMapOvr>
-    <a:masterClrMapping/>
-  </p:clrMapOvr>
-  <p:transition xmlns:p14="http://schemas.microsoft.com/office/powerpoint/2010/main" spd="med" advClick="1"/>
-</p:sld>
-</file>
-
-<file path=ppt/slides/slide52.xml><?xml version="1.0" encoding="utf-8"?>
-<p:sld xmlns:a="http://schemas.openxmlformats.org/drawingml/2006/main" xmlns:r="http://schemas.openxmlformats.org/officeDocument/2006/relationships" xmlns:p="http://schemas.openxmlformats.org/presentationml/2006/main" showMasterSp="1" showMasterPhAnim="1">
-  <p:cSld>
-    <p:spTree>
-      <p:nvGrpSpPr>
-        <p:cNvPr id="1" name=""/>
-        <p:cNvGrpSpPr/>
-        <p:nvPr/>
-      </p:nvGrpSpPr>
-      <p:grpSpPr>
-        <a:xfrm>
-          <a:off x="0" y="0"/>
-          <a:ext cx="0" cy="0"/>
-          <a:chOff x="0" y="0"/>
-          <a:chExt cx="0" cy="0"/>
-        </a:xfrm>
-      </p:grpSpPr>
-      <p:sp>
-        <p:nvSpPr>
-          <p:cNvPr id="1016" name="Shape 1016"/>
-          <p:cNvSpPr/>
-          <p:nvPr>
-            <p:ph type="title"/>
-          </p:nvPr>
-        </p:nvSpPr>
-        <p:spPr>
-          <a:xfrm>
-            <a:off x="-547694" y="791778"/>
-            <a:ext cx="14100187" cy="4449089"/>
-          </a:xfrm>
-          <a:prstGeom prst="rect">
-            <a:avLst/>
-          </a:prstGeom>
-        </p:spPr>
-        <p:txBody>
-          <a:bodyPr/>
-          <a:lstStyle/>
-          <a:p>
-            <a:pPr>
-              <a:defRPr b="1" sz="8500"/>
-            </a:pPr>
-            <a:r>
-              <a:t>Doubly Linked List </a:t>
-            </a:r>
-          </a:p>
-          <a:p>
-            <a:pPr>
-              <a:defRPr b="1" sz="8500"/>
-            </a:pPr>
-            <a:r>
-              <a:t>Source Code</a:t>
-            </a:r>
-          </a:p>
-        </p:txBody>
-      </p:sp>
-      <p:sp>
-        <p:nvSpPr>
-          <p:cNvPr id="1017" name="Shape 1017"/>
-          <p:cNvSpPr/>
-          <p:nvPr/>
-        </p:nvSpPr>
-        <p:spPr>
-          <a:xfrm>
-            <a:off x="4009984" y="6686389"/>
-            <a:ext cx="4984832" cy="825501"/>
-          </a:xfrm>
-          <a:prstGeom prst="rect">
-            <a:avLst/>
-          </a:prstGeom>
-          <a:ln w="12700">
-            <a:miter lim="400000"/>
-          </a:ln>
-          <a:extLst>
-            <a:ext uri="{C572A759-6A51-4108-AA02-DFA0A04FC94B}">
-              <ma14:wrappingTextBoxFlag xmlns:ma14="http://schemas.microsoft.com/office/mac/drawingml/2011/main" val="1"/>
-            </a:ext>
-          </a:extLst>
-        </p:spPr>
-        <p:txBody>
-          <a:bodyPr wrap="none" lIns="50800" tIns="50800" rIns="50800" bIns="50800" anchor="ctr">
-            <a:spAutoFit/>
-          </a:bodyPr>
-          <a:lstStyle>
-            <a:lvl1pPr>
-              <a:defRPr sz="4900"/>
-            </a:lvl1pPr>
-          </a:lstStyle>
-          <a:p>
-            <a:pPr/>
-            <a:r>
-              <a:t>William Fiset</a:t>
-            </a:r>
-          </a:p>
-        </p:txBody>
-      </p:sp>
-      <p:sp>
-        <p:nvSpPr>
-          <p:cNvPr id="1018" name="Shape 1018"/>
-          <p:cNvSpPr/>
-          <p:nvPr/>
-        </p:nvSpPr>
-        <p:spPr>
-          <a:xfrm>
-            <a:off x="5344219" y="5576594"/>
-            <a:ext cx="2316362" cy="622301"/>
-          </a:xfrm>
-          <a:prstGeom prst="rect">
-            <a:avLst/>
-          </a:prstGeom>
-          <a:ln w="12700">
-            <a:miter lim="400000"/>
-          </a:ln>
-          <a:extLst>
-            <a:ext uri="{C572A759-6A51-4108-AA02-DFA0A04FC94B}">
-              <ma14:wrappingTextBoxFlag xmlns:ma14="http://schemas.microsoft.com/office/mac/drawingml/2011/main" val="1"/>
-            </a:ext>
-          </a:extLst>
-        </p:spPr>
-        <p:txBody>
-          <a:bodyPr wrap="none" lIns="50800" tIns="50800" rIns="50800" bIns="50800" anchor="ctr">
-            <a:spAutoFit/>
-          </a:bodyPr>
-          <a:lstStyle>
-            <a:lvl1pPr>
-              <a:defRPr b="1"/>
-            </a:lvl1pPr>
-          </a:lstStyle>
-          <a:p>
-            <a:pPr/>
-            <a:r>
-              <a:t>Part 2/2</a:t>
-            </a:r>
-          </a:p>
-        </p:txBody>
-      </p:sp>
-    </p:spTree>
-  </p:cSld>
-  <p:clrMapOvr>
-    <a:masterClrMapping/>
-  </p:clrMapOvr>
-  <p:transition xmlns:p14="http://schemas.microsoft.com/office/powerpoint/2010/main" spd="med" advClick="1"/>
-</p:sld>
-</file>
-
-<file path=ppt/slides/slide53.xml><?xml version="1.0" encoding="utf-8"?>
-<p:sld xmlns:a="http://schemas.openxmlformats.org/drawingml/2006/main" xmlns:r="http://schemas.openxmlformats.org/officeDocument/2006/relationships" xmlns:p="http://schemas.openxmlformats.org/presentationml/2006/main" showMasterSp="1" showMasterPhAnim="1">
-  <p:cSld>
-    <p:spTree>
-      <p:nvGrpSpPr>
-        <p:cNvPr id="1" name=""/>
-        <p:cNvGrpSpPr/>
-        <p:nvPr/>
-      </p:nvGrpSpPr>
-      <p:grpSpPr>
-        <a:xfrm>
-          <a:off x="0" y="0"/>
-          <a:ext cx="0" cy="0"/>
-          <a:chOff x="0" y="0"/>
-          <a:chExt cx="0" cy="0"/>
-        </a:xfrm>
-      </p:grpSpPr>
-      <p:sp>
-        <p:nvSpPr>
-          <p:cNvPr id="1020" name="Shape 1020"/>
-          <p:cNvSpPr/>
-          <p:nvPr>
-            <p:ph type="title"/>
-          </p:nvPr>
-        </p:nvSpPr>
-        <p:spPr>
-          <a:xfrm>
-            <a:off x="-858320" y="419245"/>
-            <a:ext cx="14100187" cy="2169240"/>
-          </a:xfrm>
-          <a:prstGeom prst="rect">
-            <a:avLst/>
-          </a:prstGeom>
-        </p:spPr>
-        <p:txBody>
-          <a:bodyPr/>
-          <a:lstStyle>
-            <a:lvl1pPr>
-              <a:defRPr b="1" sz="9000"/>
-            </a:lvl1pPr>
-          </a:lstStyle>
-          <a:p>
-            <a:pPr/>
-            <a:r>
-              <a:t>Source Code Link</a:t>
-            </a:r>
-          </a:p>
-        </p:txBody>
-      </p:sp>
-      <p:sp>
-        <p:nvSpPr>
-          <p:cNvPr id="1021" name="Shape 1021"/>
-          <p:cNvSpPr/>
-          <p:nvPr/>
-        </p:nvSpPr>
-        <p:spPr>
-          <a:xfrm>
-            <a:off x="364923" y="7278792"/>
-            <a:ext cx="12274953" cy="1143001"/>
-          </a:xfrm>
-          <a:prstGeom prst="rect">
-            <a:avLst/>
-          </a:prstGeom>
-          <a:ln w="12700">
-            <a:miter lim="400000"/>
-          </a:ln>
-          <a:extLst>
-            <a:ext uri="{C572A759-6A51-4108-AA02-DFA0A04FC94B}">
-              <ma14:wrappingTextBoxFlag xmlns:ma14="http://schemas.microsoft.com/office/mac/drawingml/2011/main" val="1"/>
-            </a:ext>
-          </a:extLst>
-        </p:spPr>
-        <p:txBody>
-          <a:bodyPr lIns="50800" tIns="50800" rIns="50800" bIns="50800" anchor="ctr">
-            <a:spAutoFit/>
-          </a:bodyPr>
-          <a:lstStyle/>
-          <a:p>
-            <a:pPr/>
-            <a:r>
-              <a:t>NOTE: Make sure you have understood part 1 of the </a:t>
-            </a:r>
-            <a:r>
-              <a:t>linked list</a:t>
-            </a:r>
-            <a:r>
-              <a:t> series before continuing! </a:t>
-            </a:r>
-          </a:p>
-        </p:txBody>
-      </p:sp>
-      <p:sp>
-        <p:nvSpPr>
-          <p:cNvPr id="1022" name="Shape 1022"/>
-          <p:cNvSpPr/>
-          <p:nvPr/>
-        </p:nvSpPr>
-        <p:spPr>
-          <a:xfrm>
-            <a:off x="1900485" y="2883898"/>
-            <a:ext cx="8647820" cy="2064989"/>
-          </a:xfrm>
-          <a:prstGeom prst="rect">
-            <a:avLst/>
-          </a:prstGeom>
-          <a:ln w="12700">
-            <a:miter lim="400000"/>
-          </a:ln>
-          <a:extLst>
-            <a:ext uri="{C572A759-6A51-4108-AA02-DFA0A04FC94B}">
-              <ma14:wrappingTextBoxFlag xmlns:ma14="http://schemas.microsoft.com/office/mac/drawingml/2011/main" val="1"/>
-            </a:ext>
-          </a:extLst>
-        </p:spPr>
-        <p:txBody>
-          <a:bodyPr lIns="50800" tIns="50800" rIns="50800" bIns="50800" anchor="ctr">
-            <a:normAutofit fontScale="100000" lnSpcReduction="0"/>
-          </a:bodyPr>
-          <a:lstStyle>
-            <a:lvl1pPr defTabSz="309625">
-              <a:defRPr sz="4240"/>
-            </a:lvl1pPr>
-          </a:lstStyle>
-          <a:p>
-            <a:pPr/>
-            <a:r>
-              <a:t>Implementation source code and tests can all be found at the following link:</a:t>
-            </a:r>
-          </a:p>
-        </p:txBody>
-      </p:sp>
-      <p:sp>
-        <p:nvSpPr>
-          <p:cNvPr id="1023" name="Shape 1023"/>
-          <p:cNvSpPr/>
-          <p:nvPr/>
-        </p:nvSpPr>
-        <p:spPr>
-          <a:xfrm>
-            <a:off x="779530" y="5494588"/>
-            <a:ext cx="11445740" cy="660401"/>
-          </a:xfrm>
-          <a:prstGeom prst="rect">
-            <a:avLst/>
-          </a:prstGeom>
-          <a:ln w="12700">
-            <a:miter lim="400000"/>
-          </a:ln>
-          <a:extLst>
-            <a:ext uri="{C572A759-6A51-4108-AA02-DFA0A04FC94B}">
-              <ma14:wrappingTextBoxFlag xmlns:ma14="http://schemas.microsoft.com/office/mac/drawingml/2011/main" val="1"/>
-            </a:ext>
-          </a:extLst>
-        </p:spPr>
-        <p:txBody>
-          <a:bodyPr wrap="none" lIns="50800" tIns="50800" rIns="50800" bIns="50800" anchor="ctr">
-            <a:spAutoFit/>
-          </a:bodyPr>
-          <a:lstStyle>
-            <a:lvl1pPr>
-              <a:defRPr b="1" sz="3800" u="sng">
-                <a:hlinkClick r:id="rId2" invalidUrl="" action="" tgtFrame="" tooltip="" history="1" highlightClick="0" endSnd="0"/>
-              </a:defRPr>
-            </a:lvl1pPr>
-          </a:lstStyle>
-          <a:p>
-            <a:pPr>
-              <a:defRPr u="none"/>
-            </a:pPr>
-            <a:r>
-              <a:rPr u="sng">
-                <a:hlinkClick r:id="rId2" invalidUrl="" action="" tgtFrame="" tooltip="" history="1" highlightClick="0" endSnd="0"/>
-              </a:rPr>
-              <a:t>github.com/williamfiset/data-structures</a:t>
             </a:r>
           </a:p>
         </p:txBody>
@@ -37699,7 +37043,7 @@
       </p:grpSpPr>
       <p:sp>
         <p:nvSpPr>
-          <p:cNvPr id="167" name="Shape 167"/>
+          <p:cNvPr id="166" name="Terminology"/>
           <p:cNvSpPr/>
           <p:nvPr>
             <p:ph type="title"/>
@@ -37736,7 +37080,7 @@
       </p:sp>
       <p:sp>
         <p:nvSpPr>
-          <p:cNvPr id="168" name="Shape 168"/>
+          <p:cNvPr id="167" name="Head: The first node in a linked list"/>
           <p:cNvSpPr/>
           <p:nvPr/>
         </p:nvSpPr>
@@ -37786,7 +37130,7 @@
       </p:sp>
       <p:sp>
         <p:nvSpPr>
-          <p:cNvPr id="169" name="Shape 169"/>
+          <p:cNvPr id="168" name="Tail: The last node in a linked list"/>
           <p:cNvSpPr/>
           <p:nvPr/>
         </p:nvSpPr>
@@ -37836,7 +37180,7 @@
       </p:sp>
       <p:pic>
         <p:nvPicPr>
-          <p:cNvPr id="170" name="Screen Shot 2016-06-30 at 4.01.56 PM.png"/>
+          <p:cNvPr id="169" name="Screen Shot 2016-06-30 at 4.01.56 PM.png" descr="Screen Shot 2016-06-30 at 4.01.56 PM.png"/>
           <p:cNvPicPr>
             <a:picLocks noChangeAspect="1"/>
           </p:cNvPicPr>
@@ -37865,7 +37209,7 @@
       </p:pic>
       <p:sp>
         <p:nvSpPr>
-          <p:cNvPr id="171" name="Shape 171"/>
+          <p:cNvPr id="170" name="Head"/>
           <p:cNvSpPr/>
           <p:nvPr/>
         </p:nvSpPr>
@@ -37917,7 +37261,7 @@
       </p:sp>
       <p:sp>
         <p:nvSpPr>
-          <p:cNvPr id="172" name="Shape 172"/>
+          <p:cNvPr id="171" name="Tail"/>
           <p:cNvSpPr/>
           <p:nvPr/>
         </p:nvSpPr>
@@ -37969,7 +37313,7 @@
       </p:sp>
       <p:sp>
         <p:nvSpPr>
-          <p:cNvPr id="173" name="Shape 173"/>
+          <p:cNvPr id="172" name="Pointer: Reference to another node"/>
           <p:cNvSpPr/>
           <p:nvPr/>
         </p:nvSpPr>
@@ -38011,7 +37355,7 @@
       </p:sp>
       <p:sp>
         <p:nvSpPr>
-          <p:cNvPr id="174" name="Shape 174"/>
+          <p:cNvPr id="173" name="Line"/>
           <p:cNvSpPr/>
           <p:nvPr/>
         </p:nvSpPr>
@@ -38048,7 +37392,7 @@
       </p:sp>
       <p:sp>
         <p:nvSpPr>
-          <p:cNvPr id="175" name="Shape 175"/>
+          <p:cNvPr id="174" name="Line"/>
           <p:cNvSpPr/>
           <p:nvPr/>
         </p:nvSpPr>
@@ -38085,7 +37429,7 @@
       </p:sp>
       <p:sp>
         <p:nvSpPr>
-          <p:cNvPr id="176" name="Shape 176"/>
+          <p:cNvPr id="175" name="Line"/>
           <p:cNvSpPr/>
           <p:nvPr/>
         </p:nvSpPr>
@@ -38122,7 +37466,7 @@
       </p:sp>
       <p:sp>
         <p:nvSpPr>
-          <p:cNvPr id="177" name="Shape 177"/>
+          <p:cNvPr id="176" name="Pointer"/>
           <p:cNvSpPr/>
           <p:nvPr/>
         </p:nvSpPr>
@@ -38167,7 +37511,7 @@
       </p:sp>
       <p:sp>
         <p:nvSpPr>
-          <p:cNvPr id="178" name="Shape 178"/>
+          <p:cNvPr id="177" name="Node: An object containing data and pointer(s)"/>
           <p:cNvSpPr/>
           <p:nvPr/>
         </p:nvSpPr>
@@ -38209,7 +37553,7 @@
       </p:sp>
       <p:sp>
         <p:nvSpPr>
-          <p:cNvPr id="179" name="Shape 179"/>
+          <p:cNvPr id="178" name="Line"/>
           <p:cNvSpPr/>
           <p:nvPr/>
         </p:nvSpPr>
@@ -38246,7 +37590,7 @@
       </p:sp>
       <p:sp>
         <p:nvSpPr>
-          <p:cNvPr id="180" name="Shape 180"/>
+          <p:cNvPr id="179" name="Node"/>
           <p:cNvSpPr/>
           <p:nvPr/>
         </p:nvSpPr>
@@ -38317,7 +37661,7 @@
       </p:grpSpPr>
       <p:sp>
         <p:nvSpPr>
-          <p:cNvPr id="184" name="Shape 184"/>
+          <p:cNvPr id="183" name="Singly vs Doubly Linked Lists"/>
           <p:cNvSpPr/>
           <p:nvPr>
             <p:ph type="title"/>
@@ -38354,7 +37698,7 @@
       </p:sp>
       <p:pic>
         <p:nvPicPr>
-          <p:cNvPr id="185" name="Screen Shot 2016-06-30 at 4.05.07 PM.png"/>
+          <p:cNvPr id="184" name="Screen Shot 2016-06-30 at 4.05.07 PM.png" descr="Screen Shot 2016-06-30 at 4.05.07 PM.png"/>
           <p:cNvPicPr>
             <a:picLocks noChangeAspect="1"/>
           </p:cNvPicPr>
@@ -38383,7 +37727,7 @@
       </p:pic>
       <p:pic>
         <p:nvPicPr>
-          <p:cNvPr id="186" name="Screen Shot 2016-06-30 at 4.01.56 PM.png"/>
+          <p:cNvPr id="185" name="Screen Shot 2016-06-30 at 4.01.56 PM.png" descr="Screen Shot 2016-06-30 at 4.01.56 PM.png"/>
           <p:cNvPicPr>
             <a:picLocks noChangeAspect="1"/>
           </p:cNvPicPr>
@@ -38412,7 +37756,7 @@
       </p:pic>
       <p:sp>
         <p:nvSpPr>
-          <p:cNvPr id="187" name="Shape 187"/>
+          <p:cNvPr id="186" name="Singly linked lists only hold a reference to the next node. In the implementation you always maintain a reference to the head to the linked list and a reference to the tail node for quick additions/removals."/>
           <p:cNvSpPr/>
           <p:nvPr/>
         </p:nvSpPr>
@@ -38480,7 +37824,7 @@
       </p:sp>
       <p:sp>
         <p:nvSpPr>
-          <p:cNvPr id="188" name="Shape 188"/>
+          <p:cNvPr id="187" name="With a doubly linked list each node holds a reference to the next and previous node. In the implementation you always maintain a reference to the head and the tail of the doubly linked list to do quick additions/removals from both ends of your list."/>
           <p:cNvSpPr/>
           <p:nvPr/>
         </p:nvSpPr>
@@ -38574,7 +37918,7 @@
       </p:grpSpPr>
       <p:sp>
         <p:nvSpPr>
-          <p:cNvPr id="192" name="Shape 192"/>
+          <p:cNvPr id="191" name="Singly &amp; Doubly Linked lists…"/>
           <p:cNvSpPr/>
           <p:nvPr>
             <p:ph type="title"/>
@@ -38618,7 +37962,7 @@
       </p:sp>
       <p:graphicFrame>
         <p:nvGraphicFramePr>
-          <p:cNvPr id="193" name="Table 193"/>
+          <p:cNvPr id="192" name="Table"/>
           <p:cNvGraphicFramePr/>
           <p:nvPr/>
         </p:nvGraphicFramePr>
@@ -38828,7 +38172,7 @@
       </p:graphicFrame>
       <p:sp>
         <p:nvSpPr>
-          <p:cNvPr id="194" name="Shape 194"/>
+          <p:cNvPr id="193" name="Pros"/>
           <p:cNvSpPr/>
           <p:nvPr/>
         </p:nvSpPr>
@@ -38873,7 +38217,7 @@
       </p:sp>
       <p:sp>
         <p:nvSpPr>
-          <p:cNvPr id="195" name="Shape 195"/>
+          <p:cNvPr id="194" name="Cons"/>
           <p:cNvSpPr/>
           <p:nvPr/>
         </p:nvSpPr>
@@ -38918,7 +38262,7 @@
       </p:sp>
       <p:sp>
         <p:nvSpPr>
-          <p:cNvPr id="196" name="Shape 196"/>
+          <p:cNvPr id="195" name="Singly…"/>
           <p:cNvSpPr/>
           <p:nvPr/>
         </p:nvSpPr>
@@ -38974,7 +38318,7 @@
       </p:sp>
       <p:sp>
         <p:nvSpPr>
-          <p:cNvPr id="197" name="Shape 197"/>
+          <p:cNvPr id="196" name="Doubly…"/>
           <p:cNvSpPr/>
           <p:nvPr/>
         </p:nvSpPr>
@@ -39056,7 +38400,7 @@
       </p:grpSpPr>
       <p:sp>
         <p:nvSpPr>
-          <p:cNvPr id="201" name="Shape 201"/>
+          <p:cNvPr id="200" name="Implementation details"/>
           <p:cNvSpPr/>
           <p:nvPr>
             <p:ph type="title"/>
